--- a/Презентация для защиты.pptx
+++ b/Презентация для защиты.pptx
@@ -8,10 +8,13 @@
     <p:sldId id="256" r:id="rId2"/>
     <p:sldId id="257" r:id="rId3"/>
     <p:sldId id="258" r:id="rId4"/>
-    <p:sldId id="259" r:id="rId5"/>
-    <p:sldId id="260" r:id="rId6"/>
-    <p:sldId id="261" r:id="rId7"/>
-    <p:sldId id="262" r:id="rId8"/>
+    <p:sldId id="263" r:id="rId5"/>
+    <p:sldId id="259" r:id="rId6"/>
+    <p:sldId id="265" r:id="rId7"/>
+    <p:sldId id="260" r:id="rId8"/>
+    <p:sldId id="264" r:id="rId9"/>
+    <p:sldId id="261" r:id="rId10"/>
+    <p:sldId id="262" r:id="rId11"/>
   </p:sldIdLst>
   <p:sldSz cx="12192000" cy="6858000"/>
   <p:notesSz cx="6858000" cy="9144000"/>
@@ -129,6 +132,330 @@
 </p:presentation>
 </file>
 
+<file path=ppt/ink/ink1.xml><?xml version="1.0" encoding="utf-8"?>
+<inkml:ink xmlns:inkml="http://www.w3.org/2003/InkML">
+  <inkml:definitions>
+    <inkml:context xml:id="ctx0">
+      <inkml:inkSource xml:id="inkSrc0">
+        <inkml:traceFormat>
+          <inkml:channel name="X" type="integer" min="-2.14748E9" max="2.14748E9" units="cm"/>
+          <inkml:channel name="Y" type="integer" min="-2.14748E9" max="2.14748E9" units="cm"/>
+          <inkml:channel name="F" type="integer" max="32767" units="dev"/>
+        </inkml:traceFormat>
+        <inkml:channelProperties>
+          <inkml:channelProperty channel="X" name="resolution" value="1000" units="1/cm"/>
+          <inkml:channelProperty channel="Y" name="resolution" value="1000" units="1/cm"/>
+          <inkml:channelProperty channel="F" name="resolution" value="0" units="1/dev"/>
+        </inkml:channelProperties>
+      </inkml:inkSource>
+      <inkml:timestamp xml:id="ts0" timeString="2023-05-21T01:53:28.912"/>
+    </inkml:context>
+    <inkml:brush xml:id="br0">
+      <inkml:brushProperty name="width" value="0.05" units="cm"/>
+      <inkml:brushProperty name="height" value="0.05" units="cm"/>
+    </inkml:brush>
+  </inkml:definitions>
+  <inkml:trace contextRef="#ctx0" brushRef="#br0">1 1243 24575,'52'3'0,"88"15"0,-82-9 0,65 3 0,124-11 0,216 13 0,-64 43 0,-286-36 0,1-4 0,0-6 0,1-4 0,145-11 0,31-30 0,155-34 0,-103 10 0,-106 17 0,-200 31 0,-1-1 0,0-2 0,-1-2 0,44-25 0,-25 8 0,-1-2 0,-2-3 0,-2-2 0,54-53 0,-53 44 0,-23 23 0,31-37 0,12-22 0,153-140 0,-185 186 34,-2-2-1,-1-1 0,40-64 1,-38 51-784,72-79 1,-78 103-6077</inkml:trace>
+</inkml:ink>
+</file>
+
+<file path=ppt/ink/ink10.xml><?xml version="1.0" encoding="utf-8"?>
+<inkml:ink xmlns:inkml="http://www.w3.org/2003/InkML">
+  <inkml:definitions>
+    <inkml:context xml:id="ctx0">
+      <inkml:inkSource xml:id="inkSrc0">
+        <inkml:traceFormat>
+          <inkml:channel name="X" type="integer" min="-2.14748E9" max="2.14748E9" units="cm"/>
+          <inkml:channel name="Y" type="integer" min="-2.14748E9" max="2.14748E9" units="cm"/>
+          <inkml:channel name="F" type="integer" max="32767" units="dev"/>
+        </inkml:traceFormat>
+        <inkml:channelProperties>
+          <inkml:channelProperty channel="X" name="resolution" value="1000" units="1/cm"/>
+          <inkml:channelProperty channel="Y" name="resolution" value="1000" units="1/cm"/>
+          <inkml:channelProperty channel="F" name="resolution" value="0" units="1/dev"/>
+        </inkml:channelProperties>
+      </inkml:inkSource>
+      <inkml:timestamp xml:id="ts0" timeString="2023-05-21T01:53:53.740"/>
+    </inkml:context>
+    <inkml:brush xml:id="br0">
+      <inkml:brushProperty name="width" value="0.05" units="cm"/>
+      <inkml:brushProperty name="height" value="0.05" units="cm"/>
+    </inkml:brush>
+  </inkml:definitions>
+  <inkml:trace contextRef="#ctx0" brushRef="#br0">1 256 24575,'12'3'0,"0"-1"0,0 2 0,-1-1 0,1 2 0,-1-1 0,0 2 0,0 0 0,0 0 0,15 12 0,-4-3 0,-1-2 0,-1 1 0,-1 2 0,0 0 0,-1 0 0,-1 2 0,-1 0 0,0 1 0,12 21 0,8 20 0,42 95 0,-64-125 0,-9-21 0,0 1 0,0-1 0,13 16 0,-17-24 0,0 0 0,0 0 0,-1 0 0,1 0 0,0 0 0,0 0 0,0-1 0,0 1 0,0 0 0,0-1 0,0 1 0,1-1 0,-1 1 0,0-1 0,0 1 0,0-1 0,0 0 0,3 1 0,-3-2 0,0 1 0,0-1 0,0 1 0,0-1 0,0 0 0,0 1 0,0-1 0,0 0 0,0 0 0,0 0 0,-1 0 0,1 0 0,0 1 0,0-1 0,-1-1 0,1 1 0,-1 0 0,1 0 0,-1 0 0,1 0 0,-1 0 0,0 0 0,0-1 0,1 0 0,4-27 0,-1-1 0,-1 1 0,-1-1 0,-2 0 0,-1 0 0,-5-30 0,3 42 0,-2-1 0,0 1 0,-1 1 0,0-1 0,-2 1 0,-17-30 0,12 22 0,-18-45 0,6-9 0,14 40 0,-2 0 0,-1 0 0,-23-41 0,19 60 0,18 20 0,-1-1 0,1 1 0,0 0 0,-1 0 0,1 0 0,0 0 0,-1 0 0,1 0 0,-1 0 0,1 0 0,0 0 0,-1 0 0,1 0 0,0 0 0,-1 0 0,1 0 0,-1 0 0,1 0 0,0 1 0,-1-1 0,1 0 0,0 0 0,-1 0 0,1 0 0,0 1 0,-1-1 0,1 0 0,0 0 0,0 1 0,-1-1 0,1 0 0,0 1 0,-1 0 0,0 2 0,0 0 0,0 0 0,0 0 0,0 0 0,0 0 0,1 1 0,0-1 0,-1 0 0,1 1 0,0-1 0,1 6 0,5 21 0,1-1 0,1 1 0,2-1 0,1 0 0,1-1 0,22 37 0,28 71 0,-52-110 0,2-1 0,0 0 0,1 0 0,2-2 0,22 30 0,-22-41 0,-13-24 0,-17-27 0,-33-24 0,-10-16 0,29 36-300,-51-61 0,65 86-465,-15-18-6061</inkml:trace>
+</inkml:ink>
+</file>
+
+<file path=ppt/ink/ink11.xml><?xml version="1.0" encoding="utf-8"?>
+<inkml:ink xmlns:inkml="http://www.w3.org/2003/InkML">
+  <inkml:definitions>
+    <inkml:context xml:id="ctx0">
+      <inkml:inkSource xml:id="inkSrc0">
+        <inkml:traceFormat>
+          <inkml:channel name="X" type="integer" min="-2.14748E9" max="2.14748E9" units="cm"/>
+          <inkml:channel name="Y" type="integer" min="-2.14748E9" max="2.14748E9" units="cm"/>
+          <inkml:channel name="F" type="integer" max="32767" units="dev"/>
+        </inkml:traceFormat>
+        <inkml:channelProperties>
+          <inkml:channelProperty channel="X" name="resolution" value="1000" units="1/cm"/>
+          <inkml:channelProperty channel="Y" name="resolution" value="1000" units="1/cm"/>
+          <inkml:channelProperty channel="F" name="resolution" value="0" units="1/dev"/>
+        </inkml:channelProperties>
+      </inkml:inkSource>
+      <inkml:timestamp xml:id="ts0" timeString="2023-05-21T01:54:03.071"/>
+    </inkml:context>
+    <inkml:brush xml:id="br0">
+      <inkml:brushProperty name="width" value="0.05" units="cm"/>
+      <inkml:brushProperty name="height" value="0.05" units="cm"/>
+    </inkml:brush>
+  </inkml:definitions>
+  <inkml:trace contextRef="#ctx0" brushRef="#br0">0 0 24575</inkml:trace>
+</inkml:ink>
+</file>
+
+<file path=ppt/ink/ink12.xml><?xml version="1.0" encoding="utf-8"?>
+<inkml:ink xmlns:inkml="http://www.w3.org/2003/InkML">
+  <inkml:definitions>
+    <inkml:context xml:id="ctx0">
+      <inkml:inkSource xml:id="inkSrc0">
+        <inkml:traceFormat>
+          <inkml:channel name="X" type="integer" min="-2.14748E9" max="2.14748E9" units="cm"/>
+          <inkml:channel name="Y" type="integer" min="-2.14748E9" max="2.14748E9" units="cm"/>
+          <inkml:channel name="F" type="integer" max="32767" units="dev"/>
+        </inkml:traceFormat>
+        <inkml:channelProperties>
+          <inkml:channelProperty channel="X" name="resolution" value="1000" units="1/cm"/>
+          <inkml:channelProperty channel="Y" name="resolution" value="1000" units="1/cm"/>
+          <inkml:channelProperty channel="F" name="resolution" value="0" units="1/dev"/>
+        </inkml:channelProperties>
+      </inkml:inkSource>
+      <inkml:timestamp xml:id="ts0" timeString="2023-05-21T01:54:03.071"/>
+    </inkml:context>
+    <inkml:brush xml:id="br0">
+      <inkml:brushProperty name="width" value="0.05" units="cm"/>
+      <inkml:brushProperty name="height" value="0.05" units="cm"/>
+    </inkml:brush>
+  </inkml:definitions>
+  <inkml:trace contextRef="#ctx0" brushRef="#br0">0 0 24575</inkml:trace>
+</inkml:ink>
+</file>
+
+<file path=ppt/ink/ink2.xml><?xml version="1.0" encoding="utf-8"?>
+<inkml:ink xmlns:inkml="http://www.w3.org/2003/InkML">
+  <inkml:definitions>
+    <inkml:context xml:id="ctx0">
+      <inkml:inkSource xml:id="inkSrc0">
+        <inkml:traceFormat>
+          <inkml:channel name="X" type="integer" min="-2.14748E9" max="2.14748E9" units="cm"/>
+          <inkml:channel name="Y" type="integer" min="-2.14748E9" max="2.14748E9" units="cm"/>
+          <inkml:channel name="F" type="integer" max="32767" units="dev"/>
+        </inkml:traceFormat>
+        <inkml:channelProperties>
+          <inkml:channelProperty channel="X" name="resolution" value="1000" units="1/cm"/>
+          <inkml:channelProperty channel="Y" name="resolution" value="1000" units="1/cm"/>
+          <inkml:channelProperty channel="F" name="resolution" value="0" units="1/dev"/>
+        </inkml:channelProperties>
+      </inkml:inkSource>
+      <inkml:timestamp xml:id="ts0" timeString="2023-05-21T01:53:31.980"/>
+    </inkml:context>
+    <inkml:brush xml:id="br0">
+      <inkml:brushProperty name="width" value="0.05" units="cm"/>
+      <inkml:brushProperty name="height" value="0.05" units="cm"/>
+    </inkml:brush>
+  </inkml:definitions>
+  <inkml:trace contextRef="#ctx0" brushRef="#br0">0 1331 24575,'61'3'0,"90"15"0,47 3 0,55-22 0,91 3 0,-306 2 0,1 3 0,71 21 0,-69-16 0,0-2 0,53 6 0,370-9 0,-251-11 0,324 5 0,-498-4 0,-1-2 0,0-2 0,69-20 0,-83 20 0,13-4 0,0-2 0,-1-1 0,58-33 0,91-72 0,-148 94 0,-18 14 0,0 0 0,32-12 0,15-7 0,-32 13 0,47-16 0,-50 22 0,-1-2 0,41-23 0,158-85 0,-170 85 0,-2-3 0,-2-2 0,84-80 0,-112 94 0,-5 6 0,-1-1 0,-1-1 0,-1 0 0,31-51 0,-46 66 0,37-69 0,54-142 0,-91 208-114,1 0 1,0 1-1,0-1 0,1 1 0,1 1 1,0-1-1,0 1 0,0 0 0,1 1 1,1 0-1,9-7 0,3-4-6712</inkml:trace>
+</inkml:ink>
+</file>
+
+<file path=ppt/ink/ink3.xml><?xml version="1.0" encoding="utf-8"?>
+<inkml:ink xmlns:inkml="http://www.w3.org/2003/InkML">
+  <inkml:definitions>
+    <inkml:context xml:id="ctx0">
+      <inkml:inkSource xml:id="inkSrc0">
+        <inkml:traceFormat>
+          <inkml:channel name="X" type="integer" min="-2.14748E9" max="2.14748E9" units="cm"/>
+          <inkml:channel name="Y" type="integer" min="-2.14748E9" max="2.14748E9" units="cm"/>
+          <inkml:channel name="F" type="integer" max="32767" units="dev"/>
+        </inkml:traceFormat>
+        <inkml:channelProperties>
+          <inkml:channelProperty channel="X" name="resolution" value="1000" units="1/cm"/>
+          <inkml:channelProperty channel="Y" name="resolution" value="1000" units="1/cm"/>
+          <inkml:channelProperty channel="F" name="resolution" value="0" units="1/dev"/>
+        </inkml:channelProperties>
+      </inkml:inkSource>
+      <inkml:timestamp xml:id="ts0" timeString="2023-05-21T01:53:34.379"/>
+    </inkml:context>
+    <inkml:brush xml:id="br0">
+      <inkml:brushProperty name="width" value="0.05" units="cm"/>
+      <inkml:brushProperty name="height" value="0.05" units="cm"/>
+    </inkml:brush>
+  </inkml:definitions>
+  <inkml:trace contextRef="#ctx0" brushRef="#br0">650 1 24575,'-3'1'0,"-1"0"0,1 0 0,0 1 0,0 0 0,0-1 0,0 1 0,0 0 0,1 0 0,-1 1 0,0-1 0,1 1 0,0-1 0,-1 1 0,1 0 0,-2 3 0,-6 7 0,-94 86 0,67-66 0,2 1 0,1 2 0,-31 42 0,57-65-68,-2 0 0,0-1-1,0 0 1,-1-1 0,0 0 0,-1-1-1,-1 0 1,1-1 0,-1 0 0,-1-1-1,0-1 1,0 0 0,0-1 0,-1 0-1,0-1 1,0-1 0,0 0-1,0-1 1,-26 1 0,5-2-6758</inkml:trace>
+</inkml:ink>
+</file>
+
+<file path=ppt/ink/ink4.xml><?xml version="1.0" encoding="utf-8"?>
+<inkml:ink xmlns:inkml="http://www.w3.org/2003/InkML">
+  <inkml:definitions>
+    <inkml:context xml:id="ctx0">
+      <inkml:inkSource xml:id="inkSrc0">
+        <inkml:traceFormat>
+          <inkml:channel name="X" type="integer" min="-2.14748E9" max="2.14748E9" units="cm"/>
+          <inkml:channel name="Y" type="integer" min="-2.14748E9" max="2.14748E9" units="cm"/>
+          <inkml:channel name="F" type="integer" max="32767" units="dev"/>
+        </inkml:traceFormat>
+        <inkml:channelProperties>
+          <inkml:channelProperty channel="X" name="resolution" value="1000" units="1/cm"/>
+          <inkml:channelProperty channel="Y" name="resolution" value="1000" units="1/cm"/>
+          <inkml:channelProperty channel="F" name="resolution" value="0" units="1/dev"/>
+        </inkml:channelProperties>
+      </inkml:inkSource>
+      <inkml:timestamp xml:id="ts0" timeString="2023-05-21T01:53:35.642"/>
+    </inkml:context>
+    <inkml:brush xml:id="br0">
+      <inkml:brushProperty name="width" value="0.05" units="cm"/>
+      <inkml:brushProperty name="height" value="0.05" units="cm"/>
+    </inkml:brush>
+  </inkml:definitions>
+  <inkml:trace contextRef="#ctx0" brushRef="#br0">861 1 24575,'-15'11'0,"0"0"0,-1 0 0,0-2 0,0 0 0,-24 9 0,-1 2 0,-16 8 0,1 3 0,2 3 0,1 2 0,2 2 0,-67 65 0,108-93 0,-9 10 0,-2-1 0,-28 21 0,40-34 0,0-1 0,0 0 0,0 0 0,-1-1 0,1 0 0,-1-1 0,0 0 0,-1 0 0,-15 1 0,-26 0-1365,2-2-5461</inkml:trace>
+</inkml:ink>
+</file>
+
+<file path=ppt/ink/ink5.xml><?xml version="1.0" encoding="utf-8"?>
+<inkml:ink xmlns:inkml="http://www.w3.org/2003/InkML">
+  <inkml:definitions>
+    <inkml:context xml:id="ctx0">
+      <inkml:inkSource xml:id="inkSrc0">
+        <inkml:traceFormat>
+          <inkml:channel name="X" type="integer" min="-2.14748E9" max="2.14748E9" units="cm"/>
+          <inkml:channel name="Y" type="integer" min="-2.14748E9" max="2.14748E9" units="cm"/>
+          <inkml:channel name="F" type="integer" max="32767" units="dev"/>
+        </inkml:traceFormat>
+        <inkml:channelProperties>
+          <inkml:channelProperty channel="X" name="resolution" value="1000" units="1/cm"/>
+          <inkml:channelProperty channel="Y" name="resolution" value="1000" units="1/cm"/>
+          <inkml:channelProperty channel="F" name="resolution" value="0" units="1/dev"/>
+        </inkml:channelProperties>
+      </inkml:inkSource>
+      <inkml:timestamp xml:id="ts0" timeString="2023-05-21T01:53:36.512"/>
+    </inkml:context>
+    <inkml:brush xml:id="br0">
+      <inkml:brushProperty name="width" value="0.05" units="cm"/>
+      <inkml:brushProperty name="height" value="0.05" units="cm"/>
+    </inkml:brush>
+  </inkml:definitions>
+  <inkml:trace contextRef="#ctx0" brushRef="#br0">372 20 24575,'0'-1'0,"0"0"0,0 1 0,0-1 0,0 0 0,0 1 0,0-1 0,0 0 0,0 1 0,0-1 0,0 0 0,0 1 0,0-1 0,-1 0 0,1 1 0,0-1 0,0 0 0,-1 1 0,1-1 0,-1 1 0,1-1 0,0 1 0,-1-1 0,1 1 0,-1-1 0,1 1 0,-1-1 0,1 1 0,-1-1 0,0 1 0,1 0 0,-1 0 0,-1-1 0,-21 8 0,-21 28 0,24-13 0,1 1 0,1 1 0,-29 51 0,-35 88 0,64-123 0,1-1-195,2 0 0,1 1 0,3 1 0,1 0 0,2 0 0,-5 82 0,12-86-6631</inkml:trace>
+</inkml:ink>
+</file>
+
+<file path=ppt/ink/ink6.xml><?xml version="1.0" encoding="utf-8"?>
+<inkml:ink xmlns:inkml="http://www.w3.org/2003/InkML">
+  <inkml:definitions>
+    <inkml:context xml:id="ctx0">
+      <inkml:inkSource xml:id="inkSrc0">
+        <inkml:traceFormat>
+          <inkml:channel name="X" type="integer" min="-2.14748E9" max="2.14748E9" units="cm"/>
+          <inkml:channel name="Y" type="integer" min="-2.14748E9" max="2.14748E9" units="cm"/>
+          <inkml:channel name="F" type="integer" max="32767" units="dev"/>
+        </inkml:traceFormat>
+        <inkml:channelProperties>
+          <inkml:channelProperty channel="X" name="resolution" value="1000" units="1/cm"/>
+          <inkml:channelProperty channel="Y" name="resolution" value="1000" units="1/cm"/>
+          <inkml:channelProperty channel="F" name="resolution" value="0" units="1/dev"/>
+        </inkml:channelProperties>
+      </inkml:inkSource>
+      <inkml:timestamp xml:id="ts0" timeString="2023-05-21T01:53:38.473"/>
+    </inkml:context>
+    <inkml:brush xml:id="br0">
+      <inkml:brushProperty name="width" value="0.05" units="cm"/>
+      <inkml:brushProperty name="height" value="0.05" units="cm"/>
+    </inkml:brush>
+  </inkml:definitions>
+  <inkml:trace contextRef="#ctx0" brushRef="#br0">636 44 24575,'1'39'0,"-3"0"0,-1 0 0,-9 44 0,2-24 0,-6 118 0,16 51 0,1-144 0,-1-671 0,-1 576 0,1 0 0,1 0 0,0 0 0,1 0 0,0 1 0,0-1 0,1 1 0,1-1 0,0 1 0,0 0 0,1 0 0,0 0 0,0 1 0,1 0 0,1 0 0,0 1 0,0-1 0,15-13 0,-22 22 0,1 0 0,-1 0 0,0 0 0,0-1 0,0 1 0,0 0 0,0 0 0,0 0 0,0 0 0,0 0 0,0 0 0,1 0 0,-1 0 0,0 0 0,0 0 0,0 0 0,0 0 0,0 0 0,0 0 0,0-1 0,1 1 0,-1 0 0,0 0 0,0 0 0,0 0 0,0 0 0,0 0 0,0 0 0,1 0 0,-1 1 0,0-1 0,0 0 0,0 0 0,0 0 0,0 0 0,0 0 0,0 0 0,1 0 0,-1 0 0,0 0 0,0 0 0,0 0 0,0 0 0,0 0 0,0 1 0,0-1 0,0 0 0,0 0 0,1 0 0,-1 0 0,0 0 0,0 0 0,0 0 0,0 1 0,0-1 0,0 0 0,0 0 0,0 0 0,-1 12 0,-6 13 0,-5-3 0,-2 0 0,0-1 0,-1-1 0,-2-1 0,0 0 0,-35 30 0,24-26 0,-1-2 0,0-1 0,-2-1 0,-41 19 0,45-28 17,0-1 1,0-1-1,-31 5 0,38-10-196,0 1-1,1 1 1,0 0 0,0 2 0,0 0-1,1 1 1,-31 19 0,23-7-6647</inkml:trace>
+</inkml:ink>
+</file>
+
+<file path=ppt/ink/ink7.xml><?xml version="1.0" encoding="utf-8"?>
+<inkml:ink xmlns:inkml="http://www.w3.org/2003/InkML">
+  <inkml:definitions>
+    <inkml:context xml:id="ctx0">
+      <inkml:inkSource xml:id="inkSrc0">
+        <inkml:traceFormat>
+          <inkml:channel name="X" type="integer" min="-2.14748E9" max="2.14748E9" units="cm"/>
+          <inkml:channel name="Y" type="integer" min="-2.14748E9" max="2.14748E9" units="cm"/>
+          <inkml:channel name="F" type="integer" max="32767" units="dev"/>
+        </inkml:traceFormat>
+        <inkml:channelProperties>
+          <inkml:channelProperty channel="X" name="resolution" value="1000" units="1/cm"/>
+          <inkml:channelProperty channel="Y" name="resolution" value="1000" units="1/cm"/>
+          <inkml:channelProperty channel="F" name="resolution" value="0" units="1/dev"/>
+        </inkml:channelProperties>
+      </inkml:inkSource>
+      <inkml:timestamp xml:id="ts0" timeString="2023-05-21T01:53:39.686"/>
+    </inkml:context>
+    <inkml:brush xml:id="br0">
+      <inkml:brushProperty name="width" value="0.05" units="cm"/>
+      <inkml:brushProperty name="height" value="0.05" units="cm"/>
+    </inkml:brush>
+  </inkml:definitions>
+  <inkml:trace contextRef="#ctx0" brushRef="#br0">168 1 24575,'-8'0'0,"-8"7"0,-2 9 0,2 9 0,-3 7 0,1 6 0,4 2 0,5 9 0,-4-4 0,1-2 0,2 4 0,3 3 0,3 5 0,2 1 0,1-2 0,1-3 0,0-11-8191</inkml:trace>
+</inkml:ink>
+</file>
+
+<file path=ppt/ink/ink8.xml><?xml version="1.0" encoding="utf-8"?>
+<inkml:ink xmlns:inkml="http://www.w3.org/2003/InkML">
+  <inkml:definitions>
+    <inkml:context xml:id="ctx0">
+      <inkml:inkSource xml:id="inkSrc0">
+        <inkml:traceFormat>
+          <inkml:channel name="X" type="integer" min="-2.14748E9" max="2.14748E9" units="cm"/>
+          <inkml:channel name="Y" type="integer" min="-2.14748E9" max="2.14748E9" units="cm"/>
+          <inkml:channel name="F" type="integer" max="32767" units="dev"/>
+        </inkml:traceFormat>
+        <inkml:channelProperties>
+          <inkml:channelProperty channel="X" name="resolution" value="1000" units="1/cm"/>
+          <inkml:channelProperty channel="Y" name="resolution" value="1000" units="1/cm"/>
+          <inkml:channelProperty channel="F" name="resolution" value="0" units="1/dev"/>
+        </inkml:channelProperties>
+      </inkml:inkSource>
+      <inkml:timestamp xml:id="ts0" timeString="2023-05-21T01:53:45.700"/>
+    </inkml:context>
+    <inkml:brush xml:id="br0">
+      <inkml:brushProperty name="width" value="0.05" units="cm"/>
+      <inkml:brushProperty name="height" value="0.05" units="cm"/>
+    </inkml:brush>
+  </inkml:definitions>
+  <inkml:trace contextRef="#ctx0" brushRef="#br0">0 86 24575,'1'-3'0,"-1"0"0,1 0 0,0 0 0,-1 1 0,2-1 0,-1 0 0,0 0 0,0 1 0,1-1 0,-1 1 0,1-1 0,0 1 0,0 0 0,0-1 0,0 1 0,0 0 0,0 1 0,1-1 0,-1 0 0,1 0 0,-1 1 0,1 0 0,0-1 0,-1 1 0,1 0 0,3 0 0,9-4 0,0 0 0,1 2 0,20-3 0,62-3 0,178 9 0,-120 4 0,30-6 0,181 5 0,-172 16 0,23 0 0,-202-18 0,1 1 0,-1 0 0,0 1 0,1 0 0,-2 2 0,1 0 0,0 0 0,22 13 0,111 46 0,15 7 0,-129-56 0,1-1 0,0-3 0,59 12 0,-60-15 0,0 0 0,0 3 0,61 27 0,288 146 0,-352-163 0,0 0 0,-2 2 0,0 1 0,-2 1 0,32 36 0,0-1 0,-40-43 0,1-1 0,1-1 0,33 18 0,14 10 0,-2 5 0,111 104 0,-149-120 0,46 62 0,-21-23 0,-42-55 0,35 40 0,76 122 0,-99-137-1365,-2-9-5461</inkml:trace>
+</inkml:ink>
+</file>
+
+<file path=ppt/ink/ink9.xml><?xml version="1.0" encoding="utf-8"?>
+<inkml:ink xmlns:inkml="http://www.w3.org/2003/InkML">
+  <inkml:definitions>
+    <inkml:context xml:id="ctx0">
+      <inkml:inkSource xml:id="inkSrc0">
+        <inkml:traceFormat>
+          <inkml:channel name="X" type="integer" min="-2.14748E9" max="2.14748E9" units="cm"/>
+          <inkml:channel name="Y" type="integer" min="-2.14748E9" max="2.14748E9" units="cm"/>
+          <inkml:channel name="F" type="integer" max="32767" units="dev"/>
+        </inkml:traceFormat>
+        <inkml:channelProperties>
+          <inkml:channelProperty channel="X" name="resolution" value="1000" units="1/cm"/>
+          <inkml:channelProperty channel="Y" name="resolution" value="1000" units="1/cm"/>
+          <inkml:channelProperty channel="F" name="resolution" value="0" units="1/dev"/>
+        </inkml:channelProperties>
+      </inkml:inkSource>
+      <inkml:timestamp xml:id="ts0" timeString="2023-05-21T01:53:50.250"/>
+    </inkml:context>
+    <inkml:brush xml:id="br0">
+      <inkml:brushProperty name="width" value="0.05" units="cm"/>
+      <inkml:brushProperty name="height" value="0.05" units="cm"/>
+    </inkml:brush>
+  </inkml:definitions>
+  <inkml:trace contextRef="#ctx0" brushRef="#br0">0 124 24575,'41'-2'0,"0"-2"0,41-9 0,34-4 0,18-5 0,-91 13 0,69-6 0,11 13 0,-66 3 0,1-4 0,62-9 0,-72 2 0,0 3 0,1 2 0,0 2 0,0 2 0,0 3 0,88 13 0,-42-3 0,-74-11 0,-1 1 0,1 1 0,-1 1 0,1 1 0,-1 0 0,30 13 0,-10-1 0,0-2 0,1-2 0,1-1 0,0-3 0,50 6 0,-49-9 0,-1 1 0,0 2 0,0 2 0,-1 2 0,43 20 0,-39-12 0,66 19 0,30 13 0,-9 1 0,-77-34 0,83 43 0,-15-2 0,-85-44 0,1 2 0,-2 1 0,46 34 0,-72-46 0,75 61 0,4-5 0,101 55 0,-167-105 0,-1 2 0,-1 0 0,0 2 0,-1 0 0,-1 2 0,-1 0 0,0 1 0,-2 1 0,18 28 0,-7-10 0,35 39 0,-41-55 0,-1 2 0,-1 1 0,-1 0 0,26 53 0,-6 23 46,-27-65-516,2-1-1,23 42 1,-15-42-6356</inkml:trace>
+</inkml:ink>
+</file>
+
 <file path=ppt/slideLayouts/slideLayout1.xml><?xml version="1.0" encoding="utf-8"?>
 <p:sldLayout xmlns:a="http://schemas.openxmlformats.org/drawingml/2006/main" xmlns:r="http://schemas.openxmlformats.org/officeDocument/2006/relationships" xmlns:p="http://schemas.openxmlformats.org/presentationml/2006/main" type="title" preserve="1">
   <p:cSld name="Титульный слайд">
@@ -276,7 +603,7 @@
           <a:p>
             <a:fld id="{ECC5EB61-FD36-413F-A708-AF8F6D17D5C3}" type="datetimeFigureOut">
               <a:rPr lang="ru-RU" smtClean="0"/>
-              <a:t>20.05.2023</a:t>
+              <a:t>21.05.2023</a:t>
             </a:fld>
             <a:endParaRPr lang="ru-RU"/>
           </a:p>
@@ -474,7 +801,7 @@
           <a:p>
             <a:fld id="{ECC5EB61-FD36-413F-A708-AF8F6D17D5C3}" type="datetimeFigureOut">
               <a:rPr lang="ru-RU" smtClean="0"/>
-              <a:t>20.05.2023</a:t>
+              <a:t>21.05.2023</a:t>
             </a:fld>
             <a:endParaRPr lang="ru-RU"/>
           </a:p>
@@ -682,7 +1009,7 @@
           <a:p>
             <a:fld id="{ECC5EB61-FD36-413F-A708-AF8F6D17D5C3}" type="datetimeFigureOut">
               <a:rPr lang="ru-RU" smtClean="0"/>
-              <a:t>20.05.2023</a:t>
+              <a:t>21.05.2023</a:t>
             </a:fld>
             <a:endParaRPr lang="ru-RU"/>
           </a:p>
@@ -880,7 +1207,7 @@
           <a:p>
             <a:fld id="{ECC5EB61-FD36-413F-A708-AF8F6D17D5C3}" type="datetimeFigureOut">
               <a:rPr lang="ru-RU" smtClean="0"/>
-              <a:t>20.05.2023</a:t>
+              <a:t>21.05.2023</a:t>
             </a:fld>
             <a:endParaRPr lang="ru-RU"/>
           </a:p>
@@ -1155,7 +1482,7 @@
           <a:p>
             <a:fld id="{ECC5EB61-FD36-413F-A708-AF8F6D17D5C3}" type="datetimeFigureOut">
               <a:rPr lang="ru-RU" smtClean="0"/>
-              <a:t>20.05.2023</a:t>
+              <a:t>21.05.2023</a:t>
             </a:fld>
             <a:endParaRPr lang="ru-RU"/>
           </a:p>
@@ -1420,7 +1747,7 @@
           <a:p>
             <a:fld id="{ECC5EB61-FD36-413F-A708-AF8F6D17D5C3}" type="datetimeFigureOut">
               <a:rPr lang="ru-RU" smtClean="0"/>
-              <a:t>20.05.2023</a:t>
+              <a:t>21.05.2023</a:t>
             </a:fld>
             <a:endParaRPr lang="ru-RU"/>
           </a:p>
@@ -1832,7 +2159,7 @@
           <a:p>
             <a:fld id="{ECC5EB61-FD36-413F-A708-AF8F6D17D5C3}" type="datetimeFigureOut">
               <a:rPr lang="ru-RU" smtClean="0"/>
-              <a:t>20.05.2023</a:t>
+              <a:t>21.05.2023</a:t>
             </a:fld>
             <a:endParaRPr lang="ru-RU"/>
           </a:p>
@@ -1973,7 +2300,7 @@
           <a:p>
             <a:fld id="{ECC5EB61-FD36-413F-A708-AF8F6D17D5C3}" type="datetimeFigureOut">
               <a:rPr lang="ru-RU" smtClean="0"/>
-              <a:t>20.05.2023</a:t>
+              <a:t>21.05.2023</a:t>
             </a:fld>
             <a:endParaRPr lang="ru-RU"/>
           </a:p>
@@ -2086,7 +2413,7 @@
           <a:p>
             <a:fld id="{ECC5EB61-FD36-413F-A708-AF8F6D17D5C3}" type="datetimeFigureOut">
               <a:rPr lang="ru-RU" smtClean="0"/>
-              <a:t>20.05.2023</a:t>
+              <a:t>21.05.2023</a:t>
             </a:fld>
             <a:endParaRPr lang="ru-RU"/>
           </a:p>
@@ -2397,7 +2724,7 @@
           <a:p>
             <a:fld id="{ECC5EB61-FD36-413F-A708-AF8F6D17D5C3}" type="datetimeFigureOut">
               <a:rPr lang="ru-RU" smtClean="0"/>
-              <a:t>20.05.2023</a:t>
+              <a:t>21.05.2023</a:t>
             </a:fld>
             <a:endParaRPr lang="ru-RU"/>
           </a:p>
@@ -2685,7 +3012,7 @@
           <a:p>
             <a:fld id="{ECC5EB61-FD36-413F-A708-AF8F6D17D5C3}" type="datetimeFigureOut">
               <a:rPr lang="ru-RU" smtClean="0"/>
-              <a:t>20.05.2023</a:t>
+              <a:t>21.05.2023</a:t>
             </a:fld>
             <a:endParaRPr lang="ru-RU"/>
           </a:p>
@@ -2926,7 +3253,7 @@
           <a:p>
             <a:fld id="{ECC5EB61-FD36-413F-A708-AF8F6D17D5C3}" type="datetimeFigureOut">
               <a:rPr lang="ru-RU" smtClean="0"/>
-              <a:t>20.05.2023</a:t>
+              <a:t>21.05.2023</a:t>
             </a:fld>
             <a:endParaRPr lang="ru-RU"/>
           </a:p>
@@ -3479,7 +3806,7 @@
 </p:sld>
 </file>
 
-<file path=ppt/slides/slide2.xml><?xml version="1.0" encoding="utf-8"?>
+<file path=ppt/slides/slide10.xml><?xml version="1.0" encoding="utf-8"?>
 <p:sld xmlns:a="http://schemas.openxmlformats.org/drawingml/2006/main" xmlns:r="http://schemas.openxmlformats.org/officeDocument/2006/relationships" xmlns:p="http://schemas.openxmlformats.org/presentationml/2006/main">
   <p:cSld>
     <p:spTree>
@@ -3518,600 +3845,6 @@
           <a:lstStyle/>
           <a:p>
             <a:r>
-              <a:rPr lang="ru-RU" dirty="0">
-                <a:latin typeface="JetBrains Mono" panose="02000009000000000000" pitchFamily="49" charset="0"/>
-                <a:ea typeface="JetBrains Mono" panose="02000009000000000000" pitchFamily="49" charset="0"/>
-                <a:cs typeface="JetBrains Mono" panose="02000009000000000000" pitchFamily="49" charset="0"/>
-              </a:rPr>
-              <a:t>Проблема</a:t>
-            </a:r>
-          </a:p>
-        </p:txBody>
-      </p:sp>
-      <p:sp>
-        <p:nvSpPr>
-          <p:cNvPr id="7" name="Объект 6">
-            <a:extLst>
-              <a:ext uri="{FF2B5EF4-FFF2-40B4-BE49-F238E27FC236}">
-                <a16:creationId xmlns:a16="http://schemas.microsoft.com/office/drawing/2014/main" id="{1EF56B53-0E4B-DFB0-72F9-FE59522539D6}"/>
-              </a:ext>
-            </a:extLst>
-          </p:cNvPr>
-          <p:cNvSpPr>
-            <a:spLocks noGrp="1"/>
-          </p:cNvSpPr>
-          <p:nvPr>
-            <p:ph idx="1"/>
-          </p:nvPr>
-        </p:nvSpPr>
-        <p:spPr>
-          <a:xfrm>
-            <a:off x="838200" y="4851399"/>
-            <a:ext cx="10515600" cy="1325563"/>
-          </a:xfrm>
-        </p:spPr>
-        <p:txBody>
-          <a:bodyPr>
-            <a:normAutofit/>
-          </a:bodyPr>
-          <a:lstStyle/>
-          <a:p>
-            <a:pPr marL="0" indent="0">
-              <a:buNone/>
-            </a:pPr>
-            <a:r>
-              <a:rPr lang="ru-RU" dirty="0">
-                <a:latin typeface="+mj-lt"/>
-              </a:rPr>
-              <a:t>На основе большого количества фотографий биологам нужно подсчитывать количество особей определённых видов лебедей. Им приходится делать это вручную, тратя много сил и времени.</a:t>
-            </a:r>
-          </a:p>
-          <a:p>
-            <a:endParaRPr lang="ru-RU" dirty="0">
-              <a:latin typeface="+mj-lt"/>
-            </a:endParaRPr>
-          </a:p>
-        </p:txBody>
-      </p:sp>
-      <p:sp>
-        <p:nvSpPr>
-          <p:cNvPr id="3" name="Стрелка: вправо 2">
-            <a:extLst>
-              <a:ext uri="{FF2B5EF4-FFF2-40B4-BE49-F238E27FC236}">
-                <a16:creationId xmlns:a16="http://schemas.microsoft.com/office/drawing/2014/main" id="{E098729A-F57F-FB8E-C4BD-9EBD8F50880D}"/>
-              </a:ext>
-            </a:extLst>
-          </p:cNvPr>
-          <p:cNvSpPr/>
-          <p:nvPr/>
-        </p:nvSpPr>
-        <p:spPr>
-          <a:xfrm>
-            <a:off x="3544380" y="2476500"/>
-            <a:ext cx="2515108" cy="1904999"/>
-          </a:xfrm>
-          <a:prstGeom prst="rightArrow">
-            <a:avLst>
-              <a:gd name="adj1" fmla="val 50000"/>
-              <a:gd name="adj2" fmla="val 74000"/>
-            </a:avLst>
-          </a:prstGeom>
-        </p:spPr>
-        <p:style>
-          <a:lnRef idx="2">
-            <a:schemeClr val="accent1">
-              <a:shade val="50000"/>
-            </a:schemeClr>
-          </a:lnRef>
-          <a:fillRef idx="1">
-            <a:schemeClr val="accent1"/>
-          </a:fillRef>
-          <a:effectRef idx="0">
-            <a:schemeClr val="accent1"/>
-          </a:effectRef>
-          <a:fontRef idx="minor">
-            <a:schemeClr val="lt1"/>
-          </a:fontRef>
-        </p:style>
-        <p:txBody>
-          <a:bodyPr rtlCol="0" anchor="ctr"/>
-          <a:lstStyle/>
-          <a:p>
-            <a:pPr algn="ctr"/>
-            <a:endParaRPr lang="ru-RU"/>
-          </a:p>
-        </p:txBody>
-      </p:sp>
-    </p:spTree>
-    <p:extLst>
-      <p:ext uri="{BB962C8B-B14F-4D97-AF65-F5344CB8AC3E}">
-        <p14:creationId xmlns:p14="http://schemas.microsoft.com/office/powerpoint/2010/main" val="3312683078"/>
-      </p:ext>
-    </p:extLst>
-  </p:cSld>
-  <p:clrMapOvr>
-    <a:masterClrMapping/>
-  </p:clrMapOvr>
-</p:sld>
-</file>
-
-<file path=ppt/slides/slide3.xml><?xml version="1.0" encoding="utf-8"?>
-<p:sld xmlns:a="http://schemas.openxmlformats.org/drawingml/2006/main" xmlns:r="http://schemas.openxmlformats.org/officeDocument/2006/relationships" xmlns:p="http://schemas.openxmlformats.org/presentationml/2006/main">
-  <p:cSld>
-    <p:spTree>
-      <p:nvGrpSpPr>
-        <p:cNvPr id="1" name=""/>
-        <p:cNvGrpSpPr/>
-        <p:nvPr/>
-      </p:nvGrpSpPr>
-      <p:grpSpPr>
-        <a:xfrm>
-          <a:off x="0" y="0"/>
-          <a:ext cx="0" cy="0"/>
-          <a:chOff x="0" y="0"/>
-          <a:chExt cx="0" cy="0"/>
-        </a:xfrm>
-      </p:grpSpPr>
-      <p:sp>
-        <p:nvSpPr>
-          <p:cNvPr id="2" name="Заголовок 1">
-            <a:extLst>
-              <a:ext uri="{FF2B5EF4-FFF2-40B4-BE49-F238E27FC236}">
-                <a16:creationId xmlns:a16="http://schemas.microsoft.com/office/drawing/2014/main" id="{AED8BA1A-A600-CA40-F8CE-DA8275F9D87F}"/>
-              </a:ext>
-            </a:extLst>
-          </p:cNvPr>
-          <p:cNvSpPr>
-            <a:spLocks noGrp="1"/>
-          </p:cNvSpPr>
-          <p:nvPr>
-            <p:ph type="title"/>
-          </p:nvPr>
-        </p:nvSpPr>
-        <p:spPr/>
-        <p:txBody>
-          <a:bodyPr/>
-          <a:lstStyle/>
-          <a:p>
-            <a:r>
-              <a:rPr lang="ru-RU" sz="4400" dirty="0">
-                <a:latin typeface="Consolas" panose="020B0609020204030204" pitchFamily="49" charset="0"/>
-              </a:rPr>
-              <a:t>Решение</a:t>
-            </a:r>
-          </a:p>
-        </p:txBody>
-      </p:sp>
-      <p:sp>
-        <p:nvSpPr>
-          <p:cNvPr id="7" name="Объект 6">
-            <a:extLst>
-              <a:ext uri="{FF2B5EF4-FFF2-40B4-BE49-F238E27FC236}">
-                <a16:creationId xmlns:a16="http://schemas.microsoft.com/office/drawing/2014/main" id="{1EF56B53-0E4B-DFB0-72F9-FE59522539D6}"/>
-              </a:ext>
-            </a:extLst>
-          </p:cNvPr>
-          <p:cNvSpPr>
-            <a:spLocks noGrp="1"/>
-          </p:cNvSpPr>
-          <p:nvPr>
-            <p:ph idx="1"/>
-          </p:nvPr>
-        </p:nvSpPr>
-        <p:spPr/>
-        <p:txBody>
-          <a:bodyPr/>
-          <a:lstStyle/>
-          <a:p>
-            <a:pPr marL="285750" indent="-285750">
-              <a:buFont typeface="Arial" panose="020B0604020202020204" pitchFamily="34" charset="0"/>
-              <a:buChar char="•"/>
-            </a:pPr>
-            <a:r>
-              <a:rPr lang="ru-RU" dirty="0"/>
-              <a:t>Ход мысли (+ </a:t>
-            </a:r>
-            <a:r>
-              <a:rPr lang="ru-RU" dirty="0" err="1"/>
-              <a:t>неуспели</a:t>
-            </a:r>
-            <a:r>
-              <a:rPr lang="ru-RU" dirty="0"/>
-              <a:t>)</a:t>
-            </a:r>
-          </a:p>
-          <a:p>
-            <a:pPr marL="285750" indent="-285750">
-              <a:buFont typeface="Arial" panose="020B0604020202020204" pitchFamily="34" charset="0"/>
-              <a:buChar char="•"/>
-            </a:pPr>
-            <a:r>
-              <a:rPr lang="ru-RU" dirty="0"/>
-              <a:t>Чем </a:t>
-            </a:r>
-            <a:r>
-              <a:rPr lang="ru-RU" dirty="0" err="1"/>
-              <a:t>пользователись</a:t>
-            </a:r>
-            <a:endParaRPr lang="ru-RU" dirty="0"/>
-          </a:p>
-          <a:p>
-            <a:pPr marL="742950" lvl="1" indent="-285750">
-              <a:buFont typeface="Arial" panose="020B0604020202020204" pitchFamily="34" charset="0"/>
-              <a:buChar char="•"/>
-            </a:pPr>
-            <a:r>
-              <a:rPr lang="ru-RU" dirty="0"/>
-              <a:t>Гип А. Использовать </a:t>
-            </a:r>
-            <a:r>
-              <a:rPr lang="en-US" dirty="0"/>
-              <a:t>YOLO v8</a:t>
-            </a:r>
-            <a:r>
-              <a:rPr lang="ru-RU" dirty="0"/>
-              <a:t> для </a:t>
-            </a:r>
-            <a:r>
-              <a:rPr lang="en-US" dirty="0"/>
-              <a:t>Object Detection</a:t>
-            </a:r>
-          </a:p>
-          <a:p>
-            <a:pPr marL="742950" lvl="1" indent="-285750">
-              <a:buFont typeface="Arial" panose="020B0604020202020204" pitchFamily="34" charset="0"/>
-              <a:buChar char="•"/>
-            </a:pPr>
-            <a:r>
-              <a:rPr lang="ru-RU" dirty="0"/>
-              <a:t>Гип Б</a:t>
-            </a:r>
-            <a:r>
-              <a:rPr lang="en-US" dirty="0"/>
-              <a:t> – </a:t>
-            </a:r>
-            <a:r>
-              <a:rPr lang="ru-RU" dirty="0"/>
-              <a:t>и т.д. то что не получилось</a:t>
-            </a:r>
-          </a:p>
-          <a:p>
-            <a:pPr marL="285750" indent="-285750">
-              <a:buFont typeface="Arial" panose="020B0604020202020204" pitchFamily="34" charset="0"/>
-              <a:buChar char="•"/>
-            </a:pPr>
-            <a:endParaRPr lang="ru-RU" dirty="0"/>
-          </a:p>
-        </p:txBody>
-      </p:sp>
-    </p:spTree>
-    <p:extLst>
-      <p:ext uri="{BB962C8B-B14F-4D97-AF65-F5344CB8AC3E}">
-        <p14:creationId xmlns:p14="http://schemas.microsoft.com/office/powerpoint/2010/main" val="4278035234"/>
-      </p:ext>
-    </p:extLst>
-  </p:cSld>
-  <p:clrMapOvr>
-    <a:masterClrMapping/>
-  </p:clrMapOvr>
-</p:sld>
-</file>
-
-<file path=ppt/slides/slide4.xml><?xml version="1.0" encoding="utf-8"?>
-<p:sld xmlns:a="http://schemas.openxmlformats.org/drawingml/2006/main" xmlns:r="http://schemas.openxmlformats.org/officeDocument/2006/relationships" xmlns:p="http://schemas.openxmlformats.org/presentationml/2006/main">
-  <p:cSld>
-    <p:spTree>
-      <p:nvGrpSpPr>
-        <p:cNvPr id="1" name=""/>
-        <p:cNvGrpSpPr/>
-        <p:nvPr/>
-      </p:nvGrpSpPr>
-      <p:grpSpPr>
-        <a:xfrm>
-          <a:off x="0" y="0"/>
-          <a:ext cx="0" cy="0"/>
-          <a:chOff x="0" y="0"/>
-          <a:chExt cx="0" cy="0"/>
-        </a:xfrm>
-      </p:grpSpPr>
-      <p:sp>
-        <p:nvSpPr>
-          <p:cNvPr id="2" name="Заголовок 1">
-            <a:extLst>
-              <a:ext uri="{FF2B5EF4-FFF2-40B4-BE49-F238E27FC236}">
-                <a16:creationId xmlns:a16="http://schemas.microsoft.com/office/drawing/2014/main" id="{AED8BA1A-A600-CA40-F8CE-DA8275F9D87F}"/>
-              </a:ext>
-            </a:extLst>
-          </p:cNvPr>
-          <p:cNvSpPr>
-            <a:spLocks noGrp="1"/>
-          </p:cNvSpPr>
-          <p:nvPr>
-            <p:ph type="title"/>
-          </p:nvPr>
-        </p:nvSpPr>
-        <p:spPr/>
-        <p:txBody>
-          <a:bodyPr/>
-          <a:lstStyle/>
-          <a:p>
-            <a:r>
-              <a:rPr lang="ru-RU" sz="4400" dirty="0">
-                <a:latin typeface="Consolas" panose="020B0609020204030204" pitchFamily="49" charset="0"/>
-              </a:rPr>
-              <a:t>Эффективность решения</a:t>
-            </a:r>
-          </a:p>
-        </p:txBody>
-      </p:sp>
-      <p:sp>
-        <p:nvSpPr>
-          <p:cNvPr id="7" name="Объект 6">
-            <a:extLst>
-              <a:ext uri="{FF2B5EF4-FFF2-40B4-BE49-F238E27FC236}">
-                <a16:creationId xmlns:a16="http://schemas.microsoft.com/office/drawing/2014/main" id="{1EF56B53-0E4B-DFB0-72F9-FE59522539D6}"/>
-              </a:ext>
-            </a:extLst>
-          </p:cNvPr>
-          <p:cNvSpPr>
-            <a:spLocks noGrp="1"/>
-          </p:cNvSpPr>
-          <p:nvPr>
-            <p:ph idx="1"/>
-          </p:nvPr>
-        </p:nvSpPr>
-        <p:spPr/>
-        <p:txBody>
-          <a:bodyPr/>
-          <a:lstStyle/>
-          <a:p>
-            <a:r>
-              <a:rPr lang="ru-RU" dirty="0"/>
-              <a:t>Метрики </a:t>
-            </a:r>
-          </a:p>
-        </p:txBody>
-      </p:sp>
-    </p:spTree>
-    <p:extLst>
-      <p:ext uri="{BB962C8B-B14F-4D97-AF65-F5344CB8AC3E}">
-        <p14:creationId xmlns:p14="http://schemas.microsoft.com/office/powerpoint/2010/main" val="3438308338"/>
-      </p:ext>
-    </p:extLst>
-  </p:cSld>
-  <p:clrMapOvr>
-    <a:masterClrMapping/>
-  </p:clrMapOvr>
-</p:sld>
-</file>
-
-<file path=ppt/slides/slide5.xml><?xml version="1.0" encoding="utf-8"?>
-<p:sld xmlns:a="http://schemas.openxmlformats.org/drawingml/2006/main" xmlns:r="http://schemas.openxmlformats.org/officeDocument/2006/relationships" xmlns:p="http://schemas.openxmlformats.org/presentationml/2006/main">
-  <p:cSld>
-    <p:spTree>
-      <p:nvGrpSpPr>
-        <p:cNvPr id="1" name=""/>
-        <p:cNvGrpSpPr/>
-        <p:nvPr/>
-      </p:nvGrpSpPr>
-      <p:grpSpPr>
-        <a:xfrm>
-          <a:off x="0" y="0"/>
-          <a:ext cx="0" cy="0"/>
-          <a:chOff x="0" y="0"/>
-          <a:chExt cx="0" cy="0"/>
-        </a:xfrm>
-      </p:grpSpPr>
-      <p:sp>
-        <p:nvSpPr>
-          <p:cNvPr id="2" name="Заголовок 1">
-            <a:extLst>
-              <a:ext uri="{FF2B5EF4-FFF2-40B4-BE49-F238E27FC236}">
-                <a16:creationId xmlns:a16="http://schemas.microsoft.com/office/drawing/2014/main" id="{AED8BA1A-A600-CA40-F8CE-DA8275F9D87F}"/>
-              </a:ext>
-            </a:extLst>
-          </p:cNvPr>
-          <p:cNvSpPr>
-            <a:spLocks noGrp="1"/>
-          </p:cNvSpPr>
-          <p:nvPr>
-            <p:ph type="title"/>
-          </p:nvPr>
-        </p:nvSpPr>
-        <p:spPr/>
-        <p:txBody>
-          <a:bodyPr/>
-          <a:lstStyle/>
-          <a:p>
-            <a:r>
-              <a:rPr lang="ru-RU" sz="4400" dirty="0">
-                <a:latin typeface="Consolas" panose="020B0609020204030204" pitchFamily="49" charset="0"/>
-              </a:rPr>
-              <a:t>Критерии оценки</a:t>
-            </a:r>
-          </a:p>
-        </p:txBody>
-      </p:sp>
-      <p:sp>
-        <p:nvSpPr>
-          <p:cNvPr id="7" name="Объект 6">
-            <a:extLst>
-              <a:ext uri="{FF2B5EF4-FFF2-40B4-BE49-F238E27FC236}">
-                <a16:creationId xmlns:a16="http://schemas.microsoft.com/office/drawing/2014/main" id="{1EF56B53-0E4B-DFB0-72F9-FE59522539D6}"/>
-              </a:ext>
-            </a:extLst>
-          </p:cNvPr>
-          <p:cNvSpPr>
-            <a:spLocks noGrp="1"/>
-          </p:cNvSpPr>
-          <p:nvPr>
-            <p:ph idx="1"/>
-          </p:nvPr>
-        </p:nvSpPr>
-        <p:spPr/>
-        <p:txBody>
-          <a:bodyPr/>
-          <a:lstStyle/>
-          <a:p>
-            <a:r>
-              <a:rPr lang="ru-RU" dirty="0"/>
-              <a:t>Пройтись по критерия и обосновать каждый</a:t>
-            </a:r>
-          </a:p>
-        </p:txBody>
-      </p:sp>
-    </p:spTree>
-    <p:extLst>
-      <p:ext uri="{BB962C8B-B14F-4D97-AF65-F5344CB8AC3E}">
-        <p14:creationId xmlns:p14="http://schemas.microsoft.com/office/powerpoint/2010/main" val="640016349"/>
-      </p:ext>
-    </p:extLst>
-  </p:cSld>
-  <p:clrMapOvr>
-    <a:masterClrMapping/>
-  </p:clrMapOvr>
-</p:sld>
-</file>
-
-<file path=ppt/slides/slide6.xml><?xml version="1.0" encoding="utf-8"?>
-<p:sld xmlns:a="http://schemas.openxmlformats.org/drawingml/2006/main" xmlns:r="http://schemas.openxmlformats.org/officeDocument/2006/relationships" xmlns:p="http://schemas.openxmlformats.org/presentationml/2006/main">
-  <p:cSld>
-    <p:spTree>
-      <p:nvGrpSpPr>
-        <p:cNvPr id="1" name=""/>
-        <p:cNvGrpSpPr/>
-        <p:nvPr/>
-      </p:nvGrpSpPr>
-      <p:grpSpPr>
-        <a:xfrm>
-          <a:off x="0" y="0"/>
-          <a:ext cx="0" cy="0"/>
-          <a:chOff x="0" y="0"/>
-          <a:chExt cx="0" cy="0"/>
-        </a:xfrm>
-      </p:grpSpPr>
-      <p:sp>
-        <p:nvSpPr>
-          <p:cNvPr id="2" name="Заголовок 1">
-            <a:extLst>
-              <a:ext uri="{FF2B5EF4-FFF2-40B4-BE49-F238E27FC236}">
-                <a16:creationId xmlns:a16="http://schemas.microsoft.com/office/drawing/2014/main" id="{AED8BA1A-A600-CA40-F8CE-DA8275F9D87F}"/>
-              </a:ext>
-            </a:extLst>
-          </p:cNvPr>
-          <p:cNvSpPr>
-            <a:spLocks noGrp="1"/>
-          </p:cNvSpPr>
-          <p:nvPr>
-            <p:ph type="title"/>
-          </p:nvPr>
-        </p:nvSpPr>
-        <p:spPr/>
-        <p:txBody>
-          <a:bodyPr/>
-          <a:lstStyle/>
-          <a:p>
-            <a:r>
-              <a:rPr lang="ru-RU" sz="4400" dirty="0">
-                <a:latin typeface="Consolas" panose="020B0609020204030204" pitchFamily="49" charset="0"/>
-              </a:rPr>
-              <a:t>Почему наше решение лучшее</a:t>
-            </a:r>
-          </a:p>
-        </p:txBody>
-      </p:sp>
-      <p:sp>
-        <p:nvSpPr>
-          <p:cNvPr id="7" name="Объект 6">
-            <a:extLst>
-              <a:ext uri="{FF2B5EF4-FFF2-40B4-BE49-F238E27FC236}">
-                <a16:creationId xmlns:a16="http://schemas.microsoft.com/office/drawing/2014/main" id="{1EF56B53-0E4B-DFB0-72F9-FE59522539D6}"/>
-              </a:ext>
-            </a:extLst>
-          </p:cNvPr>
-          <p:cNvSpPr>
-            <a:spLocks noGrp="1"/>
-          </p:cNvSpPr>
-          <p:nvPr>
-            <p:ph idx="1"/>
-          </p:nvPr>
-        </p:nvSpPr>
-        <p:spPr/>
-        <p:txBody>
-          <a:bodyPr/>
-          <a:lstStyle/>
-          <a:p>
-            <a:r>
-              <a:rPr lang="ru-RU" dirty="0"/>
-              <a:t>1.</a:t>
-            </a:r>
-          </a:p>
-          <a:p>
-            <a:r>
-              <a:rPr lang="ru-RU" dirty="0"/>
-              <a:t>2.</a:t>
-            </a:r>
-          </a:p>
-          <a:p>
-            <a:r>
-              <a:rPr lang="ru-RU" dirty="0"/>
-              <a:t>3. Используемый стек технологий обеспечивает автономность решения</a:t>
-            </a:r>
-          </a:p>
-        </p:txBody>
-      </p:sp>
-    </p:spTree>
-    <p:extLst>
-      <p:ext uri="{BB962C8B-B14F-4D97-AF65-F5344CB8AC3E}">
-        <p14:creationId xmlns:p14="http://schemas.microsoft.com/office/powerpoint/2010/main" val="2938514510"/>
-      </p:ext>
-    </p:extLst>
-  </p:cSld>
-  <p:clrMapOvr>
-    <a:masterClrMapping/>
-  </p:clrMapOvr>
-</p:sld>
-</file>
-
-<file path=ppt/slides/slide7.xml><?xml version="1.0" encoding="utf-8"?>
-<p:sld xmlns:a="http://schemas.openxmlformats.org/drawingml/2006/main" xmlns:r="http://schemas.openxmlformats.org/officeDocument/2006/relationships" xmlns:p="http://schemas.openxmlformats.org/presentationml/2006/main">
-  <p:cSld>
-    <p:spTree>
-      <p:nvGrpSpPr>
-        <p:cNvPr id="1" name=""/>
-        <p:cNvGrpSpPr/>
-        <p:nvPr/>
-      </p:nvGrpSpPr>
-      <p:grpSpPr>
-        <a:xfrm>
-          <a:off x="0" y="0"/>
-          <a:ext cx="0" cy="0"/>
-          <a:chOff x="0" y="0"/>
-          <a:chExt cx="0" cy="0"/>
-        </a:xfrm>
-      </p:grpSpPr>
-      <p:sp>
-        <p:nvSpPr>
-          <p:cNvPr id="2" name="Заголовок 1">
-            <a:extLst>
-              <a:ext uri="{FF2B5EF4-FFF2-40B4-BE49-F238E27FC236}">
-                <a16:creationId xmlns:a16="http://schemas.microsoft.com/office/drawing/2014/main" id="{AED8BA1A-A600-CA40-F8CE-DA8275F9D87F}"/>
-              </a:ext>
-            </a:extLst>
-          </p:cNvPr>
-          <p:cNvSpPr>
-            <a:spLocks noGrp="1"/>
-          </p:cNvSpPr>
-          <p:nvPr>
-            <p:ph type="title"/>
-          </p:nvPr>
-        </p:nvSpPr>
-        <p:spPr/>
-        <p:txBody>
-          <a:bodyPr/>
-          <a:lstStyle/>
-          <a:p>
-            <a:r>
               <a:rPr lang="ru-RU" sz="4400" dirty="0">
                 <a:latin typeface="JetBrains Mono" panose="02000009000000000000" pitchFamily="49" charset="0"/>
                 <a:ea typeface="JetBrains Mono" panose="02000009000000000000" pitchFamily="49" charset="0"/>
@@ -4175,7 +3908,7 @@
         </p:nvGrpSpPr>
         <p:grpSpPr>
           <a:xfrm>
-            <a:off x="1515092" y="3126714"/>
+            <a:off x="1515092" y="3566192"/>
             <a:ext cx="3748897" cy="923330"/>
             <a:chOff x="4664870" y="2140030"/>
             <a:chExt cx="3748897" cy="923330"/>
@@ -4603,7 +4336,7 @@
         </p:nvGrpSpPr>
         <p:grpSpPr>
           <a:xfrm>
-            <a:off x="7091647" y="3126714"/>
+            <a:off x="7091647" y="3566192"/>
             <a:ext cx="3252453" cy="925200"/>
             <a:chOff x="252747" y="4968842"/>
             <a:chExt cx="3252453" cy="925200"/>
@@ -4741,7 +4474,7 @@
         </p:nvGrpSpPr>
         <p:grpSpPr>
           <a:xfrm>
-            <a:off x="1515092" y="4384742"/>
+            <a:off x="1515092" y="5196986"/>
             <a:ext cx="3582654" cy="925200"/>
             <a:chOff x="252747" y="5932800"/>
             <a:chExt cx="3582654" cy="925200"/>
@@ -4871,6 +4604,2861 @@
     <p:extLst>
       <p:ext uri="{BB962C8B-B14F-4D97-AF65-F5344CB8AC3E}">
         <p14:creationId xmlns:p14="http://schemas.microsoft.com/office/powerpoint/2010/main" val="2652240038"/>
+      </p:ext>
+    </p:extLst>
+  </p:cSld>
+  <p:clrMapOvr>
+    <a:masterClrMapping/>
+  </p:clrMapOvr>
+</p:sld>
+</file>
+
+<file path=ppt/slides/slide2.xml><?xml version="1.0" encoding="utf-8"?>
+<p:sld xmlns:a="http://schemas.openxmlformats.org/drawingml/2006/main" xmlns:r="http://schemas.openxmlformats.org/officeDocument/2006/relationships" xmlns:p="http://schemas.openxmlformats.org/presentationml/2006/main">
+  <p:cSld>
+    <p:spTree>
+      <p:nvGrpSpPr>
+        <p:cNvPr id="1" name=""/>
+        <p:cNvGrpSpPr/>
+        <p:nvPr/>
+      </p:nvGrpSpPr>
+      <p:grpSpPr>
+        <a:xfrm>
+          <a:off x="0" y="0"/>
+          <a:ext cx="0" cy="0"/>
+          <a:chOff x="0" y="0"/>
+          <a:chExt cx="0" cy="0"/>
+        </a:xfrm>
+      </p:grpSpPr>
+      <p:sp>
+        <p:nvSpPr>
+          <p:cNvPr id="2" name="Заголовок 1">
+            <a:extLst>
+              <a:ext uri="{FF2B5EF4-FFF2-40B4-BE49-F238E27FC236}">
+                <a16:creationId xmlns:a16="http://schemas.microsoft.com/office/drawing/2014/main" id="{AED8BA1A-A600-CA40-F8CE-DA8275F9D87F}"/>
+              </a:ext>
+            </a:extLst>
+          </p:cNvPr>
+          <p:cNvSpPr>
+            <a:spLocks noGrp="1"/>
+          </p:cNvSpPr>
+          <p:nvPr>
+            <p:ph type="title"/>
+          </p:nvPr>
+        </p:nvSpPr>
+        <p:spPr/>
+        <p:txBody>
+          <a:bodyPr/>
+          <a:lstStyle/>
+          <a:p>
+            <a:r>
+              <a:rPr lang="ru-RU" dirty="0">
+                <a:latin typeface="JetBrains Mono" panose="02000009000000000000" pitchFamily="49" charset="0"/>
+                <a:ea typeface="JetBrains Mono" panose="02000009000000000000" pitchFamily="49" charset="0"/>
+                <a:cs typeface="JetBrains Mono" panose="02000009000000000000" pitchFamily="49" charset="0"/>
+              </a:rPr>
+              <a:t>Проблема</a:t>
+            </a:r>
+          </a:p>
+        </p:txBody>
+      </p:sp>
+      <p:sp>
+        <p:nvSpPr>
+          <p:cNvPr id="7" name="Объект 6">
+            <a:extLst>
+              <a:ext uri="{FF2B5EF4-FFF2-40B4-BE49-F238E27FC236}">
+                <a16:creationId xmlns:a16="http://schemas.microsoft.com/office/drawing/2014/main" id="{1EF56B53-0E4B-DFB0-72F9-FE59522539D6}"/>
+              </a:ext>
+            </a:extLst>
+          </p:cNvPr>
+          <p:cNvSpPr>
+            <a:spLocks noGrp="1"/>
+          </p:cNvSpPr>
+          <p:nvPr>
+            <p:ph idx="1"/>
+          </p:nvPr>
+        </p:nvSpPr>
+        <p:spPr>
+          <a:xfrm>
+            <a:off x="7133304" y="1874358"/>
+            <a:ext cx="4560145" cy="1325563"/>
+          </a:xfrm>
+        </p:spPr>
+        <p:txBody>
+          <a:bodyPr>
+            <a:normAutofit/>
+          </a:bodyPr>
+          <a:lstStyle/>
+          <a:p>
+            <a:pPr marL="0" indent="0">
+              <a:buNone/>
+            </a:pPr>
+            <a:r>
+              <a:rPr lang="ru-RU" sz="2400" dirty="0">
+                <a:latin typeface="+mj-lt"/>
+              </a:rPr>
+              <a:t>Им приходится делать это вручную, тратя много сил и времени.</a:t>
+            </a:r>
+          </a:p>
+        </p:txBody>
+      </p:sp>
+      <p:sp>
+        <p:nvSpPr>
+          <p:cNvPr id="3" name="Стрелка: вправо 2">
+            <a:extLst>
+              <a:ext uri="{FF2B5EF4-FFF2-40B4-BE49-F238E27FC236}">
+                <a16:creationId xmlns:a16="http://schemas.microsoft.com/office/drawing/2014/main" id="{E098729A-F57F-FB8E-C4BD-9EBD8F50880D}"/>
+              </a:ext>
+            </a:extLst>
+          </p:cNvPr>
+          <p:cNvSpPr/>
+          <p:nvPr/>
+        </p:nvSpPr>
+        <p:spPr>
+          <a:xfrm>
+            <a:off x="2123768" y="3445051"/>
+            <a:ext cx="3935720" cy="1904999"/>
+          </a:xfrm>
+          <a:prstGeom prst="rightArrow">
+            <a:avLst>
+              <a:gd name="adj1" fmla="val 50000"/>
+              <a:gd name="adj2" fmla="val 74000"/>
+            </a:avLst>
+          </a:prstGeom>
+          <a:solidFill>
+            <a:schemeClr val="accent1"/>
+          </a:solidFill>
+          <a:ln>
+            <a:noFill/>
+          </a:ln>
+        </p:spPr>
+        <p:style>
+          <a:lnRef idx="2">
+            <a:schemeClr val="accent1">
+              <a:shade val="50000"/>
+            </a:schemeClr>
+          </a:lnRef>
+          <a:fillRef idx="1">
+            <a:schemeClr val="accent1"/>
+          </a:fillRef>
+          <a:effectRef idx="0">
+            <a:schemeClr val="accent1"/>
+          </a:effectRef>
+          <a:fontRef idx="minor">
+            <a:schemeClr val="lt1"/>
+          </a:fontRef>
+        </p:style>
+        <p:txBody>
+          <a:bodyPr rtlCol="0" anchor="ctr"/>
+          <a:lstStyle/>
+          <a:p>
+            <a:pPr algn="ctr"/>
+            <a:endParaRPr lang="ru-RU"/>
+          </a:p>
+        </p:txBody>
+      </p:sp>
+      <p:sp>
+        <p:nvSpPr>
+          <p:cNvPr id="4" name="Стрелка: вправо 3">
+            <a:extLst>
+              <a:ext uri="{FF2B5EF4-FFF2-40B4-BE49-F238E27FC236}">
+                <a16:creationId xmlns:a16="http://schemas.microsoft.com/office/drawing/2014/main" id="{04C7DD65-398F-9C6E-CFB0-A4F248B3501A}"/>
+              </a:ext>
+            </a:extLst>
+          </p:cNvPr>
+          <p:cNvSpPr/>
+          <p:nvPr/>
+        </p:nvSpPr>
+        <p:spPr>
+          <a:xfrm rot="10800000">
+            <a:off x="6059488" y="3445048"/>
+            <a:ext cx="4008744" cy="1904999"/>
+          </a:xfrm>
+          <a:prstGeom prst="rightArrow">
+            <a:avLst>
+              <a:gd name="adj1" fmla="val 50000"/>
+              <a:gd name="adj2" fmla="val 74000"/>
+            </a:avLst>
+          </a:prstGeom>
+          <a:solidFill>
+            <a:srgbClr val="C00000"/>
+          </a:solidFill>
+          <a:ln>
+            <a:noFill/>
+          </a:ln>
+        </p:spPr>
+        <p:style>
+          <a:lnRef idx="2">
+            <a:schemeClr val="accent1">
+              <a:shade val="50000"/>
+            </a:schemeClr>
+          </a:lnRef>
+          <a:fillRef idx="1">
+            <a:schemeClr val="accent1"/>
+          </a:fillRef>
+          <a:effectRef idx="0">
+            <a:schemeClr val="accent1"/>
+          </a:effectRef>
+          <a:fontRef idx="minor">
+            <a:schemeClr val="lt1"/>
+          </a:fontRef>
+        </p:style>
+        <p:txBody>
+          <a:bodyPr rtlCol="0" anchor="ctr"/>
+          <a:lstStyle/>
+          <a:p>
+            <a:pPr algn="ctr"/>
+            <a:endParaRPr lang="ru-RU"/>
+          </a:p>
+        </p:txBody>
+      </p:sp>
+      <p:sp>
+        <p:nvSpPr>
+          <p:cNvPr id="5" name="Объект 6">
+            <a:extLst>
+              <a:ext uri="{FF2B5EF4-FFF2-40B4-BE49-F238E27FC236}">
+                <a16:creationId xmlns:a16="http://schemas.microsoft.com/office/drawing/2014/main" id="{46FB1A80-D427-BB14-AB11-3BC6E5432E04}"/>
+              </a:ext>
+            </a:extLst>
+          </p:cNvPr>
+          <p:cNvSpPr txBox="1">
+            <a:spLocks/>
+          </p:cNvSpPr>
+          <p:nvPr/>
+        </p:nvSpPr>
+        <p:spPr>
+          <a:xfrm>
+            <a:off x="498550" y="1874359"/>
+            <a:ext cx="4560147" cy="1325563"/>
+          </a:xfrm>
+          <a:prstGeom prst="rect">
+            <a:avLst/>
+          </a:prstGeom>
+        </p:spPr>
+        <p:txBody>
+          <a:bodyPr vert="horz" lIns="91440" tIns="45720" rIns="91440" bIns="45720" rtlCol="0">
+            <a:normAutofit fontScale="85000" lnSpcReduction="10000"/>
+          </a:bodyPr>
+          <a:lstStyle>
+            <a:lvl1pPr marL="228600" indent="-228600" algn="l" defTabSz="914400" rtl="0" eaLnBrk="1" latinLnBrk="0" hangingPunct="1">
+              <a:lnSpc>
+                <a:spcPct val="90000"/>
+              </a:lnSpc>
+              <a:spcBef>
+                <a:spcPts val="1000"/>
+              </a:spcBef>
+              <a:buFont typeface="Arial" panose="020B0604020202020204" pitchFamily="34" charset="0"/>
+              <a:buChar char="•"/>
+              <a:defRPr sz="2800" kern="1200">
+                <a:solidFill>
+                  <a:schemeClr val="tx1"/>
+                </a:solidFill>
+                <a:latin typeface="+mn-lt"/>
+                <a:ea typeface="+mn-ea"/>
+                <a:cs typeface="+mn-cs"/>
+              </a:defRPr>
+            </a:lvl1pPr>
+            <a:lvl2pPr marL="685800" indent="-228600" algn="l" defTabSz="914400" rtl="0" eaLnBrk="1" latinLnBrk="0" hangingPunct="1">
+              <a:lnSpc>
+                <a:spcPct val="90000"/>
+              </a:lnSpc>
+              <a:spcBef>
+                <a:spcPts val="500"/>
+              </a:spcBef>
+              <a:buFont typeface="Arial" panose="020B0604020202020204" pitchFamily="34" charset="0"/>
+              <a:buChar char="•"/>
+              <a:defRPr sz="2400" kern="1200">
+                <a:solidFill>
+                  <a:schemeClr val="tx1"/>
+                </a:solidFill>
+                <a:latin typeface="+mn-lt"/>
+                <a:ea typeface="+mn-ea"/>
+                <a:cs typeface="+mn-cs"/>
+              </a:defRPr>
+            </a:lvl2pPr>
+            <a:lvl3pPr marL="1143000" indent="-228600" algn="l" defTabSz="914400" rtl="0" eaLnBrk="1" latinLnBrk="0" hangingPunct="1">
+              <a:lnSpc>
+                <a:spcPct val="90000"/>
+              </a:lnSpc>
+              <a:spcBef>
+                <a:spcPts val="500"/>
+              </a:spcBef>
+              <a:buFont typeface="Arial" panose="020B0604020202020204" pitchFamily="34" charset="0"/>
+              <a:buChar char="•"/>
+              <a:defRPr sz="2000" kern="1200">
+                <a:solidFill>
+                  <a:schemeClr val="tx1"/>
+                </a:solidFill>
+                <a:latin typeface="+mn-lt"/>
+                <a:ea typeface="+mn-ea"/>
+                <a:cs typeface="+mn-cs"/>
+              </a:defRPr>
+            </a:lvl3pPr>
+            <a:lvl4pPr marL="1600200" indent="-228600" algn="l" defTabSz="914400" rtl="0" eaLnBrk="1" latinLnBrk="0" hangingPunct="1">
+              <a:lnSpc>
+                <a:spcPct val="90000"/>
+              </a:lnSpc>
+              <a:spcBef>
+                <a:spcPts val="500"/>
+              </a:spcBef>
+              <a:buFont typeface="Arial" panose="020B0604020202020204" pitchFamily="34" charset="0"/>
+              <a:buChar char="•"/>
+              <a:defRPr sz="1800" kern="1200">
+                <a:solidFill>
+                  <a:schemeClr val="tx1"/>
+                </a:solidFill>
+                <a:latin typeface="+mn-lt"/>
+                <a:ea typeface="+mn-ea"/>
+                <a:cs typeface="+mn-cs"/>
+              </a:defRPr>
+            </a:lvl4pPr>
+            <a:lvl5pPr marL="2057400" indent="-228600" algn="l" defTabSz="914400" rtl="0" eaLnBrk="1" latinLnBrk="0" hangingPunct="1">
+              <a:lnSpc>
+                <a:spcPct val="90000"/>
+              </a:lnSpc>
+              <a:spcBef>
+                <a:spcPts val="500"/>
+              </a:spcBef>
+              <a:buFont typeface="Arial" panose="020B0604020202020204" pitchFamily="34" charset="0"/>
+              <a:buChar char="•"/>
+              <a:defRPr sz="1800" kern="1200">
+                <a:solidFill>
+                  <a:schemeClr val="tx1"/>
+                </a:solidFill>
+                <a:latin typeface="+mn-lt"/>
+                <a:ea typeface="+mn-ea"/>
+                <a:cs typeface="+mn-cs"/>
+              </a:defRPr>
+            </a:lvl5pPr>
+            <a:lvl6pPr marL="2514600" indent="-228600" algn="l" defTabSz="914400" rtl="0" eaLnBrk="1" latinLnBrk="0" hangingPunct="1">
+              <a:lnSpc>
+                <a:spcPct val="90000"/>
+              </a:lnSpc>
+              <a:spcBef>
+                <a:spcPts val="500"/>
+              </a:spcBef>
+              <a:buFont typeface="Arial" panose="020B0604020202020204" pitchFamily="34" charset="0"/>
+              <a:buChar char="•"/>
+              <a:defRPr sz="1800" kern="1200">
+                <a:solidFill>
+                  <a:schemeClr val="tx1"/>
+                </a:solidFill>
+                <a:latin typeface="+mn-lt"/>
+                <a:ea typeface="+mn-ea"/>
+                <a:cs typeface="+mn-cs"/>
+              </a:defRPr>
+            </a:lvl6pPr>
+            <a:lvl7pPr marL="2971800" indent="-228600" algn="l" defTabSz="914400" rtl="0" eaLnBrk="1" latinLnBrk="0" hangingPunct="1">
+              <a:lnSpc>
+                <a:spcPct val="90000"/>
+              </a:lnSpc>
+              <a:spcBef>
+                <a:spcPts val="500"/>
+              </a:spcBef>
+              <a:buFont typeface="Arial" panose="020B0604020202020204" pitchFamily="34" charset="0"/>
+              <a:buChar char="•"/>
+              <a:defRPr sz="1800" kern="1200">
+                <a:solidFill>
+                  <a:schemeClr val="tx1"/>
+                </a:solidFill>
+                <a:latin typeface="+mn-lt"/>
+                <a:ea typeface="+mn-ea"/>
+                <a:cs typeface="+mn-cs"/>
+              </a:defRPr>
+            </a:lvl7pPr>
+            <a:lvl8pPr marL="3429000" indent="-228600" algn="l" defTabSz="914400" rtl="0" eaLnBrk="1" latinLnBrk="0" hangingPunct="1">
+              <a:lnSpc>
+                <a:spcPct val="90000"/>
+              </a:lnSpc>
+              <a:spcBef>
+                <a:spcPts val="500"/>
+              </a:spcBef>
+              <a:buFont typeface="Arial" panose="020B0604020202020204" pitchFamily="34" charset="0"/>
+              <a:buChar char="•"/>
+              <a:defRPr sz="1800" kern="1200">
+                <a:solidFill>
+                  <a:schemeClr val="tx1"/>
+                </a:solidFill>
+                <a:latin typeface="+mn-lt"/>
+                <a:ea typeface="+mn-ea"/>
+                <a:cs typeface="+mn-cs"/>
+              </a:defRPr>
+            </a:lvl8pPr>
+            <a:lvl9pPr marL="3886200" indent="-228600" algn="l" defTabSz="914400" rtl="0" eaLnBrk="1" latinLnBrk="0" hangingPunct="1">
+              <a:lnSpc>
+                <a:spcPct val="90000"/>
+              </a:lnSpc>
+              <a:spcBef>
+                <a:spcPts val="500"/>
+              </a:spcBef>
+              <a:buFont typeface="Arial" panose="020B0604020202020204" pitchFamily="34" charset="0"/>
+              <a:buChar char="•"/>
+              <a:defRPr sz="1800" kern="1200">
+                <a:solidFill>
+                  <a:schemeClr val="tx1"/>
+                </a:solidFill>
+                <a:latin typeface="+mn-lt"/>
+                <a:ea typeface="+mn-ea"/>
+                <a:cs typeface="+mn-cs"/>
+              </a:defRPr>
+            </a:lvl9pPr>
+          </a:lstStyle>
+          <a:p>
+            <a:pPr marL="0" indent="0" algn="just">
+              <a:buFont typeface="Arial" panose="020B0604020202020204" pitchFamily="34" charset="0"/>
+              <a:buNone/>
+            </a:pPr>
+            <a:r>
+              <a:rPr lang="ru-RU" dirty="0">
+                <a:latin typeface="+mj-lt"/>
+              </a:rPr>
+              <a:t>На основе большого количества фотографий биологам нужно подсчитывать количество особей определённых видов лебедей. </a:t>
+            </a:r>
+          </a:p>
+        </p:txBody>
+      </p:sp>
+      <p:sp>
+        <p:nvSpPr>
+          <p:cNvPr id="9" name="Взрыв: 8 точек 8">
+            <a:extLst>
+              <a:ext uri="{FF2B5EF4-FFF2-40B4-BE49-F238E27FC236}">
+                <a16:creationId xmlns:a16="http://schemas.microsoft.com/office/drawing/2014/main" id="{44E9A7E6-502C-2CD2-3747-228B3DCA5FF6}"/>
+              </a:ext>
+            </a:extLst>
+          </p:cNvPr>
+          <p:cNvSpPr/>
+          <p:nvPr/>
+        </p:nvSpPr>
+        <p:spPr>
+          <a:xfrm>
+            <a:off x="5671831" y="4027033"/>
+            <a:ext cx="737420" cy="770531"/>
+          </a:xfrm>
+          <a:prstGeom prst="irregularSeal1">
+            <a:avLst/>
+          </a:prstGeom>
+          <a:solidFill>
+            <a:schemeClr val="accent4"/>
+          </a:solidFill>
+          <a:ln>
+            <a:solidFill>
+              <a:schemeClr val="tx1"/>
+            </a:solidFill>
+          </a:ln>
+        </p:spPr>
+        <p:style>
+          <a:lnRef idx="2">
+            <a:schemeClr val="accent1">
+              <a:shade val="50000"/>
+            </a:schemeClr>
+          </a:lnRef>
+          <a:fillRef idx="1">
+            <a:schemeClr val="accent1"/>
+          </a:fillRef>
+          <a:effectRef idx="0">
+            <a:schemeClr val="accent1"/>
+          </a:effectRef>
+          <a:fontRef idx="minor">
+            <a:schemeClr val="lt1"/>
+          </a:fontRef>
+        </p:style>
+        <p:txBody>
+          <a:bodyPr rtlCol="0" anchor="ctr"/>
+          <a:lstStyle/>
+          <a:p>
+            <a:pPr algn="ctr"/>
+            <a:endParaRPr lang="ru-RU"/>
+          </a:p>
+        </p:txBody>
+      </p:sp>
+    </p:spTree>
+    <p:extLst>
+      <p:ext uri="{BB962C8B-B14F-4D97-AF65-F5344CB8AC3E}">
+        <p14:creationId xmlns:p14="http://schemas.microsoft.com/office/powerpoint/2010/main" val="3312683078"/>
+      </p:ext>
+    </p:extLst>
+  </p:cSld>
+  <p:clrMapOvr>
+    <a:masterClrMapping/>
+  </p:clrMapOvr>
+</p:sld>
+</file>
+
+<file path=ppt/slides/slide3.xml><?xml version="1.0" encoding="utf-8"?>
+<p:sld xmlns:a="http://schemas.openxmlformats.org/drawingml/2006/main" xmlns:r="http://schemas.openxmlformats.org/officeDocument/2006/relationships" xmlns:p="http://schemas.openxmlformats.org/presentationml/2006/main">
+  <p:cSld>
+    <p:spTree>
+      <p:nvGrpSpPr>
+        <p:cNvPr id="1" name=""/>
+        <p:cNvGrpSpPr/>
+        <p:nvPr/>
+      </p:nvGrpSpPr>
+      <p:grpSpPr>
+        <a:xfrm>
+          <a:off x="0" y="0"/>
+          <a:ext cx="0" cy="0"/>
+          <a:chOff x="0" y="0"/>
+          <a:chExt cx="0" cy="0"/>
+        </a:xfrm>
+      </p:grpSpPr>
+      <p:sp>
+        <p:nvSpPr>
+          <p:cNvPr id="2" name="Заголовок 1">
+            <a:extLst>
+              <a:ext uri="{FF2B5EF4-FFF2-40B4-BE49-F238E27FC236}">
+                <a16:creationId xmlns:a16="http://schemas.microsoft.com/office/drawing/2014/main" id="{AED8BA1A-A600-CA40-F8CE-DA8275F9D87F}"/>
+              </a:ext>
+            </a:extLst>
+          </p:cNvPr>
+          <p:cNvSpPr>
+            <a:spLocks noGrp="1"/>
+          </p:cNvSpPr>
+          <p:nvPr>
+            <p:ph type="title"/>
+          </p:nvPr>
+        </p:nvSpPr>
+        <p:spPr/>
+        <p:txBody>
+          <a:bodyPr/>
+          <a:lstStyle/>
+          <a:p>
+            <a:r>
+              <a:rPr lang="ru-RU" sz="4400" dirty="0">
+                <a:latin typeface="Consolas" panose="020B0609020204030204" pitchFamily="49" charset="0"/>
+              </a:rPr>
+              <a:t>Решение</a:t>
+            </a:r>
+          </a:p>
+        </p:txBody>
+      </p:sp>
+      <p:sp>
+        <p:nvSpPr>
+          <p:cNvPr id="3" name="Объект 6">
+            <a:extLst>
+              <a:ext uri="{FF2B5EF4-FFF2-40B4-BE49-F238E27FC236}">
+                <a16:creationId xmlns:a16="http://schemas.microsoft.com/office/drawing/2014/main" id="{3143FAAF-4B7D-31DC-2DBA-8F0EDFF79E2E}"/>
+              </a:ext>
+            </a:extLst>
+          </p:cNvPr>
+          <p:cNvSpPr txBox="1">
+            <a:spLocks/>
+          </p:cNvSpPr>
+          <p:nvPr/>
+        </p:nvSpPr>
+        <p:spPr>
+          <a:xfrm>
+            <a:off x="2652253" y="1423415"/>
+            <a:ext cx="2124000" cy="936000"/>
+          </a:xfrm>
+          <a:prstGeom prst="rect">
+            <a:avLst/>
+          </a:prstGeom>
+          <a:solidFill>
+            <a:srgbClr val="F9AFAD"/>
+          </a:solidFill>
+        </p:spPr>
+        <p:txBody>
+          <a:bodyPr vert="horz" lIns="91440" tIns="45720" rIns="91440" bIns="45720" rtlCol="0">
+            <a:normAutofit/>
+          </a:bodyPr>
+          <a:lstStyle>
+            <a:lvl1pPr marL="228600" indent="-228600" algn="l" defTabSz="914400" rtl="0" eaLnBrk="1" latinLnBrk="0" hangingPunct="1">
+              <a:lnSpc>
+                <a:spcPct val="90000"/>
+              </a:lnSpc>
+              <a:spcBef>
+                <a:spcPts val="1000"/>
+              </a:spcBef>
+              <a:buFont typeface="Arial" panose="020B0604020202020204" pitchFamily="34" charset="0"/>
+              <a:buChar char="•"/>
+              <a:defRPr sz="2800" kern="1200">
+                <a:solidFill>
+                  <a:schemeClr val="tx1"/>
+                </a:solidFill>
+                <a:latin typeface="+mn-lt"/>
+                <a:ea typeface="+mn-ea"/>
+                <a:cs typeface="+mn-cs"/>
+              </a:defRPr>
+            </a:lvl1pPr>
+            <a:lvl2pPr marL="685800" indent="-228600" algn="l" defTabSz="914400" rtl="0" eaLnBrk="1" latinLnBrk="0" hangingPunct="1">
+              <a:lnSpc>
+                <a:spcPct val="90000"/>
+              </a:lnSpc>
+              <a:spcBef>
+                <a:spcPts val="500"/>
+              </a:spcBef>
+              <a:buFont typeface="Arial" panose="020B0604020202020204" pitchFamily="34" charset="0"/>
+              <a:buChar char="•"/>
+              <a:defRPr sz="2400" kern="1200">
+                <a:solidFill>
+                  <a:schemeClr val="tx1"/>
+                </a:solidFill>
+                <a:latin typeface="+mn-lt"/>
+                <a:ea typeface="+mn-ea"/>
+                <a:cs typeface="+mn-cs"/>
+              </a:defRPr>
+            </a:lvl2pPr>
+            <a:lvl3pPr marL="1143000" indent="-228600" algn="l" defTabSz="914400" rtl="0" eaLnBrk="1" latinLnBrk="0" hangingPunct="1">
+              <a:lnSpc>
+                <a:spcPct val="90000"/>
+              </a:lnSpc>
+              <a:spcBef>
+                <a:spcPts val="500"/>
+              </a:spcBef>
+              <a:buFont typeface="Arial" panose="020B0604020202020204" pitchFamily="34" charset="0"/>
+              <a:buChar char="•"/>
+              <a:defRPr sz="2000" kern="1200">
+                <a:solidFill>
+                  <a:schemeClr val="tx1"/>
+                </a:solidFill>
+                <a:latin typeface="+mn-lt"/>
+                <a:ea typeface="+mn-ea"/>
+                <a:cs typeface="+mn-cs"/>
+              </a:defRPr>
+            </a:lvl3pPr>
+            <a:lvl4pPr marL="1600200" indent="-228600" algn="l" defTabSz="914400" rtl="0" eaLnBrk="1" latinLnBrk="0" hangingPunct="1">
+              <a:lnSpc>
+                <a:spcPct val="90000"/>
+              </a:lnSpc>
+              <a:spcBef>
+                <a:spcPts val="500"/>
+              </a:spcBef>
+              <a:buFont typeface="Arial" panose="020B0604020202020204" pitchFamily="34" charset="0"/>
+              <a:buChar char="•"/>
+              <a:defRPr sz="1800" kern="1200">
+                <a:solidFill>
+                  <a:schemeClr val="tx1"/>
+                </a:solidFill>
+                <a:latin typeface="+mn-lt"/>
+                <a:ea typeface="+mn-ea"/>
+                <a:cs typeface="+mn-cs"/>
+              </a:defRPr>
+            </a:lvl4pPr>
+            <a:lvl5pPr marL="2057400" indent="-228600" algn="l" defTabSz="914400" rtl="0" eaLnBrk="1" latinLnBrk="0" hangingPunct="1">
+              <a:lnSpc>
+                <a:spcPct val="90000"/>
+              </a:lnSpc>
+              <a:spcBef>
+                <a:spcPts val="500"/>
+              </a:spcBef>
+              <a:buFont typeface="Arial" panose="020B0604020202020204" pitchFamily="34" charset="0"/>
+              <a:buChar char="•"/>
+              <a:defRPr sz="1800" kern="1200">
+                <a:solidFill>
+                  <a:schemeClr val="tx1"/>
+                </a:solidFill>
+                <a:latin typeface="+mn-lt"/>
+                <a:ea typeface="+mn-ea"/>
+                <a:cs typeface="+mn-cs"/>
+              </a:defRPr>
+            </a:lvl5pPr>
+            <a:lvl6pPr marL="2514600" indent="-228600" algn="l" defTabSz="914400" rtl="0" eaLnBrk="1" latinLnBrk="0" hangingPunct="1">
+              <a:lnSpc>
+                <a:spcPct val="90000"/>
+              </a:lnSpc>
+              <a:spcBef>
+                <a:spcPts val="500"/>
+              </a:spcBef>
+              <a:buFont typeface="Arial" panose="020B0604020202020204" pitchFamily="34" charset="0"/>
+              <a:buChar char="•"/>
+              <a:defRPr sz="1800" kern="1200">
+                <a:solidFill>
+                  <a:schemeClr val="tx1"/>
+                </a:solidFill>
+                <a:latin typeface="+mn-lt"/>
+                <a:ea typeface="+mn-ea"/>
+                <a:cs typeface="+mn-cs"/>
+              </a:defRPr>
+            </a:lvl6pPr>
+            <a:lvl7pPr marL="2971800" indent="-228600" algn="l" defTabSz="914400" rtl="0" eaLnBrk="1" latinLnBrk="0" hangingPunct="1">
+              <a:lnSpc>
+                <a:spcPct val="90000"/>
+              </a:lnSpc>
+              <a:spcBef>
+                <a:spcPts val="500"/>
+              </a:spcBef>
+              <a:buFont typeface="Arial" panose="020B0604020202020204" pitchFamily="34" charset="0"/>
+              <a:buChar char="•"/>
+              <a:defRPr sz="1800" kern="1200">
+                <a:solidFill>
+                  <a:schemeClr val="tx1"/>
+                </a:solidFill>
+                <a:latin typeface="+mn-lt"/>
+                <a:ea typeface="+mn-ea"/>
+                <a:cs typeface="+mn-cs"/>
+              </a:defRPr>
+            </a:lvl7pPr>
+            <a:lvl8pPr marL="3429000" indent="-228600" algn="l" defTabSz="914400" rtl="0" eaLnBrk="1" latinLnBrk="0" hangingPunct="1">
+              <a:lnSpc>
+                <a:spcPct val="90000"/>
+              </a:lnSpc>
+              <a:spcBef>
+                <a:spcPts val="500"/>
+              </a:spcBef>
+              <a:buFont typeface="Arial" panose="020B0604020202020204" pitchFamily="34" charset="0"/>
+              <a:buChar char="•"/>
+              <a:defRPr sz="1800" kern="1200">
+                <a:solidFill>
+                  <a:schemeClr val="tx1"/>
+                </a:solidFill>
+                <a:latin typeface="+mn-lt"/>
+                <a:ea typeface="+mn-ea"/>
+                <a:cs typeface="+mn-cs"/>
+              </a:defRPr>
+            </a:lvl8pPr>
+            <a:lvl9pPr marL="3886200" indent="-228600" algn="l" defTabSz="914400" rtl="0" eaLnBrk="1" latinLnBrk="0" hangingPunct="1">
+              <a:lnSpc>
+                <a:spcPct val="90000"/>
+              </a:lnSpc>
+              <a:spcBef>
+                <a:spcPts val="500"/>
+              </a:spcBef>
+              <a:buFont typeface="Arial" panose="020B0604020202020204" pitchFamily="34" charset="0"/>
+              <a:buChar char="•"/>
+              <a:defRPr sz="1800" kern="1200">
+                <a:solidFill>
+                  <a:schemeClr val="tx1"/>
+                </a:solidFill>
+                <a:latin typeface="+mn-lt"/>
+                <a:ea typeface="+mn-ea"/>
+                <a:cs typeface="+mn-cs"/>
+              </a:defRPr>
+            </a:lvl9pPr>
+          </a:lstStyle>
+          <a:p>
+            <a:pPr marL="0" indent="0" algn="ctr">
+              <a:buFont typeface="Arial" panose="020B0604020202020204" pitchFamily="34" charset="0"/>
+              <a:buNone/>
+            </a:pPr>
+            <a:r>
+              <a:rPr lang="ru-RU" sz="2000" dirty="0">
+                <a:latin typeface="Comic Sans MS" panose="030F0702030302020204" pitchFamily="66" charset="0"/>
+              </a:rPr>
+              <a:t>Решить задачу </a:t>
+            </a:r>
+            <a:r>
+              <a:rPr lang="en-US" sz="2000" dirty="0">
+                <a:latin typeface="Comic Sans MS" panose="030F0702030302020204" pitchFamily="66" charset="0"/>
+              </a:rPr>
+              <a:t>Instance Segmentation</a:t>
+            </a:r>
+            <a:endParaRPr lang="ru-RU" sz="2000" dirty="0">
+              <a:latin typeface="Comic Sans MS" panose="030F0702030302020204" pitchFamily="66" charset="0"/>
+            </a:endParaRPr>
+          </a:p>
+        </p:txBody>
+      </p:sp>
+      <p:sp>
+        <p:nvSpPr>
+          <p:cNvPr id="5" name="Объект 6">
+            <a:extLst>
+              <a:ext uri="{FF2B5EF4-FFF2-40B4-BE49-F238E27FC236}">
+                <a16:creationId xmlns:a16="http://schemas.microsoft.com/office/drawing/2014/main" id="{5C0644B8-6719-F817-BCDF-7ABC0A0D112F}"/>
+              </a:ext>
+            </a:extLst>
+          </p:cNvPr>
+          <p:cNvSpPr txBox="1">
+            <a:spLocks/>
+          </p:cNvSpPr>
+          <p:nvPr/>
+        </p:nvSpPr>
+        <p:spPr>
+          <a:xfrm>
+            <a:off x="5004388" y="1423415"/>
+            <a:ext cx="2124000" cy="936000"/>
+          </a:xfrm>
+          <a:prstGeom prst="rect">
+            <a:avLst/>
+          </a:prstGeom>
+          <a:solidFill>
+            <a:srgbClr val="F9AFAD"/>
+          </a:solidFill>
+        </p:spPr>
+        <p:txBody>
+          <a:bodyPr vert="horz" lIns="91440" tIns="45720" rIns="91440" bIns="45720" rtlCol="0">
+            <a:normAutofit/>
+          </a:bodyPr>
+          <a:lstStyle>
+            <a:lvl1pPr marL="228600" indent="-228600" algn="l" defTabSz="914400" rtl="0" eaLnBrk="1" latinLnBrk="0" hangingPunct="1">
+              <a:lnSpc>
+                <a:spcPct val="90000"/>
+              </a:lnSpc>
+              <a:spcBef>
+                <a:spcPts val="1000"/>
+              </a:spcBef>
+              <a:buFont typeface="Arial" panose="020B0604020202020204" pitchFamily="34" charset="0"/>
+              <a:buChar char="•"/>
+              <a:defRPr sz="2800" kern="1200">
+                <a:solidFill>
+                  <a:schemeClr val="tx1"/>
+                </a:solidFill>
+                <a:latin typeface="+mn-lt"/>
+                <a:ea typeface="+mn-ea"/>
+                <a:cs typeface="+mn-cs"/>
+              </a:defRPr>
+            </a:lvl1pPr>
+            <a:lvl2pPr marL="685800" indent="-228600" algn="l" defTabSz="914400" rtl="0" eaLnBrk="1" latinLnBrk="0" hangingPunct="1">
+              <a:lnSpc>
+                <a:spcPct val="90000"/>
+              </a:lnSpc>
+              <a:spcBef>
+                <a:spcPts val="500"/>
+              </a:spcBef>
+              <a:buFont typeface="Arial" panose="020B0604020202020204" pitchFamily="34" charset="0"/>
+              <a:buChar char="•"/>
+              <a:defRPr sz="2400" kern="1200">
+                <a:solidFill>
+                  <a:schemeClr val="tx1"/>
+                </a:solidFill>
+                <a:latin typeface="+mn-lt"/>
+                <a:ea typeface="+mn-ea"/>
+                <a:cs typeface="+mn-cs"/>
+              </a:defRPr>
+            </a:lvl2pPr>
+            <a:lvl3pPr marL="1143000" indent="-228600" algn="l" defTabSz="914400" rtl="0" eaLnBrk="1" latinLnBrk="0" hangingPunct="1">
+              <a:lnSpc>
+                <a:spcPct val="90000"/>
+              </a:lnSpc>
+              <a:spcBef>
+                <a:spcPts val="500"/>
+              </a:spcBef>
+              <a:buFont typeface="Arial" panose="020B0604020202020204" pitchFamily="34" charset="0"/>
+              <a:buChar char="•"/>
+              <a:defRPr sz="2000" kern="1200">
+                <a:solidFill>
+                  <a:schemeClr val="tx1"/>
+                </a:solidFill>
+                <a:latin typeface="+mn-lt"/>
+                <a:ea typeface="+mn-ea"/>
+                <a:cs typeface="+mn-cs"/>
+              </a:defRPr>
+            </a:lvl3pPr>
+            <a:lvl4pPr marL="1600200" indent="-228600" algn="l" defTabSz="914400" rtl="0" eaLnBrk="1" latinLnBrk="0" hangingPunct="1">
+              <a:lnSpc>
+                <a:spcPct val="90000"/>
+              </a:lnSpc>
+              <a:spcBef>
+                <a:spcPts val="500"/>
+              </a:spcBef>
+              <a:buFont typeface="Arial" panose="020B0604020202020204" pitchFamily="34" charset="0"/>
+              <a:buChar char="•"/>
+              <a:defRPr sz="1800" kern="1200">
+                <a:solidFill>
+                  <a:schemeClr val="tx1"/>
+                </a:solidFill>
+                <a:latin typeface="+mn-lt"/>
+                <a:ea typeface="+mn-ea"/>
+                <a:cs typeface="+mn-cs"/>
+              </a:defRPr>
+            </a:lvl4pPr>
+            <a:lvl5pPr marL="2057400" indent="-228600" algn="l" defTabSz="914400" rtl="0" eaLnBrk="1" latinLnBrk="0" hangingPunct="1">
+              <a:lnSpc>
+                <a:spcPct val="90000"/>
+              </a:lnSpc>
+              <a:spcBef>
+                <a:spcPts val="500"/>
+              </a:spcBef>
+              <a:buFont typeface="Arial" panose="020B0604020202020204" pitchFamily="34" charset="0"/>
+              <a:buChar char="•"/>
+              <a:defRPr sz="1800" kern="1200">
+                <a:solidFill>
+                  <a:schemeClr val="tx1"/>
+                </a:solidFill>
+                <a:latin typeface="+mn-lt"/>
+                <a:ea typeface="+mn-ea"/>
+                <a:cs typeface="+mn-cs"/>
+              </a:defRPr>
+            </a:lvl5pPr>
+            <a:lvl6pPr marL="2514600" indent="-228600" algn="l" defTabSz="914400" rtl="0" eaLnBrk="1" latinLnBrk="0" hangingPunct="1">
+              <a:lnSpc>
+                <a:spcPct val="90000"/>
+              </a:lnSpc>
+              <a:spcBef>
+                <a:spcPts val="500"/>
+              </a:spcBef>
+              <a:buFont typeface="Arial" panose="020B0604020202020204" pitchFamily="34" charset="0"/>
+              <a:buChar char="•"/>
+              <a:defRPr sz="1800" kern="1200">
+                <a:solidFill>
+                  <a:schemeClr val="tx1"/>
+                </a:solidFill>
+                <a:latin typeface="+mn-lt"/>
+                <a:ea typeface="+mn-ea"/>
+                <a:cs typeface="+mn-cs"/>
+              </a:defRPr>
+            </a:lvl6pPr>
+            <a:lvl7pPr marL="2971800" indent="-228600" algn="l" defTabSz="914400" rtl="0" eaLnBrk="1" latinLnBrk="0" hangingPunct="1">
+              <a:lnSpc>
+                <a:spcPct val="90000"/>
+              </a:lnSpc>
+              <a:spcBef>
+                <a:spcPts val="500"/>
+              </a:spcBef>
+              <a:buFont typeface="Arial" panose="020B0604020202020204" pitchFamily="34" charset="0"/>
+              <a:buChar char="•"/>
+              <a:defRPr sz="1800" kern="1200">
+                <a:solidFill>
+                  <a:schemeClr val="tx1"/>
+                </a:solidFill>
+                <a:latin typeface="+mn-lt"/>
+                <a:ea typeface="+mn-ea"/>
+                <a:cs typeface="+mn-cs"/>
+              </a:defRPr>
+            </a:lvl7pPr>
+            <a:lvl8pPr marL="3429000" indent="-228600" algn="l" defTabSz="914400" rtl="0" eaLnBrk="1" latinLnBrk="0" hangingPunct="1">
+              <a:lnSpc>
+                <a:spcPct val="90000"/>
+              </a:lnSpc>
+              <a:spcBef>
+                <a:spcPts val="500"/>
+              </a:spcBef>
+              <a:buFont typeface="Arial" panose="020B0604020202020204" pitchFamily="34" charset="0"/>
+              <a:buChar char="•"/>
+              <a:defRPr sz="1800" kern="1200">
+                <a:solidFill>
+                  <a:schemeClr val="tx1"/>
+                </a:solidFill>
+                <a:latin typeface="+mn-lt"/>
+                <a:ea typeface="+mn-ea"/>
+                <a:cs typeface="+mn-cs"/>
+              </a:defRPr>
+            </a:lvl8pPr>
+            <a:lvl9pPr marL="3886200" indent="-228600" algn="l" defTabSz="914400" rtl="0" eaLnBrk="1" latinLnBrk="0" hangingPunct="1">
+              <a:lnSpc>
+                <a:spcPct val="90000"/>
+              </a:lnSpc>
+              <a:spcBef>
+                <a:spcPts val="500"/>
+              </a:spcBef>
+              <a:buFont typeface="Arial" panose="020B0604020202020204" pitchFamily="34" charset="0"/>
+              <a:buChar char="•"/>
+              <a:defRPr sz="1800" kern="1200">
+                <a:solidFill>
+                  <a:schemeClr val="tx1"/>
+                </a:solidFill>
+                <a:latin typeface="+mn-lt"/>
+                <a:ea typeface="+mn-ea"/>
+                <a:cs typeface="+mn-cs"/>
+              </a:defRPr>
+            </a:lvl9pPr>
+          </a:lstStyle>
+          <a:p>
+            <a:pPr marL="0" indent="0" algn="ctr">
+              <a:buNone/>
+            </a:pPr>
+            <a:r>
+              <a:rPr lang="ru-RU" sz="2000" dirty="0">
+                <a:latin typeface="Comic Sans MS" panose="030F0702030302020204" pitchFamily="66" charset="0"/>
+              </a:rPr>
+              <a:t>Решить задачу классификации «в лоб»</a:t>
+            </a:r>
+            <a:endParaRPr lang="en-US" sz="2000" dirty="0">
+              <a:latin typeface="Comic Sans MS" panose="030F0702030302020204" pitchFamily="66" charset="0"/>
+            </a:endParaRPr>
+          </a:p>
+        </p:txBody>
+      </p:sp>
+      <p:sp>
+        <p:nvSpPr>
+          <p:cNvPr id="8" name="Объект 6">
+            <a:extLst>
+              <a:ext uri="{FF2B5EF4-FFF2-40B4-BE49-F238E27FC236}">
+                <a16:creationId xmlns:a16="http://schemas.microsoft.com/office/drawing/2014/main" id="{C429EDD6-AF87-D94A-86CE-461B2C2DD8D1}"/>
+              </a:ext>
+            </a:extLst>
+          </p:cNvPr>
+          <p:cNvSpPr txBox="1">
+            <a:spLocks/>
+          </p:cNvSpPr>
+          <p:nvPr/>
+        </p:nvSpPr>
+        <p:spPr>
+          <a:xfrm>
+            <a:off x="7356523" y="1423415"/>
+            <a:ext cx="2124000" cy="936000"/>
+          </a:xfrm>
+          <a:prstGeom prst="rect">
+            <a:avLst/>
+          </a:prstGeom>
+          <a:solidFill>
+            <a:srgbClr val="F9AFAD"/>
+          </a:solidFill>
+        </p:spPr>
+        <p:txBody>
+          <a:bodyPr vert="horz" lIns="91440" tIns="45720" rIns="91440" bIns="45720" rtlCol="0">
+            <a:normAutofit/>
+          </a:bodyPr>
+          <a:lstStyle>
+            <a:lvl1pPr marL="228600" indent="-228600" algn="l" defTabSz="914400" rtl="0" eaLnBrk="1" latinLnBrk="0" hangingPunct="1">
+              <a:lnSpc>
+                <a:spcPct val="90000"/>
+              </a:lnSpc>
+              <a:spcBef>
+                <a:spcPts val="1000"/>
+              </a:spcBef>
+              <a:buFont typeface="Arial" panose="020B0604020202020204" pitchFamily="34" charset="0"/>
+              <a:buChar char="•"/>
+              <a:defRPr sz="2800" kern="1200">
+                <a:solidFill>
+                  <a:schemeClr val="tx1"/>
+                </a:solidFill>
+                <a:latin typeface="+mn-lt"/>
+                <a:ea typeface="+mn-ea"/>
+                <a:cs typeface="+mn-cs"/>
+              </a:defRPr>
+            </a:lvl1pPr>
+            <a:lvl2pPr marL="685800" indent="-228600" algn="l" defTabSz="914400" rtl="0" eaLnBrk="1" latinLnBrk="0" hangingPunct="1">
+              <a:lnSpc>
+                <a:spcPct val="90000"/>
+              </a:lnSpc>
+              <a:spcBef>
+                <a:spcPts val="500"/>
+              </a:spcBef>
+              <a:buFont typeface="Arial" panose="020B0604020202020204" pitchFamily="34" charset="0"/>
+              <a:buChar char="•"/>
+              <a:defRPr sz="2400" kern="1200">
+                <a:solidFill>
+                  <a:schemeClr val="tx1"/>
+                </a:solidFill>
+                <a:latin typeface="+mn-lt"/>
+                <a:ea typeface="+mn-ea"/>
+                <a:cs typeface="+mn-cs"/>
+              </a:defRPr>
+            </a:lvl2pPr>
+            <a:lvl3pPr marL="1143000" indent="-228600" algn="l" defTabSz="914400" rtl="0" eaLnBrk="1" latinLnBrk="0" hangingPunct="1">
+              <a:lnSpc>
+                <a:spcPct val="90000"/>
+              </a:lnSpc>
+              <a:spcBef>
+                <a:spcPts val="500"/>
+              </a:spcBef>
+              <a:buFont typeface="Arial" panose="020B0604020202020204" pitchFamily="34" charset="0"/>
+              <a:buChar char="•"/>
+              <a:defRPr sz="2000" kern="1200">
+                <a:solidFill>
+                  <a:schemeClr val="tx1"/>
+                </a:solidFill>
+                <a:latin typeface="+mn-lt"/>
+                <a:ea typeface="+mn-ea"/>
+                <a:cs typeface="+mn-cs"/>
+              </a:defRPr>
+            </a:lvl3pPr>
+            <a:lvl4pPr marL="1600200" indent="-228600" algn="l" defTabSz="914400" rtl="0" eaLnBrk="1" latinLnBrk="0" hangingPunct="1">
+              <a:lnSpc>
+                <a:spcPct val="90000"/>
+              </a:lnSpc>
+              <a:spcBef>
+                <a:spcPts val="500"/>
+              </a:spcBef>
+              <a:buFont typeface="Arial" panose="020B0604020202020204" pitchFamily="34" charset="0"/>
+              <a:buChar char="•"/>
+              <a:defRPr sz="1800" kern="1200">
+                <a:solidFill>
+                  <a:schemeClr val="tx1"/>
+                </a:solidFill>
+                <a:latin typeface="+mn-lt"/>
+                <a:ea typeface="+mn-ea"/>
+                <a:cs typeface="+mn-cs"/>
+              </a:defRPr>
+            </a:lvl4pPr>
+            <a:lvl5pPr marL="2057400" indent="-228600" algn="l" defTabSz="914400" rtl="0" eaLnBrk="1" latinLnBrk="0" hangingPunct="1">
+              <a:lnSpc>
+                <a:spcPct val="90000"/>
+              </a:lnSpc>
+              <a:spcBef>
+                <a:spcPts val="500"/>
+              </a:spcBef>
+              <a:buFont typeface="Arial" panose="020B0604020202020204" pitchFamily="34" charset="0"/>
+              <a:buChar char="•"/>
+              <a:defRPr sz="1800" kern="1200">
+                <a:solidFill>
+                  <a:schemeClr val="tx1"/>
+                </a:solidFill>
+                <a:latin typeface="+mn-lt"/>
+                <a:ea typeface="+mn-ea"/>
+                <a:cs typeface="+mn-cs"/>
+              </a:defRPr>
+            </a:lvl5pPr>
+            <a:lvl6pPr marL="2514600" indent="-228600" algn="l" defTabSz="914400" rtl="0" eaLnBrk="1" latinLnBrk="0" hangingPunct="1">
+              <a:lnSpc>
+                <a:spcPct val="90000"/>
+              </a:lnSpc>
+              <a:spcBef>
+                <a:spcPts val="500"/>
+              </a:spcBef>
+              <a:buFont typeface="Arial" panose="020B0604020202020204" pitchFamily="34" charset="0"/>
+              <a:buChar char="•"/>
+              <a:defRPr sz="1800" kern="1200">
+                <a:solidFill>
+                  <a:schemeClr val="tx1"/>
+                </a:solidFill>
+                <a:latin typeface="+mn-lt"/>
+                <a:ea typeface="+mn-ea"/>
+                <a:cs typeface="+mn-cs"/>
+              </a:defRPr>
+            </a:lvl6pPr>
+            <a:lvl7pPr marL="2971800" indent="-228600" algn="l" defTabSz="914400" rtl="0" eaLnBrk="1" latinLnBrk="0" hangingPunct="1">
+              <a:lnSpc>
+                <a:spcPct val="90000"/>
+              </a:lnSpc>
+              <a:spcBef>
+                <a:spcPts val="500"/>
+              </a:spcBef>
+              <a:buFont typeface="Arial" panose="020B0604020202020204" pitchFamily="34" charset="0"/>
+              <a:buChar char="•"/>
+              <a:defRPr sz="1800" kern="1200">
+                <a:solidFill>
+                  <a:schemeClr val="tx1"/>
+                </a:solidFill>
+                <a:latin typeface="+mn-lt"/>
+                <a:ea typeface="+mn-ea"/>
+                <a:cs typeface="+mn-cs"/>
+              </a:defRPr>
+            </a:lvl7pPr>
+            <a:lvl8pPr marL="3429000" indent="-228600" algn="l" defTabSz="914400" rtl="0" eaLnBrk="1" latinLnBrk="0" hangingPunct="1">
+              <a:lnSpc>
+                <a:spcPct val="90000"/>
+              </a:lnSpc>
+              <a:spcBef>
+                <a:spcPts val="500"/>
+              </a:spcBef>
+              <a:buFont typeface="Arial" panose="020B0604020202020204" pitchFamily="34" charset="0"/>
+              <a:buChar char="•"/>
+              <a:defRPr sz="1800" kern="1200">
+                <a:solidFill>
+                  <a:schemeClr val="tx1"/>
+                </a:solidFill>
+                <a:latin typeface="+mn-lt"/>
+                <a:ea typeface="+mn-ea"/>
+                <a:cs typeface="+mn-cs"/>
+              </a:defRPr>
+            </a:lvl8pPr>
+            <a:lvl9pPr marL="3886200" indent="-228600" algn="l" defTabSz="914400" rtl="0" eaLnBrk="1" latinLnBrk="0" hangingPunct="1">
+              <a:lnSpc>
+                <a:spcPct val="90000"/>
+              </a:lnSpc>
+              <a:spcBef>
+                <a:spcPts val="500"/>
+              </a:spcBef>
+              <a:buFont typeface="Arial" panose="020B0604020202020204" pitchFamily="34" charset="0"/>
+              <a:buChar char="•"/>
+              <a:defRPr sz="1800" kern="1200">
+                <a:solidFill>
+                  <a:schemeClr val="tx1"/>
+                </a:solidFill>
+                <a:latin typeface="+mn-lt"/>
+                <a:ea typeface="+mn-ea"/>
+                <a:cs typeface="+mn-cs"/>
+              </a:defRPr>
+            </a:lvl9pPr>
+          </a:lstStyle>
+          <a:p>
+            <a:pPr marL="0" indent="0" algn="ctr">
+              <a:buNone/>
+            </a:pPr>
+            <a:r>
+              <a:rPr lang="ru-RU" sz="2000" dirty="0">
+                <a:latin typeface="Comic Sans MS" panose="030F0702030302020204" pitchFamily="66" charset="0"/>
+              </a:rPr>
+              <a:t>Использовать </a:t>
+            </a:r>
+            <a:r>
+              <a:rPr lang="en-US" sz="2000" dirty="0">
+                <a:latin typeface="Comic Sans MS" panose="030F0702030302020204" pitchFamily="66" charset="0"/>
+              </a:rPr>
+              <a:t>Mask R-CNN</a:t>
+            </a:r>
+          </a:p>
+        </p:txBody>
+      </p:sp>
+      <p:pic>
+        <p:nvPicPr>
+          <p:cNvPr id="10" name="Рисунок 9" descr="Закрыть">
+            <a:extLst>
+              <a:ext uri="{FF2B5EF4-FFF2-40B4-BE49-F238E27FC236}">
+                <a16:creationId xmlns:a16="http://schemas.microsoft.com/office/drawing/2014/main" id="{8A6DB098-7619-5071-4761-189301BBE4B1}"/>
+              </a:ext>
+            </a:extLst>
+          </p:cNvPr>
+          <p:cNvPicPr>
+            <a:picLocks noChangeAspect="1"/>
+          </p:cNvPicPr>
+          <p:nvPr/>
+        </p:nvPicPr>
+        <p:blipFill>
+          <a:blip r:embed="rId2">
+            <a:extLst>
+              <a:ext uri="{28A0092B-C50C-407E-A947-70E740481C1C}">
+                <a14:useLocalDpi xmlns:a14="http://schemas.microsoft.com/office/drawing/2010/main" val="0"/>
+              </a:ext>
+              <a:ext uri="{96DAC541-7B7A-43D3-8B79-37D633B846F1}">
+                <asvg:svgBlip xmlns:asvg="http://schemas.microsoft.com/office/drawing/2016/SVG/main" r:embed="rId3"/>
+              </a:ext>
+            </a:extLst>
+          </a:blip>
+          <a:stretch>
+            <a:fillRect/>
+          </a:stretch>
+        </p:blipFill>
+        <p:spPr>
+          <a:xfrm>
+            <a:off x="4483690" y="1147364"/>
+            <a:ext cx="585125" cy="585125"/>
+          </a:xfrm>
+          <a:prstGeom prst="rect">
+            <a:avLst/>
+          </a:prstGeom>
+        </p:spPr>
+      </p:pic>
+      <p:pic>
+        <p:nvPicPr>
+          <p:cNvPr id="11" name="Рисунок 10" descr="Закрыть">
+            <a:extLst>
+              <a:ext uri="{FF2B5EF4-FFF2-40B4-BE49-F238E27FC236}">
+                <a16:creationId xmlns:a16="http://schemas.microsoft.com/office/drawing/2014/main" id="{9FE61DD8-6B20-6080-DD7B-AA8D99B13758}"/>
+              </a:ext>
+            </a:extLst>
+          </p:cNvPr>
+          <p:cNvPicPr>
+            <a:picLocks noChangeAspect="1"/>
+          </p:cNvPicPr>
+          <p:nvPr/>
+        </p:nvPicPr>
+        <p:blipFill>
+          <a:blip r:embed="rId2">
+            <a:extLst>
+              <a:ext uri="{28A0092B-C50C-407E-A947-70E740481C1C}">
+                <a14:useLocalDpi xmlns:a14="http://schemas.microsoft.com/office/drawing/2010/main" val="0"/>
+              </a:ext>
+              <a:ext uri="{96DAC541-7B7A-43D3-8B79-37D633B846F1}">
+                <asvg:svgBlip xmlns:asvg="http://schemas.microsoft.com/office/drawing/2016/SVG/main" r:embed="rId3"/>
+              </a:ext>
+            </a:extLst>
+          </a:blip>
+          <a:stretch>
+            <a:fillRect/>
+          </a:stretch>
+        </p:blipFill>
+        <p:spPr>
+          <a:xfrm>
+            <a:off x="6830624" y="1145493"/>
+            <a:ext cx="585125" cy="585125"/>
+          </a:xfrm>
+          <a:prstGeom prst="rect">
+            <a:avLst/>
+          </a:prstGeom>
+        </p:spPr>
+      </p:pic>
+      <p:pic>
+        <p:nvPicPr>
+          <p:cNvPr id="12" name="Рисунок 11" descr="Закрыть">
+            <a:extLst>
+              <a:ext uri="{FF2B5EF4-FFF2-40B4-BE49-F238E27FC236}">
+                <a16:creationId xmlns:a16="http://schemas.microsoft.com/office/drawing/2014/main" id="{9E72FCBE-DAFF-9CB9-EC1F-40641EBDDCED}"/>
+              </a:ext>
+            </a:extLst>
+          </p:cNvPr>
+          <p:cNvPicPr>
+            <a:picLocks noChangeAspect="1"/>
+          </p:cNvPicPr>
+          <p:nvPr/>
+        </p:nvPicPr>
+        <p:blipFill>
+          <a:blip r:embed="rId2">
+            <a:extLst>
+              <a:ext uri="{28A0092B-C50C-407E-A947-70E740481C1C}">
+                <a14:useLocalDpi xmlns:a14="http://schemas.microsoft.com/office/drawing/2010/main" val="0"/>
+              </a:ext>
+              <a:ext uri="{96DAC541-7B7A-43D3-8B79-37D633B846F1}">
+                <asvg:svgBlip xmlns:asvg="http://schemas.microsoft.com/office/drawing/2016/SVG/main" r:embed="rId3"/>
+              </a:ext>
+            </a:extLst>
+          </a:blip>
+          <a:stretch>
+            <a:fillRect/>
+          </a:stretch>
+        </p:blipFill>
+        <p:spPr>
+          <a:xfrm>
+            <a:off x="9177558" y="1145492"/>
+            <a:ext cx="585125" cy="585125"/>
+          </a:xfrm>
+          <a:prstGeom prst="rect">
+            <a:avLst/>
+          </a:prstGeom>
+        </p:spPr>
+      </p:pic>
+      <p:pic>
+        <p:nvPicPr>
+          <p:cNvPr id="20" name="Рисунок 19">
+            <a:extLst>
+              <a:ext uri="{FF2B5EF4-FFF2-40B4-BE49-F238E27FC236}">
+                <a16:creationId xmlns:a16="http://schemas.microsoft.com/office/drawing/2014/main" id="{D58AC6CE-7BEE-10D3-B787-271119B551FC}"/>
+              </a:ext>
+            </a:extLst>
+          </p:cNvPr>
+          <p:cNvPicPr>
+            <a:picLocks noChangeAspect="1"/>
+          </p:cNvPicPr>
+          <p:nvPr/>
+        </p:nvPicPr>
+        <p:blipFill>
+          <a:blip r:embed="rId4"/>
+          <a:stretch>
+            <a:fillRect/>
+          </a:stretch>
+        </p:blipFill>
+        <p:spPr>
+          <a:xfrm>
+            <a:off x="727913" y="3248099"/>
+            <a:ext cx="10736173" cy="2886478"/>
+          </a:xfrm>
+          <a:prstGeom prst="rect">
+            <a:avLst/>
+          </a:prstGeom>
+        </p:spPr>
+      </p:pic>
+    </p:spTree>
+    <p:extLst>
+      <p:ext uri="{BB962C8B-B14F-4D97-AF65-F5344CB8AC3E}">
+        <p14:creationId xmlns:p14="http://schemas.microsoft.com/office/powerpoint/2010/main" val="4278035234"/>
+      </p:ext>
+    </p:extLst>
+  </p:cSld>
+  <p:clrMapOvr>
+    <a:masterClrMapping/>
+  </p:clrMapOvr>
+</p:sld>
+</file>
+
+<file path=ppt/slides/slide4.xml><?xml version="1.0" encoding="utf-8"?>
+<p:sld xmlns:a="http://schemas.openxmlformats.org/drawingml/2006/main" xmlns:r="http://schemas.openxmlformats.org/officeDocument/2006/relationships" xmlns:p="http://schemas.openxmlformats.org/presentationml/2006/main">
+  <p:cSld>
+    <p:spTree>
+      <p:nvGrpSpPr>
+        <p:cNvPr id="1" name=""/>
+        <p:cNvGrpSpPr/>
+        <p:nvPr/>
+      </p:nvGrpSpPr>
+      <p:grpSpPr>
+        <a:xfrm>
+          <a:off x="0" y="0"/>
+          <a:ext cx="0" cy="0"/>
+          <a:chOff x="0" y="0"/>
+          <a:chExt cx="0" cy="0"/>
+        </a:xfrm>
+      </p:grpSpPr>
+      <p:sp>
+        <p:nvSpPr>
+          <p:cNvPr id="2" name="Заголовок 1">
+            <a:extLst>
+              <a:ext uri="{FF2B5EF4-FFF2-40B4-BE49-F238E27FC236}">
+                <a16:creationId xmlns:a16="http://schemas.microsoft.com/office/drawing/2014/main" id="{AED8BA1A-A600-CA40-F8CE-DA8275F9D87F}"/>
+              </a:ext>
+            </a:extLst>
+          </p:cNvPr>
+          <p:cNvSpPr>
+            <a:spLocks noGrp="1"/>
+          </p:cNvSpPr>
+          <p:nvPr>
+            <p:ph type="title"/>
+          </p:nvPr>
+        </p:nvSpPr>
+        <p:spPr/>
+        <p:txBody>
+          <a:bodyPr/>
+          <a:lstStyle/>
+          <a:p>
+            <a:r>
+              <a:rPr lang="ru-RU" sz="4400" dirty="0">
+                <a:latin typeface="Consolas" panose="020B0609020204030204" pitchFamily="49" charset="0"/>
+              </a:rPr>
+              <a:t>Решение</a:t>
+            </a:r>
+          </a:p>
+        </p:txBody>
+      </p:sp>
+      <p:sp>
+        <p:nvSpPr>
+          <p:cNvPr id="7" name="Объект 6">
+            <a:extLst>
+              <a:ext uri="{FF2B5EF4-FFF2-40B4-BE49-F238E27FC236}">
+                <a16:creationId xmlns:a16="http://schemas.microsoft.com/office/drawing/2014/main" id="{1EF56B53-0E4B-DFB0-72F9-FE59522539D6}"/>
+              </a:ext>
+            </a:extLst>
+          </p:cNvPr>
+          <p:cNvSpPr>
+            <a:spLocks noGrp="1"/>
+          </p:cNvSpPr>
+          <p:nvPr>
+            <p:ph idx="1"/>
+          </p:nvPr>
+        </p:nvSpPr>
+        <p:spPr>
+          <a:xfrm>
+            <a:off x="838201" y="1825625"/>
+            <a:ext cx="6462252" cy="4781652"/>
+          </a:xfrm>
+        </p:spPr>
+        <p:txBody>
+          <a:bodyPr>
+            <a:normAutofit fontScale="85000" lnSpcReduction="20000"/>
+          </a:bodyPr>
+          <a:lstStyle/>
+          <a:p>
+            <a:pPr marL="0" indent="0" algn="just">
+              <a:buNone/>
+            </a:pPr>
+            <a:r>
+              <a:rPr lang="ru-RU" b="1" dirty="0">
+                <a:latin typeface="+mj-lt"/>
+              </a:rPr>
+              <a:t>Гипотеза А: </a:t>
+            </a:r>
+            <a:r>
+              <a:rPr lang="ru-RU" dirty="0">
+                <a:latin typeface="+mj-lt"/>
+              </a:rPr>
+              <a:t>Мы сможем получить неплохой результат, если возьмем </a:t>
+            </a:r>
+            <a:r>
+              <a:rPr lang="en-US" dirty="0">
+                <a:latin typeface="+mj-lt"/>
+              </a:rPr>
+              <a:t>YOLO v8</a:t>
+            </a:r>
+            <a:r>
+              <a:rPr lang="ru-RU" dirty="0">
+                <a:latin typeface="+mj-lt"/>
+              </a:rPr>
+              <a:t> для </a:t>
+            </a:r>
+            <a:r>
+              <a:rPr lang="en-US" dirty="0">
+                <a:latin typeface="+mj-lt"/>
+              </a:rPr>
+              <a:t>Object Detection</a:t>
+            </a:r>
+            <a:r>
+              <a:rPr lang="ru-RU" dirty="0">
+                <a:latin typeface="+mj-lt"/>
+              </a:rPr>
+              <a:t> и обучим ее на данных для сегментации</a:t>
+            </a:r>
+          </a:p>
+          <a:p>
+            <a:pPr marL="0" indent="0" algn="just">
+              <a:buNone/>
+            </a:pPr>
+            <a:r>
+              <a:rPr lang="ru-RU" b="1" dirty="0">
+                <a:latin typeface="+mj-lt"/>
+              </a:rPr>
+              <a:t>Гипотеза Б: </a:t>
+            </a:r>
+            <a:r>
+              <a:rPr lang="ru-RU" dirty="0">
+                <a:latin typeface="+mj-lt"/>
+              </a:rPr>
+              <a:t>Если мы произведем цветокоррекцию исходных изображений, то нейронная сеть будет лучше обучаться</a:t>
+            </a:r>
+          </a:p>
+          <a:p>
+            <a:pPr marL="0" indent="0" algn="just">
+              <a:buNone/>
+            </a:pPr>
+            <a:r>
+              <a:rPr lang="ru-RU" b="1" dirty="0">
+                <a:latin typeface="+mj-lt"/>
+              </a:rPr>
+              <a:t>Гипотеза В: </a:t>
+            </a:r>
+            <a:r>
+              <a:rPr lang="ru-RU" dirty="0">
+                <a:latin typeface="+mj-lt"/>
+              </a:rPr>
+              <a:t>Можно обучить две сети. Первая смотри на всю птицу, вторая на клюв птицы.</a:t>
+            </a:r>
+          </a:p>
+          <a:p>
+            <a:pPr marL="0" indent="0" algn="just">
+              <a:buNone/>
+            </a:pPr>
+            <a:r>
+              <a:rPr lang="ru-RU" b="1" dirty="0">
+                <a:latin typeface="+mj-lt"/>
+              </a:rPr>
+              <a:t>Гипотеза Г: </a:t>
+            </a:r>
+            <a:r>
+              <a:rPr lang="ru-RU" dirty="0">
+                <a:latin typeface="+mj-lt"/>
+              </a:rPr>
+              <a:t>Можно распознавать лебедей на основе выделения ключевых точек с помощью эвристических алгоритмов</a:t>
+            </a:r>
+          </a:p>
+          <a:p>
+            <a:pPr marL="0" indent="0" algn="just">
+              <a:buNone/>
+            </a:pPr>
+            <a:r>
+              <a:rPr lang="ru-RU" b="1" dirty="0">
+                <a:latin typeface="+mj-lt"/>
+              </a:rPr>
+              <a:t>Гипотеза Д: </a:t>
+            </a:r>
+            <a:r>
+              <a:rPr lang="ru-RU" dirty="0">
+                <a:latin typeface="+mj-lt"/>
+              </a:rPr>
+              <a:t>Использование </a:t>
+            </a:r>
+            <a:r>
+              <a:rPr lang="en-US" dirty="0" err="1">
+                <a:latin typeface="+mj-lt"/>
+              </a:rPr>
+              <a:t>MixUp</a:t>
+            </a:r>
+            <a:r>
+              <a:rPr lang="en-US" dirty="0">
+                <a:latin typeface="+mj-lt"/>
+              </a:rPr>
+              <a:t> augmentation</a:t>
+            </a:r>
+            <a:r>
+              <a:rPr lang="ru-RU" dirty="0">
+                <a:latin typeface="+mj-lt"/>
+              </a:rPr>
+              <a:t> позволит улучшить результат обучения на нашем наборе данных</a:t>
+            </a:r>
+          </a:p>
+          <a:p>
+            <a:pPr marL="285750" indent="-285750">
+              <a:buFont typeface="Arial" panose="020B0604020202020204" pitchFamily="34" charset="0"/>
+              <a:buChar char="•"/>
+            </a:pPr>
+            <a:endParaRPr lang="ru-RU" dirty="0"/>
+          </a:p>
+        </p:txBody>
+      </p:sp>
+      <p:pic>
+        <p:nvPicPr>
+          <p:cNvPr id="9" name="Рисунок 8">
+            <a:extLst>
+              <a:ext uri="{FF2B5EF4-FFF2-40B4-BE49-F238E27FC236}">
+                <a16:creationId xmlns:a16="http://schemas.microsoft.com/office/drawing/2014/main" id="{1A847547-4F7E-960B-7EE2-B6DF9A77E147}"/>
+              </a:ext>
+            </a:extLst>
+          </p:cNvPr>
+          <p:cNvPicPr>
+            <a:picLocks noChangeAspect="1"/>
+          </p:cNvPicPr>
+          <p:nvPr/>
+        </p:nvPicPr>
+        <p:blipFill rotWithShape="1">
+          <a:blip r:embed="rId2"/>
+          <a:srcRect l="16169" t="25759"/>
+          <a:stretch/>
+        </p:blipFill>
+        <p:spPr>
+          <a:xfrm>
+            <a:off x="8214853" y="1825625"/>
+            <a:ext cx="3244643" cy="1615555"/>
+          </a:xfrm>
+          <a:prstGeom prst="rect">
+            <a:avLst/>
+          </a:prstGeom>
+        </p:spPr>
+      </p:pic>
+      <p:pic>
+        <p:nvPicPr>
+          <p:cNvPr id="11" name="Рисунок 10">
+            <a:extLst>
+              <a:ext uri="{FF2B5EF4-FFF2-40B4-BE49-F238E27FC236}">
+                <a16:creationId xmlns:a16="http://schemas.microsoft.com/office/drawing/2014/main" id="{B3580C68-99C7-62DA-0537-3F6978B7D71A}"/>
+              </a:ext>
+            </a:extLst>
+          </p:cNvPr>
+          <p:cNvPicPr>
+            <a:picLocks noChangeAspect="1"/>
+          </p:cNvPicPr>
+          <p:nvPr/>
+        </p:nvPicPr>
+        <p:blipFill rotWithShape="1">
+          <a:blip r:embed="rId3"/>
+          <a:srcRect l="2661" t="24641" r="4920" b="9911"/>
+          <a:stretch/>
+        </p:blipFill>
+        <p:spPr>
+          <a:xfrm>
+            <a:off x="8214853" y="4538919"/>
+            <a:ext cx="3329296" cy="1325563"/>
+          </a:xfrm>
+          <a:prstGeom prst="rect">
+            <a:avLst/>
+          </a:prstGeom>
+        </p:spPr>
+      </p:pic>
+      <mc:AlternateContent xmlns:mc="http://schemas.openxmlformats.org/markup-compatibility/2006" xmlns:p14="http://schemas.microsoft.com/office/powerpoint/2010/main">
+        <mc:Choice Requires="p14">
+          <p:contentPart p14:bwMode="auto" r:id="rId4">
+            <p14:nvContentPartPr>
+              <p14:cNvPr id="13" name="Рукописный ввод 12">
+                <a:extLst>
+                  <a:ext uri="{FF2B5EF4-FFF2-40B4-BE49-F238E27FC236}">
+                    <a16:creationId xmlns:a16="http://schemas.microsoft.com/office/drawing/2014/main" id="{5307FAF7-3F1C-ECA5-2121-93F1441F5B0D}"/>
+                  </a:ext>
+                </a:extLst>
+              </p14:cNvPr>
+              <p14:cNvContentPartPr/>
+              <p14:nvPr/>
+            </p14:nvContentPartPr>
+            <p14:xfrm>
+              <a:off x="6916134" y="3136076"/>
+              <a:ext cx="1741680" cy="508680"/>
+            </p14:xfrm>
+          </p:contentPart>
+        </mc:Choice>
+        <mc:Fallback xmlns="">
+          <p:pic>
+            <p:nvPicPr>
+              <p:cNvPr id="13" name="Рукописный ввод 12">
+                <a:extLst>
+                  <a:ext uri="{FF2B5EF4-FFF2-40B4-BE49-F238E27FC236}">
+                    <a16:creationId xmlns:a16="http://schemas.microsoft.com/office/drawing/2014/main" id="{5307FAF7-3F1C-ECA5-2121-93F1441F5B0D}"/>
+                  </a:ext>
+                </a:extLst>
+              </p:cNvPr>
+              <p:cNvPicPr/>
+              <p:nvPr/>
+            </p:nvPicPr>
+            <p:blipFill>
+              <a:blip r:embed="rId5"/>
+              <a:stretch>
+                <a:fillRect/>
+              </a:stretch>
+            </p:blipFill>
+            <p:spPr>
+              <a:xfrm>
+                <a:off x="6907494" y="3127436"/>
+                <a:ext cx="1759320" cy="526320"/>
+              </a:xfrm>
+              <a:prstGeom prst="rect">
+                <a:avLst/>
+              </a:prstGeom>
+            </p:spPr>
+          </p:pic>
+        </mc:Fallback>
+      </mc:AlternateContent>
+      <p:grpSp>
+        <p:nvGrpSpPr>
+          <p:cNvPr id="20" name="Группа 19">
+            <a:extLst>
+              <a:ext uri="{FF2B5EF4-FFF2-40B4-BE49-F238E27FC236}">
+                <a16:creationId xmlns:a16="http://schemas.microsoft.com/office/drawing/2014/main" id="{75626E89-4A3C-4742-A2DD-27B4882B5AA4}"/>
+              </a:ext>
+            </a:extLst>
+          </p:cNvPr>
+          <p:cNvGrpSpPr/>
+          <p:nvPr/>
+        </p:nvGrpSpPr>
+        <p:grpSpPr>
+          <a:xfrm>
+            <a:off x="6975534" y="3096836"/>
+            <a:ext cx="1682280" cy="577080"/>
+            <a:chOff x="6975534" y="3096836"/>
+            <a:chExt cx="1682280" cy="577080"/>
+          </a:xfrm>
+        </p:grpSpPr>
+        <mc:AlternateContent xmlns:mc="http://schemas.openxmlformats.org/markup-compatibility/2006" xmlns:p14="http://schemas.microsoft.com/office/powerpoint/2010/main">
+          <mc:Choice Requires="p14">
+            <p:contentPart p14:bwMode="auto" r:id="rId6">
+              <p14:nvContentPartPr>
+                <p14:cNvPr id="14" name="Рукописный ввод 13">
+                  <a:extLst>
+                    <a:ext uri="{FF2B5EF4-FFF2-40B4-BE49-F238E27FC236}">
+                      <a16:creationId xmlns:a16="http://schemas.microsoft.com/office/drawing/2014/main" id="{5FDD4F15-9AD5-B69E-6823-C5C2461BBAC0}"/>
+                    </a:ext>
+                  </a:extLst>
+                </p14:cNvPr>
+                <p14:cNvContentPartPr/>
+                <p14:nvPr/>
+              </p14:nvContentPartPr>
+              <p14:xfrm>
+                <a:off x="6975534" y="3148676"/>
+                <a:ext cx="1658160" cy="525240"/>
+              </p14:xfrm>
+            </p:contentPart>
+          </mc:Choice>
+          <mc:Fallback xmlns="">
+            <p:pic>
+              <p:nvPicPr>
+                <p:cNvPr id="14" name="Рукописный ввод 13">
+                  <a:extLst>
+                    <a:ext uri="{FF2B5EF4-FFF2-40B4-BE49-F238E27FC236}">
+                      <a16:creationId xmlns:a16="http://schemas.microsoft.com/office/drawing/2014/main" id="{5FDD4F15-9AD5-B69E-6823-C5C2461BBAC0}"/>
+                    </a:ext>
+                  </a:extLst>
+                </p:cNvPr>
+                <p:cNvPicPr/>
+                <p:nvPr/>
+              </p:nvPicPr>
+              <p:blipFill>
+                <a:blip r:embed="rId7"/>
+                <a:stretch>
+                  <a:fillRect/>
+                </a:stretch>
+              </p:blipFill>
+              <p:spPr>
+                <a:xfrm>
+                  <a:off x="6966534" y="3139676"/>
+                  <a:ext cx="1675800" cy="542880"/>
+                </a:xfrm>
+                <a:prstGeom prst="rect">
+                  <a:avLst/>
+                </a:prstGeom>
+              </p:spPr>
+            </p:pic>
+          </mc:Fallback>
+        </mc:AlternateContent>
+        <mc:AlternateContent xmlns:mc="http://schemas.openxmlformats.org/markup-compatibility/2006" xmlns:p14="http://schemas.microsoft.com/office/powerpoint/2010/main">
+          <mc:Choice Requires="p14">
+            <p:contentPart p14:bwMode="auto" r:id="rId8">
+              <p14:nvContentPartPr>
+                <p14:cNvPr id="15" name="Рукописный ввод 14">
+                  <a:extLst>
+                    <a:ext uri="{FF2B5EF4-FFF2-40B4-BE49-F238E27FC236}">
+                      <a16:creationId xmlns:a16="http://schemas.microsoft.com/office/drawing/2014/main" id="{963FF4F2-C46C-638F-44CC-23741E3752F5}"/>
+                    </a:ext>
+                  </a:extLst>
+                </p14:cNvPr>
+                <p14:cNvContentPartPr/>
+                <p14:nvPr/>
+              </p14:nvContentPartPr>
+              <p14:xfrm>
+                <a:off x="8408334" y="3126356"/>
+                <a:ext cx="234000" cy="178920"/>
+              </p14:xfrm>
+            </p:contentPart>
+          </mc:Choice>
+          <mc:Fallback xmlns="">
+            <p:pic>
+              <p:nvPicPr>
+                <p:cNvPr id="15" name="Рукописный ввод 14">
+                  <a:extLst>
+                    <a:ext uri="{FF2B5EF4-FFF2-40B4-BE49-F238E27FC236}">
+                      <a16:creationId xmlns:a16="http://schemas.microsoft.com/office/drawing/2014/main" id="{963FF4F2-C46C-638F-44CC-23741E3752F5}"/>
+                    </a:ext>
+                  </a:extLst>
+                </p:cNvPr>
+                <p:cNvPicPr/>
+                <p:nvPr/>
+              </p:nvPicPr>
+              <p:blipFill>
+                <a:blip r:embed="rId9"/>
+                <a:stretch>
+                  <a:fillRect/>
+                </a:stretch>
+              </p:blipFill>
+              <p:spPr>
+                <a:xfrm>
+                  <a:off x="8399694" y="3117716"/>
+                  <a:ext cx="251640" cy="196560"/>
+                </a:xfrm>
+                <a:prstGeom prst="rect">
+                  <a:avLst/>
+                </a:prstGeom>
+              </p:spPr>
+            </p:pic>
+          </mc:Fallback>
+        </mc:AlternateContent>
+        <mc:AlternateContent xmlns:mc="http://schemas.openxmlformats.org/markup-compatibility/2006" xmlns:p14="http://schemas.microsoft.com/office/powerpoint/2010/main">
+          <mc:Choice Requires="p14">
+            <p:contentPart p14:bwMode="auto" r:id="rId10">
+              <p14:nvContentPartPr>
+                <p14:cNvPr id="16" name="Рукописный ввод 15">
+                  <a:extLst>
+                    <a:ext uri="{FF2B5EF4-FFF2-40B4-BE49-F238E27FC236}">
+                      <a16:creationId xmlns:a16="http://schemas.microsoft.com/office/drawing/2014/main" id="{53A6BE9D-943B-3D29-B23E-D99E42B0B37C}"/>
+                    </a:ext>
+                  </a:extLst>
+                </p14:cNvPr>
+                <p14:cNvContentPartPr/>
+                <p14:nvPr/>
+              </p14:nvContentPartPr>
+              <p14:xfrm>
+                <a:off x="8347494" y="3096836"/>
+                <a:ext cx="310320" cy="178920"/>
+              </p14:xfrm>
+            </p:contentPart>
+          </mc:Choice>
+          <mc:Fallback xmlns="">
+            <p:pic>
+              <p:nvPicPr>
+                <p:cNvPr id="16" name="Рукописный ввод 15">
+                  <a:extLst>
+                    <a:ext uri="{FF2B5EF4-FFF2-40B4-BE49-F238E27FC236}">
+                      <a16:creationId xmlns:a16="http://schemas.microsoft.com/office/drawing/2014/main" id="{53A6BE9D-943B-3D29-B23E-D99E42B0B37C}"/>
+                    </a:ext>
+                  </a:extLst>
+                </p:cNvPr>
+                <p:cNvPicPr/>
+                <p:nvPr/>
+              </p:nvPicPr>
+              <p:blipFill>
+                <a:blip r:embed="rId11"/>
+                <a:stretch>
+                  <a:fillRect/>
+                </a:stretch>
+              </p:blipFill>
+              <p:spPr>
+                <a:xfrm>
+                  <a:off x="8338494" y="3088196"/>
+                  <a:ext cx="327960" cy="196560"/>
+                </a:xfrm>
+                <a:prstGeom prst="rect">
+                  <a:avLst/>
+                </a:prstGeom>
+              </p:spPr>
+            </p:pic>
+          </mc:Fallback>
+        </mc:AlternateContent>
+        <mc:AlternateContent xmlns:mc="http://schemas.openxmlformats.org/markup-compatibility/2006" xmlns:p14="http://schemas.microsoft.com/office/powerpoint/2010/main">
+          <mc:Choice Requires="p14">
+            <p:contentPart p14:bwMode="auto" r:id="rId12">
+              <p14:nvContentPartPr>
+                <p14:cNvPr id="17" name="Рукописный ввод 16">
+                  <a:extLst>
+                    <a:ext uri="{FF2B5EF4-FFF2-40B4-BE49-F238E27FC236}">
+                      <a16:creationId xmlns:a16="http://schemas.microsoft.com/office/drawing/2014/main" id="{73D61453-1B72-6F5A-E717-8D2CCA444FEE}"/>
+                    </a:ext>
+                  </a:extLst>
+                </p14:cNvPr>
+                <p14:cNvContentPartPr/>
+                <p14:nvPr/>
+              </p14:nvContentPartPr>
+              <p14:xfrm>
+                <a:off x="8508414" y="3119516"/>
+                <a:ext cx="133920" cy="284760"/>
+              </p14:xfrm>
+            </p:contentPart>
+          </mc:Choice>
+          <mc:Fallback xmlns="">
+            <p:pic>
+              <p:nvPicPr>
+                <p:cNvPr id="17" name="Рукописный ввод 16">
+                  <a:extLst>
+                    <a:ext uri="{FF2B5EF4-FFF2-40B4-BE49-F238E27FC236}">
+                      <a16:creationId xmlns:a16="http://schemas.microsoft.com/office/drawing/2014/main" id="{73D61453-1B72-6F5A-E717-8D2CCA444FEE}"/>
+                    </a:ext>
+                  </a:extLst>
+                </p:cNvPr>
+                <p:cNvPicPr/>
+                <p:nvPr/>
+              </p:nvPicPr>
+              <p:blipFill>
+                <a:blip r:embed="rId13"/>
+                <a:stretch>
+                  <a:fillRect/>
+                </a:stretch>
+              </p:blipFill>
+              <p:spPr>
+                <a:xfrm>
+                  <a:off x="8499774" y="3110876"/>
+                  <a:ext cx="151560" cy="302400"/>
+                </a:xfrm>
+                <a:prstGeom prst="rect">
+                  <a:avLst/>
+                </a:prstGeom>
+              </p:spPr>
+            </p:pic>
+          </mc:Fallback>
+        </mc:AlternateContent>
+        <mc:AlternateContent xmlns:mc="http://schemas.openxmlformats.org/markup-compatibility/2006" xmlns:p14="http://schemas.microsoft.com/office/powerpoint/2010/main">
+          <mc:Choice Requires="p14">
+            <p:contentPart p14:bwMode="auto" r:id="rId14">
+              <p14:nvContentPartPr>
+                <p14:cNvPr id="18" name="Рукописный ввод 17">
+                  <a:extLst>
+                    <a:ext uri="{FF2B5EF4-FFF2-40B4-BE49-F238E27FC236}">
+                      <a16:creationId xmlns:a16="http://schemas.microsoft.com/office/drawing/2014/main" id="{2E5F9FEF-EA5E-4290-58BD-B8B03BF9DDCD}"/>
+                    </a:ext>
+                  </a:extLst>
+                </p14:cNvPr>
+                <p14:cNvContentPartPr/>
+                <p14:nvPr/>
+              </p14:nvContentPartPr>
+              <p14:xfrm>
+                <a:off x="8369094" y="3154796"/>
+                <a:ext cx="247320" cy="285480"/>
+              </p14:xfrm>
+            </p:contentPart>
+          </mc:Choice>
+          <mc:Fallback xmlns="">
+            <p:pic>
+              <p:nvPicPr>
+                <p:cNvPr id="18" name="Рукописный ввод 17">
+                  <a:extLst>
+                    <a:ext uri="{FF2B5EF4-FFF2-40B4-BE49-F238E27FC236}">
+                      <a16:creationId xmlns:a16="http://schemas.microsoft.com/office/drawing/2014/main" id="{2E5F9FEF-EA5E-4290-58BD-B8B03BF9DDCD}"/>
+                    </a:ext>
+                  </a:extLst>
+                </p:cNvPr>
+                <p:cNvPicPr/>
+                <p:nvPr/>
+              </p:nvPicPr>
+              <p:blipFill>
+                <a:blip r:embed="rId15"/>
+                <a:stretch>
+                  <a:fillRect/>
+                </a:stretch>
+              </p:blipFill>
+              <p:spPr>
+                <a:xfrm>
+                  <a:off x="8360454" y="3145796"/>
+                  <a:ext cx="264960" cy="303120"/>
+                </a:xfrm>
+                <a:prstGeom prst="rect">
+                  <a:avLst/>
+                </a:prstGeom>
+              </p:spPr>
+            </p:pic>
+          </mc:Fallback>
+        </mc:AlternateContent>
+        <mc:AlternateContent xmlns:mc="http://schemas.openxmlformats.org/markup-compatibility/2006" xmlns:p14="http://schemas.microsoft.com/office/powerpoint/2010/main">
+          <mc:Choice Requires="p14">
+            <p:contentPart p14:bwMode="auto" r:id="rId16">
+              <p14:nvContentPartPr>
+                <p14:cNvPr id="19" name="Рукописный ввод 18">
+                  <a:extLst>
+                    <a:ext uri="{FF2B5EF4-FFF2-40B4-BE49-F238E27FC236}">
+                      <a16:creationId xmlns:a16="http://schemas.microsoft.com/office/drawing/2014/main" id="{3E883491-3798-5341-4C8F-B67D3F54549B}"/>
+                    </a:ext>
+                  </a:extLst>
+                </p14:cNvPr>
+                <p14:cNvContentPartPr/>
+                <p14:nvPr/>
+              </p14:nvContentPartPr>
+              <p14:xfrm>
+                <a:off x="8567454" y="3140756"/>
+                <a:ext cx="60480" cy="233640"/>
+              </p14:xfrm>
+            </p:contentPart>
+          </mc:Choice>
+          <mc:Fallback xmlns="">
+            <p:pic>
+              <p:nvPicPr>
+                <p:cNvPr id="19" name="Рукописный ввод 18">
+                  <a:extLst>
+                    <a:ext uri="{FF2B5EF4-FFF2-40B4-BE49-F238E27FC236}">
+                      <a16:creationId xmlns:a16="http://schemas.microsoft.com/office/drawing/2014/main" id="{3E883491-3798-5341-4C8F-B67D3F54549B}"/>
+                    </a:ext>
+                  </a:extLst>
+                </p:cNvPr>
+                <p:cNvPicPr/>
+                <p:nvPr/>
+              </p:nvPicPr>
+              <p:blipFill>
+                <a:blip r:embed="rId17"/>
+                <a:stretch>
+                  <a:fillRect/>
+                </a:stretch>
+              </p:blipFill>
+              <p:spPr>
+                <a:xfrm>
+                  <a:off x="8558814" y="3132116"/>
+                  <a:ext cx="78120" cy="251280"/>
+                </a:xfrm>
+                <a:prstGeom prst="rect">
+                  <a:avLst/>
+                </a:prstGeom>
+              </p:spPr>
+            </p:pic>
+          </mc:Fallback>
+        </mc:AlternateContent>
+      </p:grpSp>
+      <mc:AlternateContent xmlns:mc="http://schemas.openxmlformats.org/markup-compatibility/2006" xmlns:p14="http://schemas.microsoft.com/office/powerpoint/2010/main">
+        <mc:Choice Requires="p14">
+          <p:contentPart p14:bwMode="auto" r:id="rId18">
+            <p14:nvContentPartPr>
+              <p14:cNvPr id="21" name="Рукописный ввод 20">
+                <a:extLst>
+                  <a:ext uri="{FF2B5EF4-FFF2-40B4-BE49-F238E27FC236}">
+                    <a16:creationId xmlns:a16="http://schemas.microsoft.com/office/drawing/2014/main" id="{033ED0B5-AE69-7CCF-95CA-5133997DA6F8}"/>
+                  </a:ext>
+                </a:extLst>
+              </p14:cNvPr>
+              <p14:cNvContentPartPr/>
+              <p14:nvPr/>
+            </p14:nvContentPartPr>
+            <p14:xfrm>
+              <a:off x="6769254" y="4290236"/>
+              <a:ext cx="1435680" cy="581040"/>
+            </p14:xfrm>
+          </p:contentPart>
+        </mc:Choice>
+        <mc:Fallback xmlns="">
+          <p:pic>
+            <p:nvPicPr>
+              <p:cNvPr id="21" name="Рукописный ввод 20">
+                <a:extLst>
+                  <a:ext uri="{FF2B5EF4-FFF2-40B4-BE49-F238E27FC236}">
+                    <a16:creationId xmlns:a16="http://schemas.microsoft.com/office/drawing/2014/main" id="{033ED0B5-AE69-7CCF-95CA-5133997DA6F8}"/>
+                  </a:ext>
+                </a:extLst>
+              </p:cNvPr>
+              <p:cNvPicPr/>
+              <p:nvPr/>
+            </p:nvPicPr>
+            <p:blipFill>
+              <a:blip r:embed="rId19"/>
+              <a:stretch>
+                <a:fillRect/>
+              </a:stretch>
+            </p:blipFill>
+            <p:spPr>
+              <a:xfrm>
+                <a:off x="6760254" y="4281236"/>
+                <a:ext cx="1453320" cy="598680"/>
+              </a:xfrm>
+              <a:prstGeom prst="rect">
+                <a:avLst/>
+              </a:prstGeom>
+            </p:spPr>
+          </p:pic>
+        </mc:Fallback>
+      </mc:AlternateContent>
+      <mc:AlternateContent xmlns:mc="http://schemas.openxmlformats.org/markup-compatibility/2006" xmlns:p14="http://schemas.microsoft.com/office/powerpoint/2010/main">
+        <mc:Choice Requires="p14">
+          <p:contentPart p14:bwMode="auto" r:id="rId20">
+            <p14:nvContentPartPr>
+              <p14:cNvPr id="22" name="Рукописный ввод 21">
+                <a:extLst>
+                  <a:ext uri="{FF2B5EF4-FFF2-40B4-BE49-F238E27FC236}">
+                    <a16:creationId xmlns:a16="http://schemas.microsoft.com/office/drawing/2014/main" id="{0F3110CE-6D3A-3811-9DBE-CE1C09F8CAB8}"/>
+                  </a:ext>
+                </a:extLst>
+              </p14:cNvPr>
+              <p14:cNvContentPartPr/>
+              <p14:nvPr/>
+            </p14:nvContentPartPr>
+            <p14:xfrm>
+              <a:off x="6739734" y="4261436"/>
+              <a:ext cx="1476000" cy="619920"/>
+            </p14:xfrm>
+          </p:contentPart>
+        </mc:Choice>
+        <mc:Fallback xmlns="">
+          <p:pic>
+            <p:nvPicPr>
+              <p:cNvPr id="22" name="Рукописный ввод 21">
+                <a:extLst>
+                  <a:ext uri="{FF2B5EF4-FFF2-40B4-BE49-F238E27FC236}">
+                    <a16:creationId xmlns:a16="http://schemas.microsoft.com/office/drawing/2014/main" id="{0F3110CE-6D3A-3811-9DBE-CE1C09F8CAB8}"/>
+                  </a:ext>
+                </a:extLst>
+              </p:cNvPr>
+              <p:cNvPicPr/>
+              <p:nvPr/>
+            </p:nvPicPr>
+            <p:blipFill>
+              <a:blip r:embed="rId21"/>
+              <a:stretch>
+                <a:fillRect/>
+              </a:stretch>
+            </p:blipFill>
+            <p:spPr>
+              <a:xfrm>
+                <a:off x="6730734" y="4252436"/>
+                <a:ext cx="1493640" cy="637560"/>
+              </a:xfrm>
+              <a:prstGeom prst="rect">
+                <a:avLst/>
+              </a:prstGeom>
+            </p:spPr>
+          </p:pic>
+        </mc:Fallback>
+      </mc:AlternateContent>
+      <mc:AlternateContent xmlns:mc="http://schemas.openxmlformats.org/markup-compatibility/2006" xmlns:p14="http://schemas.microsoft.com/office/powerpoint/2010/main">
+        <mc:Choice Requires="p14">
+          <p:contentPart p14:bwMode="auto" r:id="rId22">
+            <p14:nvContentPartPr>
+              <p14:cNvPr id="23" name="Рукописный ввод 22">
+                <a:extLst>
+                  <a:ext uri="{FF2B5EF4-FFF2-40B4-BE49-F238E27FC236}">
+                    <a16:creationId xmlns:a16="http://schemas.microsoft.com/office/drawing/2014/main" id="{D185E4DD-A042-573B-EA48-D1335D18E4CB}"/>
+                  </a:ext>
+                </a:extLst>
+              </p14:cNvPr>
+              <p14:cNvContentPartPr/>
+              <p14:nvPr/>
+            </p14:nvContentPartPr>
+            <p14:xfrm>
+              <a:off x="8007654" y="4567796"/>
+              <a:ext cx="202320" cy="291240"/>
+            </p14:xfrm>
+          </p:contentPart>
+        </mc:Choice>
+        <mc:Fallback xmlns="">
+          <p:pic>
+            <p:nvPicPr>
+              <p:cNvPr id="23" name="Рукописный ввод 22">
+                <a:extLst>
+                  <a:ext uri="{FF2B5EF4-FFF2-40B4-BE49-F238E27FC236}">
+                    <a16:creationId xmlns:a16="http://schemas.microsoft.com/office/drawing/2014/main" id="{D185E4DD-A042-573B-EA48-D1335D18E4CB}"/>
+                  </a:ext>
+                </a:extLst>
+              </p:cNvPr>
+              <p:cNvPicPr/>
+              <p:nvPr/>
+            </p:nvPicPr>
+            <p:blipFill>
+              <a:blip r:embed="rId23"/>
+              <a:stretch>
+                <a:fillRect/>
+              </a:stretch>
+            </p:blipFill>
+            <p:spPr>
+              <a:xfrm>
+                <a:off x="7999014" y="4559156"/>
+                <a:ext cx="219960" cy="308880"/>
+              </a:xfrm>
+              <a:prstGeom prst="rect">
+                <a:avLst/>
+              </a:prstGeom>
+            </p:spPr>
+          </p:pic>
+        </mc:Fallback>
+      </mc:AlternateContent>
+      <mc:AlternateContent xmlns:mc="http://schemas.openxmlformats.org/markup-compatibility/2006" xmlns:p14="http://schemas.microsoft.com/office/powerpoint/2010/main">
+        <mc:Choice Requires="p14">
+          <p:contentPart p14:bwMode="auto" r:id="rId24">
+            <p14:nvContentPartPr>
+              <p14:cNvPr id="24" name="Рукописный ввод 23">
+                <a:extLst>
+                  <a:ext uri="{FF2B5EF4-FFF2-40B4-BE49-F238E27FC236}">
+                    <a16:creationId xmlns:a16="http://schemas.microsoft.com/office/drawing/2014/main" id="{FE6E8A3E-77EB-B576-7D4A-176DCF07A196}"/>
+                  </a:ext>
+                </a:extLst>
+              </p14:cNvPr>
+              <p14:cNvContentPartPr/>
+              <p14:nvPr/>
+            </p14:nvContentPartPr>
+            <p14:xfrm>
+              <a:off x="4571814" y="4616036"/>
+              <a:ext cx="360" cy="360"/>
+            </p14:xfrm>
+          </p:contentPart>
+        </mc:Choice>
+        <mc:Fallback xmlns="">
+          <p:pic>
+            <p:nvPicPr>
+              <p:cNvPr id="24" name="Рукописный ввод 23">
+                <a:extLst>
+                  <a:ext uri="{FF2B5EF4-FFF2-40B4-BE49-F238E27FC236}">
+                    <a16:creationId xmlns:a16="http://schemas.microsoft.com/office/drawing/2014/main" id="{FE6E8A3E-77EB-B576-7D4A-176DCF07A196}"/>
+                  </a:ext>
+                </a:extLst>
+              </p:cNvPr>
+              <p:cNvPicPr/>
+              <p:nvPr/>
+            </p:nvPicPr>
+            <p:blipFill>
+              <a:blip r:embed="rId25"/>
+              <a:stretch>
+                <a:fillRect/>
+              </a:stretch>
+            </p:blipFill>
+            <p:spPr>
+              <a:xfrm>
+                <a:off x="4562814" y="4607036"/>
+                <a:ext cx="18000" cy="18000"/>
+              </a:xfrm>
+              <a:prstGeom prst="rect">
+                <a:avLst/>
+              </a:prstGeom>
+            </p:spPr>
+          </p:pic>
+        </mc:Fallback>
+      </mc:AlternateContent>
+    </p:spTree>
+    <p:extLst>
+      <p:ext uri="{BB962C8B-B14F-4D97-AF65-F5344CB8AC3E}">
+        <p14:creationId xmlns:p14="http://schemas.microsoft.com/office/powerpoint/2010/main" val="308208686"/>
+      </p:ext>
+    </p:extLst>
+  </p:cSld>
+  <p:clrMapOvr>
+    <a:masterClrMapping/>
+  </p:clrMapOvr>
+</p:sld>
+</file>
+
+<file path=ppt/slides/slide5.xml><?xml version="1.0" encoding="utf-8"?>
+<p:sld xmlns:a="http://schemas.openxmlformats.org/drawingml/2006/main" xmlns:r="http://schemas.openxmlformats.org/officeDocument/2006/relationships" xmlns:p="http://schemas.openxmlformats.org/presentationml/2006/main">
+  <p:cSld>
+    <p:spTree>
+      <p:nvGrpSpPr>
+        <p:cNvPr id="1" name=""/>
+        <p:cNvGrpSpPr/>
+        <p:nvPr/>
+      </p:nvGrpSpPr>
+      <p:grpSpPr>
+        <a:xfrm>
+          <a:off x="0" y="0"/>
+          <a:ext cx="0" cy="0"/>
+          <a:chOff x="0" y="0"/>
+          <a:chExt cx="0" cy="0"/>
+        </a:xfrm>
+      </p:grpSpPr>
+      <p:sp>
+        <p:nvSpPr>
+          <p:cNvPr id="2" name="Заголовок 1">
+            <a:extLst>
+              <a:ext uri="{FF2B5EF4-FFF2-40B4-BE49-F238E27FC236}">
+                <a16:creationId xmlns:a16="http://schemas.microsoft.com/office/drawing/2014/main" id="{AED8BA1A-A600-CA40-F8CE-DA8275F9D87F}"/>
+              </a:ext>
+            </a:extLst>
+          </p:cNvPr>
+          <p:cNvSpPr>
+            <a:spLocks noGrp="1"/>
+          </p:cNvSpPr>
+          <p:nvPr>
+            <p:ph type="title"/>
+          </p:nvPr>
+        </p:nvSpPr>
+        <p:spPr/>
+        <p:txBody>
+          <a:bodyPr/>
+          <a:lstStyle/>
+          <a:p>
+            <a:r>
+              <a:rPr lang="ru-RU" sz="4400" dirty="0">
+                <a:latin typeface="Consolas" panose="020B0609020204030204" pitchFamily="49" charset="0"/>
+              </a:rPr>
+              <a:t>Эффективность решения</a:t>
+            </a:r>
+          </a:p>
+        </p:txBody>
+      </p:sp>
+      <p:sp>
+        <p:nvSpPr>
+          <p:cNvPr id="7" name="Объект 6">
+            <a:extLst>
+              <a:ext uri="{FF2B5EF4-FFF2-40B4-BE49-F238E27FC236}">
+                <a16:creationId xmlns:a16="http://schemas.microsoft.com/office/drawing/2014/main" id="{1EF56B53-0E4B-DFB0-72F9-FE59522539D6}"/>
+              </a:ext>
+            </a:extLst>
+          </p:cNvPr>
+          <p:cNvSpPr>
+            <a:spLocks noGrp="1"/>
+          </p:cNvSpPr>
+          <p:nvPr>
+            <p:ph idx="1"/>
+          </p:nvPr>
+        </p:nvSpPr>
+        <p:spPr/>
+        <p:txBody>
+          <a:bodyPr/>
+          <a:lstStyle/>
+          <a:p>
+            <a:r>
+              <a:rPr lang="ru-RU" dirty="0"/>
+              <a:t>Метрики </a:t>
+            </a:r>
+          </a:p>
+        </p:txBody>
+      </p:sp>
+      <p:pic>
+        <p:nvPicPr>
+          <p:cNvPr id="4" name="Рисунок 3">
+            <a:extLst>
+              <a:ext uri="{FF2B5EF4-FFF2-40B4-BE49-F238E27FC236}">
+                <a16:creationId xmlns:a16="http://schemas.microsoft.com/office/drawing/2014/main" id="{FA90DDDE-E648-CFE5-49F8-35BD4D08DBDD}"/>
+              </a:ext>
+            </a:extLst>
+          </p:cNvPr>
+          <p:cNvPicPr>
+            <a:picLocks noChangeAspect="1"/>
+          </p:cNvPicPr>
+          <p:nvPr/>
+        </p:nvPicPr>
+        <p:blipFill>
+          <a:blip r:embed="rId2">
+            <a:extLst>
+              <a:ext uri="{28A0092B-C50C-407E-A947-70E740481C1C}">
+                <a14:useLocalDpi xmlns:a14="http://schemas.microsoft.com/office/drawing/2010/main" val="0"/>
+              </a:ext>
+            </a:extLst>
+          </a:blip>
+          <a:stretch>
+            <a:fillRect/>
+          </a:stretch>
+        </p:blipFill>
+        <p:spPr>
+          <a:xfrm>
+            <a:off x="137651" y="1560436"/>
+            <a:ext cx="6508955" cy="4881716"/>
+          </a:xfrm>
+          <a:prstGeom prst="rect">
+            <a:avLst/>
+          </a:prstGeom>
+        </p:spPr>
+      </p:pic>
+      <p:pic>
+        <p:nvPicPr>
+          <p:cNvPr id="9" name="Рисунок 8">
+            <a:extLst>
+              <a:ext uri="{FF2B5EF4-FFF2-40B4-BE49-F238E27FC236}">
+                <a16:creationId xmlns:a16="http://schemas.microsoft.com/office/drawing/2014/main" id="{81FADE11-B5DC-963A-0B71-D310944D6025}"/>
+              </a:ext>
+            </a:extLst>
+          </p:cNvPr>
+          <p:cNvPicPr>
+            <a:picLocks noChangeAspect="1"/>
+          </p:cNvPicPr>
+          <p:nvPr/>
+        </p:nvPicPr>
+        <p:blipFill>
+          <a:blip r:embed="rId3">
+            <a:extLst>
+              <a:ext uri="{28A0092B-C50C-407E-A947-70E740481C1C}">
+                <a14:useLocalDpi xmlns:a14="http://schemas.microsoft.com/office/drawing/2010/main" val="0"/>
+              </a:ext>
+            </a:extLst>
+          </a:blip>
+          <a:stretch>
+            <a:fillRect/>
+          </a:stretch>
+        </p:blipFill>
+        <p:spPr>
+          <a:xfrm>
+            <a:off x="6501941" y="1690688"/>
+            <a:ext cx="5444254" cy="3629502"/>
+          </a:xfrm>
+          <a:prstGeom prst="rect">
+            <a:avLst/>
+          </a:prstGeom>
+        </p:spPr>
+      </p:pic>
+    </p:spTree>
+    <p:extLst>
+      <p:ext uri="{BB962C8B-B14F-4D97-AF65-F5344CB8AC3E}">
+        <p14:creationId xmlns:p14="http://schemas.microsoft.com/office/powerpoint/2010/main" val="3438308338"/>
+      </p:ext>
+    </p:extLst>
+  </p:cSld>
+  <p:clrMapOvr>
+    <a:masterClrMapping/>
+  </p:clrMapOvr>
+</p:sld>
+</file>
+
+<file path=ppt/slides/slide6.xml><?xml version="1.0" encoding="utf-8"?>
+<p:sld xmlns:a="http://schemas.openxmlformats.org/drawingml/2006/main" xmlns:r="http://schemas.openxmlformats.org/officeDocument/2006/relationships" xmlns:p="http://schemas.openxmlformats.org/presentationml/2006/main">
+  <p:cSld>
+    <p:spTree>
+      <p:nvGrpSpPr>
+        <p:cNvPr id="1" name=""/>
+        <p:cNvGrpSpPr/>
+        <p:nvPr/>
+      </p:nvGrpSpPr>
+      <p:grpSpPr>
+        <a:xfrm>
+          <a:off x="0" y="0"/>
+          <a:ext cx="0" cy="0"/>
+          <a:chOff x="0" y="0"/>
+          <a:chExt cx="0" cy="0"/>
+        </a:xfrm>
+      </p:grpSpPr>
+      <p:sp>
+        <p:nvSpPr>
+          <p:cNvPr id="2" name="Заголовок 1">
+            <a:extLst>
+              <a:ext uri="{FF2B5EF4-FFF2-40B4-BE49-F238E27FC236}">
+                <a16:creationId xmlns:a16="http://schemas.microsoft.com/office/drawing/2014/main" id="{AED8BA1A-A600-CA40-F8CE-DA8275F9D87F}"/>
+              </a:ext>
+            </a:extLst>
+          </p:cNvPr>
+          <p:cNvSpPr>
+            <a:spLocks noGrp="1"/>
+          </p:cNvSpPr>
+          <p:nvPr>
+            <p:ph type="title"/>
+          </p:nvPr>
+        </p:nvSpPr>
+        <p:spPr/>
+        <p:txBody>
+          <a:bodyPr/>
+          <a:lstStyle/>
+          <a:p>
+            <a:r>
+              <a:rPr lang="ru-RU" sz="4400" dirty="0">
+                <a:latin typeface="Consolas" panose="020B0609020204030204" pitchFamily="49" charset="0"/>
+              </a:rPr>
+              <a:t>Решение</a:t>
+            </a:r>
+          </a:p>
+        </p:txBody>
+      </p:sp>
+      <mc:AlternateContent xmlns:mc="http://schemas.openxmlformats.org/markup-compatibility/2006" xmlns:p14="http://schemas.microsoft.com/office/powerpoint/2010/main">
+        <mc:Choice Requires="p14">
+          <p:contentPart p14:bwMode="auto" r:id="rId2">
+            <p14:nvContentPartPr>
+              <p14:cNvPr id="24" name="Рукописный ввод 23">
+                <a:extLst>
+                  <a:ext uri="{FF2B5EF4-FFF2-40B4-BE49-F238E27FC236}">
+                    <a16:creationId xmlns:a16="http://schemas.microsoft.com/office/drawing/2014/main" id="{FE6E8A3E-77EB-B576-7D4A-176DCF07A196}"/>
+                  </a:ext>
+                </a:extLst>
+              </p14:cNvPr>
+              <p14:cNvContentPartPr/>
+              <p14:nvPr/>
+            </p14:nvContentPartPr>
+            <p14:xfrm>
+              <a:off x="4571814" y="4616036"/>
+              <a:ext cx="360" cy="360"/>
+            </p14:xfrm>
+          </p:contentPart>
+        </mc:Choice>
+        <mc:Fallback xmlns="">
+          <p:pic>
+            <p:nvPicPr>
+              <p:cNvPr id="24" name="Рукописный ввод 23">
+                <a:extLst>
+                  <a:ext uri="{FF2B5EF4-FFF2-40B4-BE49-F238E27FC236}">
+                    <a16:creationId xmlns:a16="http://schemas.microsoft.com/office/drawing/2014/main" id="{FE6E8A3E-77EB-B576-7D4A-176DCF07A196}"/>
+                  </a:ext>
+                </a:extLst>
+              </p:cNvPr>
+              <p:cNvPicPr/>
+              <p:nvPr/>
+            </p:nvPicPr>
+            <p:blipFill>
+              <a:blip r:embed="rId25"/>
+              <a:stretch>
+                <a:fillRect/>
+              </a:stretch>
+            </p:blipFill>
+            <p:spPr>
+              <a:xfrm>
+                <a:off x="4562814" y="4607036"/>
+                <a:ext cx="18000" cy="18000"/>
+              </a:xfrm>
+              <a:prstGeom prst="rect">
+                <a:avLst/>
+              </a:prstGeom>
+            </p:spPr>
+          </p:pic>
+        </mc:Fallback>
+      </mc:AlternateContent>
+      <p:pic>
+        <p:nvPicPr>
+          <p:cNvPr id="6" name="Рисунок 5">
+            <a:extLst>
+              <a:ext uri="{FF2B5EF4-FFF2-40B4-BE49-F238E27FC236}">
+                <a16:creationId xmlns:a16="http://schemas.microsoft.com/office/drawing/2014/main" id="{24E5DB9E-A5B9-4C3C-93ED-3678CC7FBF7F}"/>
+              </a:ext>
+            </a:extLst>
+          </p:cNvPr>
+          <p:cNvPicPr>
+            <a:picLocks noChangeAspect="1"/>
+          </p:cNvPicPr>
+          <p:nvPr/>
+        </p:nvPicPr>
+        <p:blipFill>
+          <a:blip r:embed="rId26"/>
+          <a:stretch>
+            <a:fillRect/>
+          </a:stretch>
+        </p:blipFill>
+        <p:spPr>
+          <a:xfrm>
+            <a:off x="2756847" y="1496972"/>
+            <a:ext cx="9144000" cy="5140990"/>
+          </a:xfrm>
+          <a:prstGeom prst="rect">
+            <a:avLst/>
+          </a:prstGeom>
+        </p:spPr>
+      </p:pic>
+    </p:spTree>
+    <p:extLst>
+      <p:ext uri="{BB962C8B-B14F-4D97-AF65-F5344CB8AC3E}">
+        <p14:creationId xmlns:p14="http://schemas.microsoft.com/office/powerpoint/2010/main" val="1143438567"/>
+      </p:ext>
+    </p:extLst>
+  </p:cSld>
+  <p:clrMapOvr>
+    <a:masterClrMapping/>
+  </p:clrMapOvr>
+</p:sld>
+</file>
+
+<file path=ppt/slides/slide7.xml><?xml version="1.0" encoding="utf-8"?>
+<p:sld xmlns:a="http://schemas.openxmlformats.org/drawingml/2006/main" xmlns:r="http://schemas.openxmlformats.org/officeDocument/2006/relationships" xmlns:p="http://schemas.openxmlformats.org/presentationml/2006/main">
+  <p:cSld>
+    <p:spTree>
+      <p:nvGrpSpPr>
+        <p:cNvPr id="1" name=""/>
+        <p:cNvGrpSpPr/>
+        <p:nvPr/>
+      </p:nvGrpSpPr>
+      <p:grpSpPr>
+        <a:xfrm>
+          <a:off x="0" y="0"/>
+          <a:ext cx="0" cy="0"/>
+          <a:chOff x="0" y="0"/>
+          <a:chExt cx="0" cy="0"/>
+        </a:xfrm>
+      </p:grpSpPr>
+      <p:sp>
+        <p:nvSpPr>
+          <p:cNvPr id="2" name="Заголовок 1">
+            <a:extLst>
+              <a:ext uri="{FF2B5EF4-FFF2-40B4-BE49-F238E27FC236}">
+                <a16:creationId xmlns:a16="http://schemas.microsoft.com/office/drawing/2014/main" id="{AED8BA1A-A600-CA40-F8CE-DA8275F9D87F}"/>
+              </a:ext>
+            </a:extLst>
+          </p:cNvPr>
+          <p:cNvSpPr>
+            <a:spLocks noGrp="1"/>
+          </p:cNvSpPr>
+          <p:nvPr>
+            <p:ph type="title"/>
+          </p:nvPr>
+        </p:nvSpPr>
+        <p:spPr/>
+        <p:txBody>
+          <a:bodyPr/>
+          <a:lstStyle/>
+          <a:p>
+            <a:r>
+              <a:rPr lang="ru-RU" sz="4400" dirty="0">
+                <a:latin typeface="Consolas" panose="020B0609020204030204" pitchFamily="49" charset="0"/>
+              </a:rPr>
+              <a:t>Критерии оценки</a:t>
+            </a:r>
+          </a:p>
+        </p:txBody>
+      </p:sp>
+      <p:pic>
+        <p:nvPicPr>
+          <p:cNvPr id="9" name="Рисунок 8">
+            <a:extLst>
+              <a:ext uri="{FF2B5EF4-FFF2-40B4-BE49-F238E27FC236}">
+                <a16:creationId xmlns:a16="http://schemas.microsoft.com/office/drawing/2014/main" id="{4E1825D9-947B-46F3-26E0-A223C0914FBB}"/>
+              </a:ext>
+            </a:extLst>
+          </p:cNvPr>
+          <p:cNvPicPr>
+            <a:picLocks noChangeAspect="1"/>
+          </p:cNvPicPr>
+          <p:nvPr/>
+        </p:nvPicPr>
+        <p:blipFill>
+          <a:blip r:embed="rId2"/>
+          <a:stretch>
+            <a:fillRect/>
+          </a:stretch>
+        </p:blipFill>
+        <p:spPr>
+          <a:xfrm>
+            <a:off x="688309" y="2413359"/>
+            <a:ext cx="3677163" cy="2381582"/>
+          </a:xfrm>
+          <a:prstGeom prst="rect">
+            <a:avLst/>
+          </a:prstGeom>
+        </p:spPr>
+      </p:pic>
+      <p:pic>
+        <p:nvPicPr>
+          <p:cNvPr id="11" name="Рисунок 10">
+            <a:extLst>
+              <a:ext uri="{FF2B5EF4-FFF2-40B4-BE49-F238E27FC236}">
+                <a16:creationId xmlns:a16="http://schemas.microsoft.com/office/drawing/2014/main" id="{3C01524F-0728-5476-1C60-5AC3D49BA3AD}"/>
+              </a:ext>
+            </a:extLst>
+          </p:cNvPr>
+          <p:cNvPicPr>
+            <a:picLocks noChangeAspect="1"/>
+          </p:cNvPicPr>
+          <p:nvPr/>
+        </p:nvPicPr>
+        <p:blipFill>
+          <a:blip r:embed="rId3"/>
+          <a:stretch>
+            <a:fillRect/>
+          </a:stretch>
+        </p:blipFill>
+        <p:spPr>
+          <a:xfrm>
+            <a:off x="4443798" y="2422885"/>
+            <a:ext cx="2200582" cy="2372056"/>
+          </a:xfrm>
+          <a:prstGeom prst="rect">
+            <a:avLst/>
+          </a:prstGeom>
+        </p:spPr>
+      </p:pic>
+      <p:pic>
+        <p:nvPicPr>
+          <p:cNvPr id="13" name="Рисунок 12">
+            <a:extLst>
+              <a:ext uri="{FF2B5EF4-FFF2-40B4-BE49-F238E27FC236}">
+                <a16:creationId xmlns:a16="http://schemas.microsoft.com/office/drawing/2014/main" id="{60D4C88D-A2FF-C051-705B-B611C3AAA001}"/>
+              </a:ext>
+            </a:extLst>
+          </p:cNvPr>
+          <p:cNvPicPr>
+            <a:picLocks noChangeAspect="1"/>
+          </p:cNvPicPr>
+          <p:nvPr/>
+        </p:nvPicPr>
+        <p:blipFill>
+          <a:blip r:embed="rId4"/>
+          <a:stretch>
+            <a:fillRect/>
+          </a:stretch>
+        </p:blipFill>
+        <p:spPr>
+          <a:xfrm>
+            <a:off x="6722706" y="2413359"/>
+            <a:ext cx="2324424" cy="2362530"/>
+          </a:xfrm>
+          <a:prstGeom prst="rect">
+            <a:avLst/>
+          </a:prstGeom>
+        </p:spPr>
+      </p:pic>
+      <p:pic>
+        <p:nvPicPr>
+          <p:cNvPr id="15" name="Рисунок 14">
+            <a:extLst>
+              <a:ext uri="{FF2B5EF4-FFF2-40B4-BE49-F238E27FC236}">
+                <a16:creationId xmlns:a16="http://schemas.microsoft.com/office/drawing/2014/main" id="{A527A8FC-2151-3086-6ED1-65377090ABF9}"/>
+              </a:ext>
+            </a:extLst>
+          </p:cNvPr>
+          <p:cNvPicPr>
+            <a:picLocks noChangeAspect="1"/>
+          </p:cNvPicPr>
+          <p:nvPr/>
+        </p:nvPicPr>
+        <p:blipFill>
+          <a:blip r:embed="rId5"/>
+          <a:stretch>
+            <a:fillRect/>
+          </a:stretch>
+        </p:blipFill>
+        <p:spPr>
+          <a:xfrm>
+            <a:off x="9125456" y="2422885"/>
+            <a:ext cx="2400635" cy="2314898"/>
+          </a:xfrm>
+          <a:prstGeom prst="rect">
+            <a:avLst/>
+          </a:prstGeom>
+        </p:spPr>
+      </p:pic>
+    </p:spTree>
+    <p:extLst>
+      <p:ext uri="{BB962C8B-B14F-4D97-AF65-F5344CB8AC3E}">
+        <p14:creationId xmlns:p14="http://schemas.microsoft.com/office/powerpoint/2010/main" val="640016349"/>
+      </p:ext>
+    </p:extLst>
+  </p:cSld>
+  <p:clrMapOvr>
+    <a:masterClrMapping/>
+  </p:clrMapOvr>
+</p:sld>
+</file>
+
+<file path=ppt/slides/slide8.xml><?xml version="1.0" encoding="utf-8"?>
+<p:sld xmlns:a="http://schemas.openxmlformats.org/drawingml/2006/main" xmlns:r="http://schemas.openxmlformats.org/officeDocument/2006/relationships" xmlns:p="http://schemas.openxmlformats.org/presentationml/2006/main">
+  <p:cSld>
+    <p:spTree>
+      <p:nvGrpSpPr>
+        <p:cNvPr id="1" name=""/>
+        <p:cNvGrpSpPr/>
+        <p:nvPr/>
+      </p:nvGrpSpPr>
+      <p:grpSpPr>
+        <a:xfrm>
+          <a:off x="0" y="0"/>
+          <a:ext cx="0" cy="0"/>
+          <a:chOff x="0" y="0"/>
+          <a:chExt cx="0" cy="0"/>
+        </a:xfrm>
+      </p:grpSpPr>
+      <p:sp>
+        <p:nvSpPr>
+          <p:cNvPr id="2" name="Заголовок 1">
+            <a:extLst>
+              <a:ext uri="{FF2B5EF4-FFF2-40B4-BE49-F238E27FC236}">
+                <a16:creationId xmlns:a16="http://schemas.microsoft.com/office/drawing/2014/main" id="{AED8BA1A-A600-CA40-F8CE-DA8275F9D87F}"/>
+              </a:ext>
+            </a:extLst>
+          </p:cNvPr>
+          <p:cNvSpPr>
+            <a:spLocks noGrp="1"/>
+          </p:cNvSpPr>
+          <p:nvPr>
+            <p:ph type="title"/>
+          </p:nvPr>
+        </p:nvSpPr>
+        <p:spPr/>
+        <p:txBody>
+          <a:bodyPr/>
+          <a:lstStyle/>
+          <a:p>
+            <a:r>
+              <a:rPr lang="ru-RU" sz="4400" dirty="0">
+                <a:latin typeface="Consolas" panose="020B0609020204030204" pitchFamily="49" charset="0"/>
+              </a:rPr>
+              <a:t>Критерии оценки</a:t>
+            </a:r>
+          </a:p>
+        </p:txBody>
+      </p:sp>
+    </p:spTree>
+    <p:extLst>
+      <p:ext uri="{BB962C8B-B14F-4D97-AF65-F5344CB8AC3E}">
+        <p14:creationId xmlns:p14="http://schemas.microsoft.com/office/powerpoint/2010/main" val="2739168933"/>
+      </p:ext>
+    </p:extLst>
+  </p:cSld>
+  <p:clrMapOvr>
+    <a:masterClrMapping/>
+  </p:clrMapOvr>
+</p:sld>
+</file>
+
+<file path=ppt/slides/slide9.xml><?xml version="1.0" encoding="utf-8"?>
+<p:sld xmlns:a="http://schemas.openxmlformats.org/drawingml/2006/main" xmlns:r="http://schemas.openxmlformats.org/officeDocument/2006/relationships" xmlns:p="http://schemas.openxmlformats.org/presentationml/2006/main">
+  <p:cSld>
+    <p:spTree>
+      <p:nvGrpSpPr>
+        <p:cNvPr id="1" name=""/>
+        <p:cNvGrpSpPr/>
+        <p:nvPr/>
+      </p:nvGrpSpPr>
+      <p:grpSpPr>
+        <a:xfrm>
+          <a:off x="0" y="0"/>
+          <a:ext cx="0" cy="0"/>
+          <a:chOff x="0" y="0"/>
+          <a:chExt cx="0" cy="0"/>
+        </a:xfrm>
+      </p:grpSpPr>
+      <p:sp>
+        <p:nvSpPr>
+          <p:cNvPr id="2" name="Заголовок 1">
+            <a:extLst>
+              <a:ext uri="{FF2B5EF4-FFF2-40B4-BE49-F238E27FC236}">
+                <a16:creationId xmlns:a16="http://schemas.microsoft.com/office/drawing/2014/main" id="{AED8BA1A-A600-CA40-F8CE-DA8275F9D87F}"/>
+              </a:ext>
+            </a:extLst>
+          </p:cNvPr>
+          <p:cNvSpPr>
+            <a:spLocks noGrp="1"/>
+          </p:cNvSpPr>
+          <p:nvPr>
+            <p:ph type="title"/>
+          </p:nvPr>
+        </p:nvSpPr>
+        <p:spPr/>
+        <p:txBody>
+          <a:bodyPr/>
+          <a:lstStyle/>
+          <a:p>
+            <a:r>
+              <a:rPr lang="ru-RU" sz="4400" dirty="0">
+                <a:latin typeface="Consolas" panose="020B0609020204030204" pitchFamily="49" charset="0"/>
+              </a:rPr>
+              <a:t>Почему наше решение лучшее</a:t>
+            </a:r>
+          </a:p>
+        </p:txBody>
+      </p:sp>
+      <p:sp>
+        <p:nvSpPr>
+          <p:cNvPr id="7" name="Объект 6">
+            <a:extLst>
+              <a:ext uri="{FF2B5EF4-FFF2-40B4-BE49-F238E27FC236}">
+                <a16:creationId xmlns:a16="http://schemas.microsoft.com/office/drawing/2014/main" id="{1EF56B53-0E4B-DFB0-72F9-FE59522539D6}"/>
+              </a:ext>
+            </a:extLst>
+          </p:cNvPr>
+          <p:cNvSpPr>
+            <a:spLocks noGrp="1"/>
+          </p:cNvSpPr>
+          <p:nvPr>
+            <p:ph idx="1"/>
+          </p:nvPr>
+        </p:nvSpPr>
+        <p:spPr/>
+        <p:txBody>
+          <a:bodyPr/>
+          <a:lstStyle/>
+          <a:p>
+            <a:pPr marL="0" indent="0">
+              <a:buNone/>
+            </a:pPr>
+            <a:r>
+              <a:rPr lang="ru-RU" dirty="0"/>
+              <a:t>1.</a:t>
+            </a:r>
+            <a:r>
+              <a:rPr lang="en-US" dirty="0"/>
+              <a:t> </a:t>
+            </a:r>
+            <a:r>
+              <a:rPr lang="ru-RU" dirty="0"/>
+              <a:t>Подобранная архитектура </a:t>
+            </a:r>
+            <a:r>
+              <a:rPr lang="en-US" dirty="0"/>
+              <a:t>YOLO </a:t>
+            </a:r>
+            <a:r>
+              <a:rPr lang="ru-RU" dirty="0"/>
+              <a:t>позволяет получать разные данные: количество объектов, их класс, положение на изображении, точные границы занимаемого пространства</a:t>
+            </a:r>
+            <a:br>
+              <a:rPr lang="ru-RU" dirty="0"/>
+            </a:br>
+            <a:endParaRPr lang="ru-RU" dirty="0"/>
+          </a:p>
+          <a:p>
+            <a:pPr marL="0" indent="0">
+              <a:buNone/>
+            </a:pPr>
+            <a:r>
+              <a:rPr lang="ru-RU" dirty="0"/>
+              <a:t>2. В приложении предусмотрен функционал по выводу статистики как по каждому изображению, так и по набору в целом</a:t>
+            </a:r>
+            <a:br>
+              <a:rPr lang="ru-RU" dirty="0"/>
+            </a:br>
+            <a:endParaRPr lang="ru-RU" dirty="0"/>
+          </a:p>
+          <a:p>
+            <a:pPr marL="0" indent="0">
+              <a:buNone/>
+            </a:pPr>
+            <a:r>
+              <a:rPr lang="ru-RU" dirty="0"/>
+              <a:t>3. Используемый стек технологий обеспечивает автономность решения</a:t>
+            </a:r>
+          </a:p>
+        </p:txBody>
+      </p:sp>
+    </p:spTree>
+    <p:extLst>
+      <p:ext uri="{BB962C8B-B14F-4D97-AF65-F5344CB8AC3E}">
+        <p14:creationId xmlns:p14="http://schemas.microsoft.com/office/powerpoint/2010/main" val="2938514510"/>
       </p:ext>
     </p:extLst>
   </p:cSld>

--- a/Презентация для защиты.pptx
+++ b/Презентация для защиты.pptx
@@ -12,9 +12,8 @@
     <p:sldId id="259" r:id="rId6"/>
     <p:sldId id="265" r:id="rId7"/>
     <p:sldId id="260" r:id="rId8"/>
-    <p:sldId id="264" r:id="rId9"/>
-    <p:sldId id="261" r:id="rId10"/>
-    <p:sldId id="262" r:id="rId11"/>
+    <p:sldId id="261" r:id="rId9"/>
+    <p:sldId id="262" r:id="rId10"/>
   </p:sldIdLst>
   <p:sldSz cx="12192000" cy="6858000"/>
   <p:notesSz cx="6858000" cy="9144000"/>
@@ -116,7 +115,7 @@
   <p:extLst>
     <p:ext uri="{EFAFB233-063F-42B5-8137-9DF3F51BA10A}">
       <p15:sldGuideLst xmlns:p15="http://schemas.microsoft.com/office/powerpoint/2012/main">
-        <p15:guide id="1" orient="horz" pos="2160" userDrawn="1">
+        <p15:guide id="1" orient="horz" pos="2137" userDrawn="1">
           <p15:clr>
             <a:srgbClr val="A4A3A4"/>
           </p15:clr>
@@ -3797,813 +3796,6 @@
     <p:extLst>
       <p:ext uri="{BB962C8B-B14F-4D97-AF65-F5344CB8AC3E}">
         <p14:creationId xmlns:p14="http://schemas.microsoft.com/office/powerpoint/2010/main" val="2390075617"/>
-      </p:ext>
-    </p:extLst>
-  </p:cSld>
-  <p:clrMapOvr>
-    <a:masterClrMapping/>
-  </p:clrMapOvr>
-</p:sld>
-</file>
-
-<file path=ppt/slides/slide10.xml><?xml version="1.0" encoding="utf-8"?>
-<p:sld xmlns:a="http://schemas.openxmlformats.org/drawingml/2006/main" xmlns:r="http://schemas.openxmlformats.org/officeDocument/2006/relationships" xmlns:p="http://schemas.openxmlformats.org/presentationml/2006/main">
-  <p:cSld>
-    <p:spTree>
-      <p:nvGrpSpPr>
-        <p:cNvPr id="1" name=""/>
-        <p:cNvGrpSpPr/>
-        <p:nvPr/>
-      </p:nvGrpSpPr>
-      <p:grpSpPr>
-        <a:xfrm>
-          <a:off x="0" y="0"/>
-          <a:ext cx="0" cy="0"/>
-          <a:chOff x="0" y="0"/>
-          <a:chExt cx="0" cy="0"/>
-        </a:xfrm>
-      </p:grpSpPr>
-      <p:sp>
-        <p:nvSpPr>
-          <p:cNvPr id="2" name="Заголовок 1">
-            <a:extLst>
-              <a:ext uri="{FF2B5EF4-FFF2-40B4-BE49-F238E27FC236}">
-                <a16:creationId xmlns:a16="http://schemas.microsoft.com/office/drawing/2014/main" id="{AED8BA1A-A600-CA40-F8CE-DA8275F9D87F}"/>
-              </a:ext>
-            </a:extLst>
-          </p:cNvPr>
-          <p:cNvSpPr>
-            <a:spLocks noGrp="1"/>
-          </p:cNvSpPr>
-          <p:nvPr>
-            <p:ph type="title"/>
-          </p:nvPr>
-        </p:nvSpPr>
-        <p:spPr/>
-        <p:txBody>
-          <a:bodyPr/>
-          <a:lstStyle/>
-          <a:p>
-            <a:r>
-              <a:rPr lang="ru-RU" sz="4400" dirty="0">
-                <a:latin typeface="JetBrains Mono" panose="02000009000000000000" pitchFamily="49" charset="0"/>
-                <a:ea typeface="JetBrains Mono" panose="02000009000000000000" pitchFamily="49" charset="0"/>
-                <a:cs typeface="JetBrains Mono" panose="02000009000000000000" pitchFamily="49" charset="0"/>
-              </a:rPr>
-              <a:t>Команда</a:t>
-            </a:r>
-          </a:p>
-        </p:txBody>
-      </p:sp>
-      <p:sp>
-        <p:nvSpPr>
-          <p:cNvPr id="3" name="TextBox 2">
-            <a:extLst>
-              <a:ext uri="{FF2B5EF4-FFF2-40B4-BE49-F238E27FC236}">
-                <a16:creationId xmlns:a16="http://schemas.microsoft.com/office/drawing/2014/main" id="{5408B70C-E14C-8467-37E5-BB43857A24EC}"/>
-              </a:ext>
-            </a:extLst>
-          </p:cNvPr>
-          <p:cNvSpPr txBox="1"/>
-          <p:nvPr/>
-        </p:nvSpPr>
-        <p:spPr>
-          <a:xfrm>
-            <a:off x="8383057" y="381575"/>
-            <a:ext cx="2970743" cy="646331"/>
-          </a:xfrm>
-          <a:prstGeom prst="rect">
-            <a:avLst/>
-          </a:prstGeom>
-          <a:noFill/>
-        </p:spPr>
-        <p:txBody>
-          <a:bodyPr wrap="square" rtlCol="0">
-            <a:spAutoFit/>
-          </a:bodyPr>
-          <a:lstStyle/>
-          <a:p>
-            <a:r>
-              <a:rPr lang="ru-RU" dirty="0" err="1"/>
-              <a:t>Датасайнтист</a:t>
-            </a:r>
-            <a:r>
-              <a:rPr lang="ru-RU" dirty="0"/>
-              <a:t> дизайнер разработчик</a:t>
-            </a:r>
-          </a:p>
-        </p:txBody>
-      </p:sp>
-      <p:grpSp>
-        <p:nvGrpSpPr>
-          <p:cNvPr id="5" name="Группа 4">
-            <a:extLst>
-              <a:ext uri="{FF2B5EF4-FFF2-40B4-BE49-F238E27FC236}">
-                <a16:creationId xmlns:a16="http://schemas.microsoft.com/office/drawing/2014/main" id="{AFEE0DDD-B668-C3E8-78F7-6C098C59483C}"/>
-              </a:ext>
-            </a:extLst>
-          </p:cNvPr>
-          <p:cNvGrpSpPr/>
-          <p:nvPr/>
-        </p:nvGrpSpPr>
-        <p:grpSpPr>
-          <a:xfrm>
-            <a:off x="1515092" y="3566192"/>
-            <a:ext cx="3748897" cy="923330"/>
-            <a:chOff x="4664870" y="2140030"/>
-            <a:chExt cx="3748897" cy="923330"/>
-          </a:xfrm>
-        </p:grpSpPr>
-        <p:sp>
-          <p:nvSpPr>
-            <p:cNvPr id="6" name="TextBox 5">
-              <a:extLst>
-                <a:ext uri="{FF2B5EF4-FFF2-40B4-BE49-F238E27FC236}">
-                  <a16:creationId xmlns:a16="http://schemas.microsoft.com/office/drawing/2014/main" id="{0F650437-6E93-A867-E2EC-B4A06D1EF218}"/>
-                </a:ext>
-              </a:extLst>
-            </p:cNvPr>
-            <p:cNvSpPr txBox="1"/>
-            <p:nvPr/>
-          </p:nvSpPr>
-          <p:spPr>
-            <a:xfrm>
-              <a:off x="5774364" y="2140030"/>
-              <a:ext cx="2639403" cy="646331"/>
-            </a:xfrm>
-            <a:prstGeom prst="rect">
-              <a:avLst/>
-            </a:prstGeom>
-            <a:noFill/>
-          </p:spPr>
-          <p:txBody>
-            <a:bodyPr wrap="square" rtlCol="0">
-              <a:spAutoFit/>
-            </a:bodyPr>
-            <a:lstStyle/>
-            <a:p>
-              <a:r>
-                <a:rPr lang="ru-RU" b="1" dirty="0">
-                  <a:latin typeface="JetBrains Mono" panose="02000009000000000000" pitchFamily="49" charset="0"/>
-                  <a:ea typeface="JetBrains Mono" panose="02000009000000000000" pitchFamily="49" charset="0"/>
-                  <a:cs typeface="JetBrains Mono" panose="02000009000000000000" pitchFamily="49" charset="0"/>
-                </a:rPr>
-                <a:t>Воронцов Роман</a:t>
-              </a:r>
-              <a:endParaRPr lang="en-US" b="1" dirty="0">
-                <a:latin typeface="JetBrains Mono" panose="02000009000000000000" pitchFamily="49" charset="0"/>
-                <a:ea typeface="JetBrains Mono" panose="02000009000000000000" pitchFamily="49" charset="0"/>
-                <a:cs typeface="JetBrains Mono" panose="02000009000000000000" pitchFamily="49" charset="0"/>
-              </a:endParaRPr>
-            </a:p>
-            <a:p>
-              <a:endParaRPr lang="en-US" sz="400" i="1" dirty="0">
-                <a:solidFill>
-                  <a:srgbClr val="000000"/>
-                </a:solidFill>
-                <a:latin typeface="Consolas" panose="020B0609020204030204" pitchFamily="49" charset="0"/>
-              </a:endParaRPr>
-            </a:p>
-            <a:p>
-              <a:r>
-                <a:rPr lang="ru-RU" sz="1400" i="1" dirty="0">
-                  <a:solidFill>
-                    <a:srgbClr val="000000"/>
-                  </a:solidFill>
-                  <a:latin typeface="Consolas" panose="020B0609020204030204" pitchFamily="49" charset="0"/>
-                </a:rPr>
-                <a:t>Разработчик, дизайнер</a:t>
-              </a:r>
-            </a:p>
-          </p:txBody>
-        </p:sp>
-        <p:pic>
-          <p:nvPicPr>
-            <p:cNvPr id="8" name="Рисунок 7">
-              <a:extLst>
-                <a:ext uri="{FF2B5EF4-FFF2-40B4-BE49-F238E27FC236}">
-                  <a16:creationId xmlns:a16="http://schemas.microsoft.com/office/drawing/2014/main" id="{2AD7BF17-F29F-07CA-5B97-E81C598EC5C4}"/>
-                </a:ext>
-              </a:extLst>
-            </p:cNvPr>
-            <p:cNvPicPr>
-              <a:picLocks noChangeAspect="1"/>
-            </p:cNvPicPr>
-            <p:nvPr/>
-          </p:nvPicPr>
-          <p:blipFill rotWithShape="1">
-            <a:blip r:embed="rId2" cstate="print">
-              <a:extLst>
-                <a:ext uri="{28A0092B-C50C-407E-A947-70E740481C1C}">
-                  <a14:useLocalDpi xmlns:a14="http://schemas.microsoft.com/office/drawing/2010/main" val="0"/>
-                </a:ext>
-              </a:extLst>
-            </a:blip>
-            <a:srcRect t="3538" b="23507"/>
-            <a:stretch/>
-          </p:blipFill>
-          <p:spPr bwMode="auto">
-            <a:xfrm>
-              <a:off x="4664870" y="2140030"/>
-              <a:ext cx="923330" cy="923330"/>
-            </a:xfrm>
-            <a:prstGeom prst="roundRect">
-              <a:avLst>
-                <a:gd name="adj" fmla="val 9635"/>
-              </a:avLst>
-            </a:prstGeom>
-            <a:ln w="19050">
-              <a:solidFill>
-                <a:srgbClr val="7030A0"/>
-              </a:solidFill>
-            </a:ln>
-            <a:extLst>
-              <a:ext uri="{53640926-AAD7-44D8-BBD7-CCE9431645EC}">
-                <a14:shadowObscured xmlns:a14="http://schemas.microsoft.com/office/drawing/2010/main"/>
-              </a:ext>
-            </a:extLst>
-          </p:spPr>
-        </p:pic>
-      </p:grpSp>
-      <p:grpSp>
-        <p:nvGrpSpPr>
-          <p:cNvPr id="9" name="Группа 8">
-            <a:extLst>
-              <a:ext uri="{FF2B5EF4-FFF2-40B4-BE49-F238E27FC236}">
-                <a16:creationId xmlns:a16="http://schemas.microsoft.com/office/drawing/2014/main" id="{0C0F3892-C36F-1CCB-D133-4567C15FF27F}"/>
-              </a:ext>
-            </a:extLst>
-          </p:cNvPr>
-          <p:cNvGrpSpPr/>
-          <p:nvPr/>
-        </p:nvGrpSpPr>
-        <p:grpSpPr>
-          <a:xfrm>
-            <a:off x="1515092" y="1934181"/>
-            <a:ext cx="3418958" cy="925200"/>
-            <a:chOff x="714806" y="2138160"/>
-            <a:chExt cx="3418958" cy="925200"/>
-          </a:xfrm>
-        </p:grpSpPr>
-        <p:sp>
-          <p:nvSpPr>
-            <p:cNvPr id="10" name="TextBox 9">
-              <a:extLst>
-                <a:ext uri="{FF2B5EF4-FFF2-40B4-BE49-F238E27FC236}">
-                  <a16:creationId xmlns:a16="http://schemas.microsoft.com/office/drawing/2014/main" id="{1A60C1F2-6C74-66ED-A67F-54B1C2BE018D}"/>
-                </a:ext>
-              </a:extLst>
-            </p:cNvPr>
-            <p:cNvSpPr txBox="1"/>
-            <p:nvPr/>
-          </p:nvSpPr>
-          <p:spPr>
-            <a:xfrm>
-              <a:off x="1826170" y="2140030"/>
-              <a:ext cx="2307594" cy="661720"/>
-            </a:xfrm>
-            <a:prstGeom prst="rect">
-              <a:avLst/>
-            </a:prstGeom>
-            <a:noFill/>
-          </p:spPr>
-          <p:txBody>
-            <a:bodyPr wrap="square" rtlCol="0">
-              <a:spAutoFit/>
-            </a:bodyPr>
-            <a:lstStyle/>
-            <a:p>
-              <a:r>
-                <a:rPr lang="ru-RU" b="1" dirty="0" err="1">
-                  <a:latin typeface="JetBrains Mono" panose="02000009000000000000" pitchFamily="49" charset="0"/>
-                  <a:ea typeface="JetBrains Mono" panose="02000009000000000000" pitchFamily="49" charset="0"/>
-                  <a:cs typeface="JetBrains Mono" panose="02000009000000000000" pitchFamily="49" charset="0"/>
-                </a:rPr>
-                <a:t>Васендина</a:t>
-              </a:r>
-              <a:r>
-                <a:rPr lang="ru-RU" b="1" dirty="0">
-                  <a:latin typeface="JetBrains Mono" panose="02000009000000000000" pitchFamily="49" charset="0"/>
-                  <a:ea typeface="JetBrains Mono" panose="02000009000000000000" pitchFamily="49" charset="0"/>
-                  <a:cs typeface="JetBrains Mono" panose="02000009000000000000" pitchFamily="49" charset="0"/>
-                </a:rPr>
-                <a:t> Ирина</a:t>
-              </a:r>
-              <a:r>
-                <a:rPr lang="en-US" b="1" dirty="0">
-                  <a:latin typeface="JetBrains Mono" panose="02000009000000000000" pitchFamily="49" charset="0"/>
-                  <a:ea typeface="JetBrains Mono" panose="02000009000000000000" pitchFamily="49" charset="0"/>
-                  <a:cs typeface="JetBrains Mono" panose="02000009000000000000" pitchFamily="49" charset="0"/>
-                </a:rPr>
-                <a:t> </a:t>
-              </a:r>
-            </a:p>
-            <a:p>
-              <a:endParaRPr lang="en-US" sz="500" i="1" dirty="0">
-                <a:solidFill>
-                  <a:srgbClr val="000000"/>
-                </a:solidFill>
-                <a:latin typeface="Consolas" panose="020B0609020204030204" pitchFamily="49" charset="0"/>
-              </a:endParaRPr>
-            </a:p>
-            <a:p>
-              <a:r>
-                <a:rPr lang="en-US" sz="1400" i="1" dirty="0">
-                  <a:solidFill>
-                    <a:srgbClr val="000000"/>
-                  </a:solidFill>
-                  <a:latin typeface="Consolas" panose="020B0609020204030204" pitchFamily="49" charset="0"/>
-                </a:rPr>
-                <a:t>Data Scientist</a:t>
-              </a:r>
-              <a:endParaRPr lang="ru-RU" sz="1400" i="1" dirty="0">
-                <a:solidFill>
-                  <a:srgbClr val="000000"/>
-                </a:solidFill>
-                <a:effectLst/>
-                <a:latin typeface="Consolas" panose="020B0609020204030204" pitchFamily="49" charset="0"/>
-              </a:endParaRPr>
-            </a:p>
-          </p:txBody>
-        </p:sp>
-        <p:pic>
-          <p:nvPicPr>
-            <p:cNvPr id="11" name="Picture 2">
-              <a:extLst>
-                <a:ext uri="{FF2B5EF4-FFF2-40B4-BE49-F238E27FC236}">
-                  <a16:creationId xmlns:a16="http://schemas.microsoft.com/office/drawing/2014/main" id="{04FB27A2-6306-5316-BA03-15C2568C6D14}"/>
-                </a:ext>
-              </a:extLst>
-            </p:cNvPr>
-            <p:cNvPicPr>
-              <a:picLocks noChangeAspect="1" noChangeArrowheads="1"/>
-            </p:cNvPicPr>
-            <p:nvPr/>
-          </p:nvPicPr>
-          <p:blipFill rotWithShape="1">
-            <a:blip r:embed="rId3" cstate="print">
-              <a:extLst>
-                <a:ext uri="{28A0092B-C50C-407E-A947-70E740481C1C}">
-                  <a14:useLocalDpi xmlns:a14="http://schemas.microsoft.com/office/drawing/2010/main" val="0"/>
-                </a:ext>
-              </a:extLst>
-            </a:blip>
-            <a:srcRect t="103" b="24277"/>
-            <a:stretch/>
-          </p:blipFill>
-          <p:spPr bwMode="auto">
-            <a:xfrm>
-              <a:off x="714806" y="2138160"/>
-              <a:ext cx="925200" cy="925200"/>
-            </a:xfrm>
-            <a:prstGeom prst="roundRect">
-              <a:avLst>
-                <a:gd name="adj" fmla="val 9922"/>
-              </a:avLst>
-            </a:prstGeom>
-            <a:noFill/>
-            <a:ln>
-              <a:solidFill>
-                <a:srgbClr val="88218E"/>
-              </a:solidFill>
-            </a:ln>
-            <a:extLst>
-              <a:ext uri="{909E8E84-426E-40DD-AFC4-6F175D3DCCD1}">
-                <a14:hiddenFill xmlns:a14="http://schemas.microsoft.com/office/drawing/2010/main">
-                  <a:solidFill>
-                    <a:srgbClr val="FFFFFF"/>
-                  </a:solidFill>
-                </a14:hiddenFill>
-              </a:ext>
-            </a:extLst>
-          </p:spPr>
-        </p:pic>
-      </p:grpSp>
-      <p:grpSp>
-        <p:nvGrpSpPr>
-          <p:cNvPr id="19" name="Группа 18">
-            <a:extLst>
-              <a:ext uri="{FF2B5EF4-FFF2-40B4-BE49-F238E27FC236}">
-                <a16:creationId xmlns:a16="http://schemas.microsoft.com/office/drawing/2014/main" id="{B6D3FCFA-63B0-4600-20A4-F146E0456411}"/>
-              </a:ext>
-            </a:extLst>
-          </p:cNvPr>
-          <p:cNvGrpSpPr/>
-          <p:nvPr/>
-        </p:nvGrpSpPr>
-        <p:grpSpPr>
-          <a:xfrm>
-            <a:off x="7091647" y="1889199"/>
-            <a:ext cx="3418959" cy="940945"/>
-            <a:chOff x="257792" y="3976810"/>
-            <a:chExt cx="3418959" cy="940945"/>
-          </a:xfrm>
-        </p:grpSpPr>
-        <p:sp>
-          <p:nvSpPr>
-            <p:cNvPr id="4" name="TextBox 3">
-              <a:extLst>
-                <a:ext uri="{FF2B5EF4-FFF2-40B4-BE49-F238E27FC236}">
-                  <a16:creationId xmlns:a16="http://schemas.microsoft.com/office/drawing/2014/main" id="{4EC1183B-949C-3F07-CB0E-C2937DE54A7C}"/>
-                </a:ext>
-              </a:extLst>
-            </p:cNvPr>
-            <p:cNvSpPr txBox="1"/>
-            <p:nvPr/>
-          </p:nvSpPr>
-          <p:spPr>
-            <a:xfrm>
-              <a:off x="1367287" y="3976810"/>
-              <a:ext cx="2309464" cy="646331"/>
-            </a:xfrm>
-            <a:prstGeom prst="rect">
-              <a:avLst/>
-            </a:prstGeom>
-            <a:noFill/>
-          </p:spPr>
-          <p:txBody>
-            <a:bodyPr wrap="square" rtlCol="0">
-              <a:spAutoFit/>
-            </a:bodyPr>
-            <a:lstStyle/>
-            <a:p>
-              <a:r>
-                <a:rPr lang="ru-RU" b="1" dirty="0">
-                  <a:latin typeface="JetBrains Mono" panose="02000009000000000000" pitchFamily="49" charset="0"/>
-                  <a:ea typeface="JetBrains Mono" panose="02000009000000000000" pitchFamily="49" charset="0"/>
-                  <a:cs typeface="JetBrains Mono" panose="02000009000000000000" pitchFamily="49" charset="0"/>
-                </a:rPr>
-                <a:t>Петров Дмитрий</a:t>
-              </a:r>
-              <a:endParaRPr lang="en-US" b="1" dirty="0">
-                <a:latin typeface="JetBrains Mono" panose="02000009000000000000" pitchFamily="49" charset="0"/>
-                <a:ea typeface="JetBrains Mono" panose="02000009000000000000" pitchFamily="49" charset="0"/>
-                <a:cs typeface="JetBrains Mono" panose="02000009000000000000" pitchFamily="49" charset="0"/>
-              </a:endParaRPr>
-            </a:p>
-            <a:p>
-              <a:endParaRPr lang="en-US" sz="400" dirty="0">
-                <a:solidFill>
-                  <a:srgbClr val="000000"/>
-                </a:solidFill>
-                <a:latin typeface="Consolas" panose="020B0609020204030204" pitchFamily="49" charset="0"/>
-              </a:endParaRPr>
-            </a:p>
-            <a:p>
-              <a:r>
-                <a:rPr lang="en-US" sz="1400" i="1" dirty="0">
-                  <a:solidFill>
-                    <a:srgbClr val="000000"/>
-                  </a:solidFill>
-                  <a:latin typeface="Consolas" panose="020B0609020204030204" pitchFamily="49" charset="0"/>
-                </a:rPr>
-                <a:t>Data Scientist</a:t>
-              </a:r>
-              <a:endParaRPr lang="ru-RU" sz="1400" i="1" dirty="0">
-                <a:solidFill>
-                  <a:srgbClr val="000000"/>
-                </a:solidFill>
-                <a:effectLst/>
-                <a:latin typeface="Consolas" panose="020B0609020204030204" pitchFamily="49" charset="0"/>
-              </a:endParaRPr>
-            </a:p>
-          </p:txBody>
-        </p:sp>
-        <p:pic>
-          <p:nvPicPr>
-            <p:cNvPr id="12" name="Picture 2">
-              <a:extLst>
-                <a:ext uri="{FF2B5EF4-FFF2-40B4-BE49-F238E27FC236}">
-                  <a16:creationId xmlns:a16="http://schemas.microsoft.com/office/drawing/2014/main" id="{E8134485-D8FF-22F4-947D-6FDF16C1890F}"/>
-                </a:ext>
-              </a:extLst>
-            </p:cNvPr>
-            <p:cNvPicPr>
-              <a:picLocks noChangeAspect="1" noChangeArrowheads="1"/>
-            </p:cNvPicPr>
-            <p:nvPr/>
-          </p:nvPicPr>
-          <p:blipFill rotWithShape="1">
-            <a:blip r:embed="rId4" cstate="print">
-              <a:extLst>
-                <a:ext uri="{28A0092B-C50C-407E-A947-70E740481C1C}">
-                  <a14:useLocalDpi xmlns:a14="http://schemas.microsoft.com/office/drawing/2010/main" val="0"/>
-                </a:ext>
-              </a:extLst>
-            </a:blip>
-            <a:srcRect l="22742" t="31182" r="11285" b="31708"/>
-            <a:stretch/>
-          </p:blipFill>
-          <p:spPr bwMode="auto">
-            <a:xfrm>
-              <a:off x="257792" y="3992555"/>
-              <a:ext cx="925200" cy="925200"/>
-            </a:xfrm>
-            <a:prstGeom prst="roundRect">
-              <a:avLst>
-                <a:gd name="adj" fmla="val 7659"/>
-              </a:avLst>
-            </a:prstGeom>
-            <a:noFill/>
-            <a:ln w="19050">
-              <a:solidFill>
-                <a:srgbClr val="7030A0"/>
-              </a:solidFill>
-            </a:ln>
-            <a:extLst>
-              <a:ext uri="{909E8E84-426E-40DD-AFC4-6F175D3DCCD1}">
-                <a14:hiddenFill xmlns:a14="http://schemas.microsoft.com/office/drawing/2010/main">
-                  <a:solidFill>
-                    <a:srgbClr val="FFFFFF"/>
-                  </a:solidFill>
-                </a14:hiddenFill>
-              </a:ext>
-            </a:extLst>
-          </p:spPr>
-        </p:pic>
-      </p:grpSp>
-      <p:grpSp>
-        <p:nvGrpSpPr>
-          <p:cNvPr id="20" name="Группа 19">
-            <a:extLst>
-              <a:ext uri="{FF2B5EF4-FFF2-40B4-BE49-F238E27FC236}">
-                <a16:creationId xmlns:a16="http://schemas.microsoft.com/office/drawing/2014/main" id="{C90871AB-B073-BFBC-D506-A65FEFB85DFC}"/>
-              </a:ext>
-            </a:extLst>
-          </p:cNvPr>
-          <p:cNvGrpSpPr/>
-          <p:nvPr/>
-        </p:nvGrpSpPr>
-        <p:grpSpPr>
-          <a:xfrm>
-            <a:off x="7091647" y="3566192"/>
-            <a:ext cx="3252453" cy="925200"/>
-            <a:chOff x="252747" y="4968842"/>
-            <a:chExt cx="3252453" cy="925200"/>
-          </a:xfrm>
-        </p:grpSpPr>
-        <p:sp>
-          <p:nvSpPr>
-            <p:cNvPr id="15" name="TextBox 14">
-              <a:extLst>
-                <a:ext uri="{FF2B5EF4-FFF2-40B4-BE49-F238E27FC236}">
-                  <a16:creationId xmlns:a16="http://schemas.microsoft.com/office/drawing/2014/main" id="{79ADBB62-30E4-F463-5F10-508380DAD8F3}"/>
-                </a:ext>
-              </a:extLst>
-            </p:cNvPr>
-            <p:cNvSpPr txBox="1"/>
-            <p:nvPr/>
-          </p:nvSpPr>
-          <p:spPr>
-            <a:xfrm>
-              <a:off x="1367286" y="4984989"/>
-              <a:ext cx="2137914" cy="707886"/>
-            </a:xfrm>
-            <a:prstGeom prst="rect">
-              <a:avLst/>
-            </a:prstGeom>
-            <a:noFill/>
-          </p:spPr>
-          <p:txBody>
-            <a:bodyPr wrap="square" rtlCol="0">
-              <a:spAutoFit/>
-            </a:bodyPr>
-            <a:lstStyle/>
-            <a:p>
-              <a:r>
-                <a:rPr lang="ru-RU" b="1" dirty="0">
-                  <a:latin typeface="JetBrains Mono" panose="02000009000000000000" pitchFamily="49" charset="0"/>
-                  <a:ea typeface="JetBrains Mono" panose="02000009000000000000" pitchFamily="49" charset="0"/>
-                  <a:cs typeface="JetBrains Mono" panose="02000009000000000000" pitchFamily="49" charset="0"/>
-                </a:rPr>
-                <a:t>Новинский Илья</a:t>
-              </a:r>
-              <a:endParaRPr lang="en-US" b="1" dirty="0">
-                <a:latin typeface="JetBrains Mono" panose="02000009000000000000" pitchFamily="49" charset="0"/>
-                <a:ea typeface="JetBrains Mono" panose="02000009000000000000" pitchFamily="49" charset="0"/>
-                <a:cs typeface="JetBrains Mono" panose="02000009000000000000" pitchFamily="49" charset="0"/>
-              </a:endParaRPr>
-            </a:p>
-            <a:p>
-              <a:endParaRPr lang="en-US" sz="800" dirty="0">
-                <a:solidFill>
-                  <a:srgbClr val="000000"/>
-                </a:solidFill>
-                <a:latin typeface="Consolas" panose="020B0609020204030204" pitchFamily="49" charset="0"/>
-              </a:endParaRPr>
-            </a:p>
-            <a:p>
-              <a:r>
-                <a:rPr lang="ru-RU" sz="1400" i="1" dirty="0">
-                  <a:solidFill>
-                    <a:srgbClr val="000000"/>
-                  </a:solidFill>
-                  <a:latin typeface="Consolas" panose="020B0609020204030204" pitchFamily="49" charset="0"/>
-                </a:rPr>
-                <a:t>Разработчик</a:t>
-              </a:r>
-            </a:p>
-          </p:txBody>
-        </p:sp>
-        <p:sp>
-          <p:nvSpPr>
-            <p:cNvPr id="17" name="Прямоугольник: скругленные углы 16">
-              <a:extLst>
-                <a:ext uri="{FF2B5EF4-FFF2-40B4-BE49-F238E27FC236}">
-                  <a16:creationId xmlns:a16="http://schemas.microsoft.com/office/drawing/2014/main" id="{DEF48EDE-C3D2-9BC1-722A-DD196A726FB4}"/>
-                </a:ext>
-              </a:extLst>
-            </p:cNvPr>
-            <p:cNvSpPr/>
-            <p:nvPr/>
-          </p:nvSpPr>
-          <p:spPr>
-            <a:xfrm>
-              <a:off x="252747" y="4968842"/>
-              <a:ext cx="925200" cy="925200"/>
-            </a:xfrm>
-            <a:prstGeom prst="roundRect">
-              <a:avLst>
-                <a:gd name="adj" fmla="val 7745"/>
-              </a:avLst>
-            </a:prstGeom>
-            <a:noFill/>
-            <a:ln w="28575">
-              <a:solidFill>
-                <a:srgbClr val="7030A0"/>
-              </a:solidFill>
-            </a:ln>
-          </p:spPr>
-          <p:style>
-            <a:lnRef idx="2">
-              <a:schemeClr val="accent1">
-                <a:shade val="50000"/>
-              </a:schemeClr>
-            </a:lnRef>
-            <a:fillRef idx="1">
-              <a:schemeClr val="accent1"/>
-            </a:fillRef>
-            <a:effectRef idx="0">
-              <a:schemeClr val="accent1"/>
-            </a:effectRef>
-            <a:fontRef idx="minor">
-              <a:schemeClr val="lt1"/>
-            </a:fontRef>
-          </p:style>
-          <p:txBody>
-            <a:bodyPr rtlCol="0" anchor="ctr"/>
-            <a:lstStyle/>
-            <a:p>
-              <a:pPr algn="ctr"/>
-              <a:endParaRPr lang="ru-RU"/>
-            </a:p>
-          </p:txBody>
-        </p:sp>
-      </p:grpSp>
-      <p:grpSp>
-        <p:nvGrpSpPr>
-          <p:cNvPr id="21" name="Группа 20">
-            <a:extLst>
-              <a:ext uri="{FF2B5EF4-FFF2-40B4-BE49-F238E27FC236}">
-                <a16:creationId xmlns:a16="http://schemas.microsoft.com/office/drawing/2014/main" id="{C26C7B62-14BC-298E-A88B-2150907F8D0D}"/>
-              </a:ext>
-            </a:extLst>
-          </p:cNvPr>
-          <p:cNvGrpSpPr/>
-          <p:nvPr/>
-        </p:nvGrpSpPr>
-        <p:grpSpPr>
-          <a:xfrm>
-            <a:off x="1515092" y="5196986"/>
-            <a:ext cx="3582654" cy="925200"/>
-            <a:chOff x="252747" y="5932800"/>
-            <a:chExt cx="3582654" cy="925200"/>
-          </a:xfrm>
-        </p:grpSpPr>
-        <p:sp>
-          <p:nvSpPr>
-            <p:cNvPr id="16" name="TextBox 15">
-              <a:extLst>
-                <a:ext uri="{FF2B5EF4-FFF2-40B4-BE49-F238E27FC236}">
-                  <a16:creationId xmlns:a16="http://schemas.microsoft.com/office/drawing/2014/main" id="{50B3F4AC-8C26-1925-55C5-CEB4DCFF3CAA}"/>
-                </a:ext>
-              </a:extLst>
-            </p:cNvPr>
-            <p:cNvSpPr txBox="1"/>
-            <p:nvPr/>
-          </p:nvSpPr>
-          <p:spPr>
-            <a:xfrm>
-              <a:off x="1367287" y="5932800"/>
-              <a:ext cx="2468114" cy="646331"/>
-            </a:xfrm>
-            <a:prstGeom prst="rect">
-              <a:avLst/>
-            </a:prstGeom>
-            <a:noFill/>
-          </p:spPr>
-          <p:txBody>
-            <a:bodyPr wrap="square" rtlCol="0">
-              <a:spAutoFit/>
-            </a:bodyPr>
-            <a:lstStyle/>
-            <a:p>
-              <a:r>
-                <a:rPr lang="ru-RU" b="1" dirty="0">
-                  <a:latin typeface="JetBrains Mono" panose="02000009000000000000" pitchFamily="49" charset="0"/>
-                  <a:ea typeface="JetBrains Mono" panose="02000009000000000000" pitchFamily="49" charset="0"/>
-                  <a:cs typeface="JetBrains Mono" panose="02000009000000000000" pitchFamily="49" charset="0"/>
-                </a:rPr>
-                <a:t>Синников Артемий</a:t>
-              </a:r>
-              <a:endParaRPr lang="en-US" b="1" dirty="0">
-                <a:latin typeface="JetBrains Mono" panose="02000009000000000000" pitchFamily="49" charset="0"/>
-                <a:ea typeface="JetBrains Mono" panose="02000009000000000000" pitchFamily="49" charset="0"/>
-                <a:cs typeface="JetBrains Mono" panose="02000009000000000000" pitchFamily="49" charset="0"/>
-              </a:endParaRPr>
-            </a:p>
-            <a:p>
-              <a:endParaRPr lang="en-US" sz="400" i="0" dirty="0">
-                <a:solidFill>
-                  <a:srgbClr val="000000"/>
-                </a:solidFill>
-                <a:effectLst/>
-                <a:latin typeface="Consolas" panose="020B0609020204030204" pitchFamily="49" charset="0"/>
-              </a:endParaRPr>
-            </a:p>
-            <a:p>
-              <a:r>
-                <a:rPr lang="ru-RU" sz="1400" i="1" dirty="0">
-                  <a:solidFill>
-                    <a:srgbClr val="000000"/>
-                  </a:solidFill>
-                  <a:effectLst/>
-                  <a:latin typeface="Consolas" panose="020B0609020204030204" pitchFamily="49" charset="0"/>
-                </a:rPr>
-                <a:t>Разработчик</a:t>
-              </a:r>
-            </a:p>
-          </p:txBody>
-        </p:sp>
-        <p:sp>
-          <p:nvSpPr>
-            <p:cNvPr id="18" name="Прямоугольник: скругленные углы 17">
-              <a:extLst>
-                <a:ext uri="{FF2B5EF4-FFF2-40B4-BE49-F238E27FC236}">
-                  <a16:creationId xmlns:a16="http://schemas.microsoft.com/office/drawing/2014/main" id="{EE1FEFBA-4908-64C1-3022-C697FAC3B53E}"/>
-                </a:ext>
-              </a:extLst>
-            </p:cNvPr>
-            <p:cNvSpPr/>
-            <p:nvPr/>
-          </p:nvSpPr>
-          <p:spPr>
-            <a:xfrm>
-              <a:off x="252747" y="5932800"/>
-              <a:ext cx="925200" cy="925200"/>
-            </a:xfrm>
-            <a:prstGeom prst="roundRect">
-              <a:avLst>
-                <a:gd name="adj" fmla="val 7745"/>
-              </a:avLst>
-            </a:prstGeom>
-            <a:noFill/>
-            <a:ln w="28575">
-              <a:solidFill>
-                <a:srgbClr val="7030A0"/>
-              </a:solidFill>
-            </a:ln>
-          </p:spPr>
-          <p:style>
-            <a:lnRef idx="2">
-              <a:schemeClr val="accent1">
-                <a:shade val="50000"/>
-              </a:schemeClr>
-            </a:lnRef>
-            <a:fillRef idx="1">
-              <a:schemeClr val="accent1"/>
-            </a:fillRef>
-            <a:effectRef idx="0">
-              <a:schemeClr val="accent1"/>
-            </a:effectRef>
-            <a:fontRef idx="minor">
-              <a:schemeClr val="lt1"/>
-            </a:fontRef>
-          </p:style>
-          <p:txBody>
-            <a:bodyPr rtlCol="0" anchor="ctr"/>
-            <a:lstStyle/>
-            <a:p>
-              <a:pPr algn="ctr"/>
-              <a:endParaRPr lang="ru-RU"/>
-            </a:p>
-          </p:txBody>
-        </p:sp>
-      </p:grpSp>
-    </p:spTree>
-    <p:extLst>
-      <p:ext uri="{BB962C8B-B14F-4D97-AF65-F5344CB8AC3E}">
-        <p14:creationId xmlns:p14="http://schemas.microsoft.com/office/powerpoint/2010/main" val="2652240038"/>
       </p:ext>
     </p:extLst>
   </p:cSld>
@@ -6871,10 +6063,57 @@
       </p:sp>
       <p:pic>
         <p:nvPicPr>
-          <p:cNvPr id="4" name="Рисунок 3">
-            <a:extLst>
-              <a:ext uri="{FF2B5EF4-FFF2-40B4-BE49-F238E27FC236}">
-                <a16:creationId xmlns:a16="http://schemas.microsoft.com/office/drawing/2014/main" id="{FA90DDDE-E648-CFE5-49F8-35BD4D08DBDD}"/>
+          <p:cNvPr id="2050" name="Picture 2">
+            <a:extLst>
+              <a:ext uri="{FF2B5EF4-FFF2-40B4-BE49-F238E27FC236}">
+                <a16:creationId xmlns:a16="http://schemas.microsoft.com/office/drawing/2014/main" id="{A87E1BE6-9238-1DD0-9D09-00876CD039C2}"/>
+              </a:ext>
+            </a:extLst>
+          </p:cNvPr>
+          <p:cNvPicPr>
+            <a:picLocks noChangeAspect="1" noChangeArrowheads="1"/>
+          </p:cNvPicPr>
+          <p:nvPr/>
+        </p:nvPicPr>
+        <p:blipFill>
+          <a:blip r:embed="rId2">
+            <a:extLst>
+              <a:ext uri="{28A0092B-C50C-407E-A947-70E740481C1C}">
+                <a14:useLocalDpi xmlns:a14="http://schemas.microsoft.com/office/drawing/2010/main" val="0"/>
+              </a:ext>
+            </a:extLst>
+          </a:blip>
+          <a:srcRect/>
+          <a:stretch>
+            <a:fillRect/>
+          </a:stretch>
+        </p:blipFill>
+        <p:spPr bwMode="auto">
+          <a:xfrm>
+            <a:off x="6096000" y="1637444"/>
+            <a:ext cx="5859462" cy="3942202"/>
+          </a:xfrm>
+          <a:prstGeom prst="rect">
+            <a:avLst/>
+          </a:prstGeom>
+          <a:noFill/>
+          <a:extLst>
+            <a:ext uri="{909E8E84-426E-40DD-AFC4-6F175D3DCCD1}">
+              <a14:hiddenFill xmlns:a14="http://schemas.microsoft.com/office/drawing/2010/main">
+                <a:solidFill>
+                  <a:srgbClr val="FFFFFF"/>
+                </a:solidFill>
+              </a14:hiddenFill>
+            </a:ext>
+          </a:extLst>
+        </p:spPr>
+      </p:pic>
+      <p:pic>
+        <p:nvPicPr>
+          <p:cNvPr id="5" name="Рисунок 4">
+            <a:extLst>
+              <a:ext uri="{FF2B5EF4-FFF2-40B4-BE49-F238E27FC236}">
+                <a16:creationId xmlns:a16="http://schemas.microsoft.com/office/drawing/2014/main" id="{38805828-250C-5B41-CA4B-E909AB72161A}"/>
               </a:ext>
             </a:extLst>
           </p:cNvPr>
@@ -6884,63 +6123,60 @@
           <p:nvPr/>
         </p:nvPicPr>
         <p:blipFill>
-          <a:blip r:embed="rId2">
-            <a:extLst>
-              <a:ext uri="{28A0092B-C50C-407E-A947-70E740481C1C}">
-                <a14:useLocalDpi xmlns:a14="http://schemas.microsoft.com/office/drawing/2010/main" val="0"/>
-              </a:ext>
-            </a:extLst>
-          </a:blip>
+          <a:blip r:embed="rId3"/>
           <a:stretch>
             <a:fillRect/>
           </a:stretch>
         </p:blipFill>
         <p:spPr>
           <a:xfrm>
-            <a:off x="137651" y="1560436"/>
-            <a:ext cx="6508955" cy="4881716"/>
+            <a:off x="331065" y="1637444"/>
+            <a:ext cx="5163271" cy="4048690"/>
           </a:xfrm>
           <a:prstGeom prst="rect">
             <a:avLst/>
           </a:prstGeom>
         </p:spPr>
       </p:pic>
-      <p:pic>
-        <p:nvPicPr>
-          <p:cNvPr id="9" name="Рисунок 8">
-            <a:extLst>
-              <a:ext uri="{FF2B5EF4-FFF2-40B4-BE49-F238E27FC236}">
-                <a16:creationId xmlns:a16="http://schemas.microsoft.com/office/drawing/2014/main" id="{81FADE11-B5DC-963A-0B71-D310944D6025}"/>
-              </a:ext>
-            </a:extLst>
-          </p:cNvPr>
-          <p:cNvPicPr>
-            <a:picLocks noChangeAspect="1"/>
-          </p:cNvPicPr>
+      <p:sp>
+        <p:nvSpPr>
+          <p:cNvPr id="6" name="TextBox 5">
+            <a:extLst>
+              <a:ext uri="{FF2B5EF4-FFF2-40B4-BE49-F238E27FC236}">
+                <a16:creationId xmlns:a16="http://schemas.microsoft.com/office/drawing/2014/main" id="{959BFD51-8599-61A0-7F36-42B40A8F2C3D}"/>
+              </a:ext>
+            </a:extLst>
+          </p:cNvPr>
+          <p:cNvSpPr txBox="1"/>
           <p:nvPr/>
-        </p:nvPicPr>
-        <p:blipFill>
-          <a:blip r:embed="rId3">
-            <a:extLst>
-              <a:ext uri="{28A0092B-C50C-407E-A947-70E740481C1C}">
-                <a14:useLocalDpi xmlns:a14="http://schemas.microsoft.com/office/drawing/2010/main" val="0"/>
-              </a:ext>
-            </a:extLst>
-          </a:blip>
-          <a:stretch>
-            <a:fillRect/>
-          </a:stretch>
-        </p:blipFill>
+        </p:nvSpPr>
         <p:spPr>
           <a:xfrm>
-            <a:off x="6501941" y="1690688"/>
-            <a:ext cx="5444254" cy="3629502"/>
+            <a:off x="1253508" y="5942568"/>
+            <a:ext cx="3318387" cy="369332"/>
           </a:xfrm>
           <a:prstGeom prst="rect">
             <a:avLst/>
           </a:prstGeom>
+          <a:noFill/>
         </p:spPr>
-      </p:pic>
+        <p:txBody>
+          <a:bodyPr wrap="square" rtlCol="0">
+            <a:spAutoFit/>
+          </a:bodyPr>
+          <a:lstStyle/>
+          <a:p>
+            <a:r>
+              <a:rPr lang="en-US" dirty="0"/>
+              <a:t>Confusion Matrix</a:t>
+            </a:r>
+            <a:r>
+              <a:rPr lang="ru-RU" dirty="0"/>
+              <a:t> (взвешенная)</a:t>
+            </a:r>
+          </a:p>
+        </p:txBody>
+      </p:sp>
     </p:spTree>
     <p:extLst>
       <p:ext uri="{BB962C8B-B14F-4D97-AF65-F5344CB8AC3E}">
@@ -7134,134 +6370,739 @@
           <a:lstStyle/>
           <a:p>
             <a:r>
-              <a:rPr lang="ru-RU" sz="4400" dirty="0">
+              <a:rPr lang="ru-RU" dirty="0">
                 <a:latin typeface="Consolas" panose="020B0609020204030204" pitchFamily="49" charset="0"/>
               </a:rPr>
-              <a:t>Критерии оценки</a:t>
-            </a:r>
-          </a:p>
-        </p:txBody>
-      </p:sp>
-      <p:pic>
-        <p:nvPicPr>
-          <p:cNvPr id="9" name="Рисунок 8">
-            <a:extLst>
-              <a:ext uri="{FF2B5EF4-FFF2-40B4-BE49-F238E27FC236}">
-                <a16:creationId xmlns:a16="http://schemas.microsoft.com/office/drawing/2014/main" id="{4E1825D9-947B-46F3-26E0-A223C0914FBB}"/>
-              </a:ext>
-            </a:extLst>
-          </p:cNvPr>
-          <p:cNvPicPr>
-            <a:picLocks noChangeAspect="1"/>
-          </p:cNvPicPr>
+              <a:t>Таким образом</a:t>
+            </a:r>
+            <a:endParaRPr lang="ru-RU" sz="4400" dirty="0">
+              <a:latin typeface="Consolas" panose="020B0609020204030204" pitchFamily="49" charset="0"/>
+            </a:endParaRPr>
+          </a:p>
+        </p:txBody>
+      </p:sp>
+      <p:grpSp>
+        <p:nvGrpSpPr>
+          <p:cNvPr id="12" name="Группа 11">
+            <a:extLst>
+              <a:ext uri="{FF2B5EF4-FFF2-40B4-BE49-F238E27FC236}">
+                <a16:creationId xmlns:a16="http://schemas.microsoft.com/office/drawing/2014/main" id="{B6D760B3-C272-5231-02D3-56A48D8247BF}"/>
+              </a:ext>
+            </a:extLst>
+          </p:cNvPr>
+          <p:cNvGrpSpPr/>
           <p:nvPr/>
-        </p:nvPicPr>
-        <p:blipFill>
-          <a:blip r:embed="rId2"/>
-          <a:stretch>
-            <a:fillRect/>
-          </a:stretch>
-        </p:blipFill>
-        <p:spPr>
+        </p:nvGrpSpPr>
+        <p:grpSpPr>
           <a:xfrm>
-            <a:off x="688309" y="2413359"/>
-            <a:ext cx="3677163" cy="2381582"/>
+            <a:off x="735268" y="1910954"/>
+            <a:ext cx="5031658" cy="1200329"/>
+            <a:chOff x="838200" y="1910954"/>
+            <a:chExt cx="5031658" cy="1200329"/>
           </a:xfrm>
-          <a:prstGeom prst="rect">
-            <a:avLst/>
-          </a:prstGeom>
-        </p:spPr>
-      </p:pic>
-      <p:pic>
-        <p:nvPicPr>
-          <p:cNvPr id="11" name="Рисунок 10">
-            <a:extLst>
-              <a:ext uri="{FF2B5EF4-FFF2-40B4-BE49-F238E27FC236}">
-                <a16:creationId xmlns:a16="http://schemas.microsoft.com/office/drawing/2014/main" id="{3C01524F-0728-5476-1C60-5AC3D49BA3AD}"/>
-              </a:ext>
-            </a:extLst>
-          </p:cNvPr>
-          <p:cNvPicPr>
-            <a:picLocks noChangeAspect="1"/>
-          </p:cNvPicPr>
+        </p:grpSpPr>
+        <p:sp>
+          <p:nvSpPr>
+            <p:cNvPr id="3" name="TextBox 2">
+              <a:extLst>
+                <a:ext uri="{FF2B5EF4-FFF2-40B4-BE49-F238E27FC236}">
+                  <a16:creationId xmlns:a16="http://schemas.microsoft.com/office/drawing/2014/main" id="{015CEFCB-4DE5-7BD6-8C6C-BA19FADD47F5}"/>
+                </a:ext>
+              </a:extLst>
+            </p:cNvPr>
+            <p:cNvSpPr txBox="1"/>
+            <p:nvPr/>
+          </p:nvSpPr>
+          <p:spPr>
+            <a:xfrm>
+              <a:off x="838200" y="1910954"/>
+              <a:ext cx="944527" cy="707886"/>
+            </a:xfrm>
+            <a:prstGeom prst="rect">
+              <a:avLst/>
+            </a:prstGeom>
+            <a:noFill/>
+          </p:spPr>
+          <p:txBody>
+            <a:bodyPr wrap="square" rtlCol="0">
+              <a:spAutoFit/>
+            </a:bodyPr>
+            <a:lstStyle/>
+            <a:p>
+              <a:r>
+                <a:rPr lang="ru-RU" sz="4000" b="1" dirty="0">
+                  <a:solidFill>
+                    <a:srgbClr val="0070C0"/>
+                  </a:solidFill>
+                  <a:latin typeface="JetBrains Mono" panose="02000009000000000000" pitchFamily="49" charset="0"/>
+                  <a:ea typeface="JetBrains Mono" panose="02000009000000000000" pitchFamily="49" charset="0"/>
+                  <a:cs typeface="JetBrains Mono" panose="02000009000000000000" pitchFamily="49" charset="0"/>
+                </a:rPr>
+                <a:t>01</a:t>
+              </a:r>
+            </a:p>
+          </p:txBody>
+        </p:sp>
+        <p:sp>
+          <p:nvSpPr>
+            <p:cNvPr id="4" name="TextBox 3">
+              <a:extLst>
+                <a:ext uri="{FF2B5EF4-FFF2-40B4-BE49-F238E27FC236}">
+                  <a16:creationId xmlns:a16="http://schemas.microsoft.com/office/drawing/2014/main" id="{83DDD12D-0D33-1956-B8AE-0C24F9CC948A}"/>
+                </a:ext>
+              </a:extLst>
+            </p:cNvPr>
+            <p:cNvSpPr txBox="1"/>
+            <p:nvPr/>
+          </p:nvSpPr>
+          <p:spPr>
+            <a:xfrm>
+              <a:off x="1782727" y="1910954"/>
+              <a:ext cx="4087131" cy="1200329"/>
+            </a:xfrm>
+            <a:prstGeom prst="rect">
+              <a:avLst/>
+            </a:prstGeom>
+            <a:noFill/>
+          </p:spPr>
+          <p:txBody>
+            <a:bodyPr wrap="square" rtlCol="0">
+              <a:spAutoFit/>
+            </a:bodyPr>
+            <a:lstStyle/>
+            <a:p>
+              <a:pPr algn="just"/>
+              <a:r>
+                <a:rPr lang="ru-RU" dirty="0"/>
+                <a:t>Наше решение соответствует поставленной задаче, классифицируя лебедей на изображении</a:t>
+              </a:r>
+              <a:r>
+                <a:rPr lang="en-US" dirty="0"/>
+                <a:t>. </a:t>
+              </a:r>
+              <a:r>
+                <a:rPr lang="ru-RU" dirty="0"/>
+                <a:t>Уровень реализации </a:t>
+              </a:r>
+              <a:r>
+                <a:rPr lang="en-US" dirty="0"/>
+                <a:t>MVP (</a:t>
+              </a:r>
+              <a:r>
+                <a:rPr lang="ru-RU" dirty="0"/>
+                <a:t>прототип)</a:t>
+              </a:r>
+            </a:p>
+          </p:txBody>
+        </p:sp>
+      </p:grpSp>
+      <p:grpSp>
+        <p:nvGrpSpPr>
+          <p:cNvPr id="10" name="Группа 9">
+            <a:extLst>
+              <a:ext uri="{FF2B5EF4-FFF2-40B4-BE49-F238E27FC236}">
+                <a16:creationId xmlns:a16="http://schemas.microsoft.com/office/drawing/2014/main" id="{AF454070-B25B-E788-C5BA-7FFB870166AB}"/>
+              </a:ext>
+            </a:extLst>
+          </p:cNvPr>
+          <p:cNvGrpSpPr/>
           <p:nvPr/>
-        </p:nvPicPr>
-        <p:blipFill>
-          <a:blip r:embed="rId3"/>
-          <a:stretch>
-            <a:fillRect/>
-          </a:stretch>
-        </p:blipFill>
-        <p:spPr>
+        </p:nvGrpSpPr>
+        <p:grpSpPr>
           <a:xfrm>
-            <a:off x="4443798" y="2422885"/>
-            <a:ext cx="2200582" cy="2372056"/>
+            <a:off x="735268" y="3286497"/>
+            <a:ext cx="5031658" cy="954108"/>
+            <a:chOff x="838200" y="3054085"/>
+            <a:chExt cx="5031658" cy="954108"/>
           </a:xfrm>
-          <a:prstGeom prst="rect">
-            <a:avLst/>
-          </a:prstGeom>
-        </p:spPr>
-      </p:pic>
-      <p:pic>
-        <p:nvPicPr>
-          <p:cNvPr id="13" name="Рисунок 12">
-            <a:extLst>
-              <a:ext uri="{FF2B5EF4-FFF2-40B4-BE49-F238E27FC236}">
-                <a16:creationId xmlns:a16="http://schemas.microsoft.com/office/drawing/2014/main" id="{60D4C88D-A2FF-C051-705B-B611C3AAA001}"/>
-              </a:ext>
-            </a:extLst>
-          </p:cNvPr>
-          <p:cNvPicPr>
-            <a:picLocks noChangeAspect="1"/>
-          </p:cNvPicPr>
+        </p:grpSpPr>
+        <p:sp>
+          <p:nvSpPr>
+            <p:cNvPr id="5" name="TextBox 4">
+              <a:extLst>
+                <a:ext uri="{FF2B5EF4-FFF2-40B4-BE49-F238E27FC236}">
+                  <a16:creationId xmlns:a16="http://schemas.microsoft.com/office/drawing/2014/main" id="{C9C21994-962F-8B49-1BFF-301AF1AE5C98}"/>
+                </a:ext>
+              </a:extLst>
+            </p:cNvPr>
+            <p:cNvSpPr txBox="1"/>
+            <p:nvPr/>
+          </p:nvSpPr>
+          <p:spPr>
+            <a:xfrm>
+              <a:off x="838200" y="3054085"/>
+              <a:ext cx="944527" cy="707886"/>
+            </a:xfrm>
+            <a:prstGeom prst="rect">
+              <a:avLst/>
+            </a:prstGeom>
+            <a:noFill/>
+          </p:spPr>
+          <p:txBody>
+            <a:bodyPr wrap="square" rtlCol="0">
+              <a:spAutoFit/>
+            </a:bodyPr>
+            <a:lstStyle/>
+            <a:p>
+              <a:r>
+                <a:rPr lang="ru-RU" sz="4000" b="1" dirty="0">
+                  <a:solidFill>
+                    <a:srgbClr val="0070C0"/>
+                  </a:solidFill>
+                  <a:latin typeface="JetBrains Mono" panose="02000009000000000000" pitchFamily="49" charset="0"/>
+                  <a:ea typeface="JetBrains Mono" panose="02000009000000000000" pitchFamily="49" charset="0"/>
+                  <a:cs typeface="JetBrains Mono" panose="02000009000000000000" pitchFamily="49" charset="0"/>
+                </a:rPr>
+                <a:t>02</a:t>
+              </a:r>
+            </a:p>
+          </p:txBody>
+        </p:sp>
+        <p:sp>
+          <p:nvSpPr>
+            <p:cNvPr id="6" name="TextBox 5">
+              <a:extLst>
+                <a:ext uri="{FF2B5EF4-FFF2-40B4-BE49-F238E27FC236}">
+                  <a16:creationId xmlns:a16="http://schemas.microsoft.com/office/drawing/2014/main" id="{99D9BD27-15EC-E4E7-F38A-072A7C7E9005}"/>
+                </a:ext>
+              </a:extLst>
+            </p:cNvPr>
+            <p:cNvSpPr txBox="1"/>
+            <p:nvPr/>
+          </p:nvSpPr>
+          <p:spPr>
+            <a:xfrm>
+              <a:off x="1782727" y="3084863"/>
+              <a:ext cx="4087131" cy="923330"/>
+            </a:xfrm>
+            <a:prstGeom prst="rect">
+              <a:avLst/>
+            </a:prstGeom>
+            <a:noFill/>
+          </p:spPr>
+          <p:txBody>
+            <a:bodyPr wrap="square" rtlCol="0">
+              <a:spAutoFit/>
+            </a:bodyPr>
+            <a:lstStyle/>
+            <a:p>
+              <a:pPr algn="just"/>
+              <a:r>
+                <a:rPr lang="ru-RU" dirty="0"/>
+                <a:t>Реализованное приложение позволяет производить распознавание лебедей с использованием ПК </a:t>
+              </a:r>
+            </a:p>
+          </p:txBody>
+        </p:sp>
+      </p:grpSp>
+      <p:grpSp>
+        <p:nvGrpSpPr>
+          <p:cNvPr id="14" name="Группа 13">
+            <a:extLst>
+              <a:ext uri="{FF2B5EF4-FFF2-40B4-BE49-F238E27FC236}">
+                <a16:creationId xmlns:a16="http://schemas.microsoft.com/office/drawing/2014/main" id="{C8F99B3A-F68E-A2BB-F6DE-FBD736C8CD18}"/>
+              </a:ext>
+            </a:extLst>
+          </p:cNvPr>
+          <p:cNvGrpSpPr/>
           <p:nvPr/>
-        </p:nvPicPr>
-        <p:blipFill>
-          <a:blip r:embed="rId4"/>
-          <a:stretch>
-            <a:fillRect/>
-          </a:stretch>
-        </p:blipFill>
-        <p:spPr>
+        </p:nvGrpSpPr>
+        <p:grpSpPr>
           <a:xfrm>
-            <a:off x="6722706" y="2413359"/>
-            <a:ext cx="2324424" cy="2362530"/>
+            <a:off x="735268" y="4477374"/>
+            <a:ext cx="5031658" cy="954108"/>
+            <a:chOff x="838200" y="3950994"/>
+            <a:chExt cx="5031658" cy="954108"/>
           </a:xfrm>
-          <a:prstGeom prst="rect">
-            <a:avLst/>
-          </a:prstGeom>
-        </p:spPr>
-      </p:pic>
-      <p:pic>
-        <p:nvPicPr>
-          <p:cNvPr id="15" name="Рисунок 14">
-            <a:extLst>
-              <a:ext uri="{FF2B5EF4-FFF2-40B4-BE49-F238E27FC236}">
-                <a16:creationId xmlns:a16="http://schemas.microsoft.com/office/drawing/2014/main" id="{A527A8FC-2151-3086-6ED1-65377090ABF9}"/>
-              </a:ext>
-            </a:extLst>
-          </p:cNvPr>
-          <p:cNvPicPr>
-            <a:picLocks noChangeAspect="1"/>
-          </p:cNvPicPr>
+        </p:grpSpPr>
+        <p:sp>
+          <p:nvSpPr>
+            <p:cNvPr id="7" name="TextBox 6">
+              <a:extLst>
+                <a:ext uri="{FF2B5EF4-FFF2-40B4-BE49-F238E27FC236}">
+                  <a16:creationId xmlns:a16="http://schemas.microsoft.com/office/drawing/2014/main" id="{5878A4D6-C623-5E2A-C3CF-140325B86879}"/>
+                </a:ext>
+              </a:extLst>
+            </p:cNvPr>
+            <p:cNvSpPr txBox="1"/>
+            <p:nvPr/>
+          </p:nvSpPr>
+          <p:spPr>
+            <a:xfrm>
+              <a:off x="838200" y="3950994"/>
+              <a:ext cx="944527" cy="707886"/>
+            </a:xfrm>
+            <a:prstGeom prst="rect">
+              <a:avLst/>
+            </a:prstGeom>
+            <a:noFill/>
+          </p:spPr>
+          <p:txBody>
+            <a:bodyPr wrap="square" rtlCol="0">
+              <a:spAutoFit/>
+            </a:bodyPr>
+            <a:lstStyle/>
+            <a:p>
+              <a:r>
+                <a:rPr lang="ru-RU" sz="4000" b="1" dirty="0">
+                  <a:solidFill>
+                    <a:srgbClr val="0070C0"/>
+                  </a:solidFill>
+                  <a:latin typeface="JetBrains Mono" panose="02000009000000000000" pitchFamily="49" charset="0"/>
+                  <a:ea typeface="JetBrains Mono" panose="02000009000000000000" pitchFamily="49" charset="0"/>
+                  <a:cs typeface="JetBrains Mono" panose="02000009000000000000" pitchFamily="49" charset="0"/>
+                </a:rPr>
+                <a:t>03</a:t>
+              </a:r>
+            </a:p>
+          </p:txBody>
+        </p:sp>
+        <p:sp>
+          <p:nvSpPr>
+            <p:cNvPr id="8" name="TextBox 7">
+              <a:extLst>
+                <a:ext uri="{FF2B5EF4-FFF2-40B4-BE49-F238E27FC236}">
+                  <a16:creationId xmlns:a16="http://schemas.microsoft.com/office/drawing/2014/main" id="{86975013-2669-0BEC-827A-7CCEF0C3B88C}"/>
+                </a:ext>
+              </a:extLst>
+            </p:cNvPr>
+            <p:cNvSpPr txBox="1"/>
+            <p:nvPr/>
+          </p:nvSpPr>
+          <p:spPr>
+            <a:xfrm>
+              <a:off x="1782727" y="3981772"/>
+              <a:ext cx="4087131" cy="923330"/>
+            </a:xfrm>
+            <a:prstGeom prst="rect">
+              <a:avLst/>
+            </a:prstGeom>
+            <a:noFill/>
+          </p:spPr>
+          <p:txBody>
+            <a:bodyPr wrap="square" rtlCol="0">
+              <a:spAutoFit/>
+            </a:bodyPr>
+            <a:lstStyle/>
+            <a:p>
+              <a:pPr algn="just"/>
+              <a:r>
+                <a:rPr lang="ru-RU" dirty="0"/>
+                <a:t>Приложение имеет понятный интерфейс с необходимым функционалом</a:t>
+              </a:r>
+            </a:p>
+          </p:txBody>
+        </p:sp>
+      </p:grpSp>
+      <p:grpSp>
+        <p:nvGrpSpPr>
+          <p:cNvPr id="16" name="Группа 15">
+            <a:extLst>
+              <a:ext uri="{FF2B5EF4-FFF2-40B4-BE49-F238E27FC236}">
+                <a16:creationId xmlns:a16="http://schemas.microsoft.com/office/drawing/2014/main" id="{F3A59258-128E-F43E-771F-42DA006E559D}"/>
+              </a:ext>
+            </a:extLst>
+          </p:cNvPr>
+          <p:cNvGrpSpPr/>
           <p:nvPr/>
-        </p:nvPicPr>
-        <p:blipFill>
-          <a:blip r:embed="rId5"/>
-          <a:stretch>
-            <a:fillRect/>
-          </a:stretch>
-        </p:blipFill>
-        <p:spPr>
+        </p:nvGrpSpPr>
+        <p:grpSpPr>
           <a:xfrm>
-            <a:off x="9125456" y="2422885"/>
-            <a:ext cx="2400635" cy="2314898"/>
+            <a:off x="6425074" y="2834284"/>
+            <a:ext cx="5031658" cy="1200329"/>
+            <a:chOff x="838200" y="1910954"/>
+            <a:chExt cx="5031658" cy="1200329"/>
           </a:xfrm>
-          <a:prstGeom prst="rect">
-            <a:avLst/>
-          </a:prstGeom>
-        </p:spPr>
-      </p:pic>
+        </p:grpSpPr>
+        <p:sp>
+          <p:nvSpPr>
+            <p:cNvPr id="17" name="TextBox 16">
+              <a:extLst>
+                <a:ext uri="{FF2B5EF4-FFF2-40B4-BE49-F238E27FC236}">
+                  <a16:creationId xmlns:a16="http://schemas.microsoft.com/office/drawing/2014/main" id="{9F98E96B-DBD4-D9BF-BCAD-47C3E2C31CDF}"/>
+                </a:ext>
+              </a:extLst>
+            </p:cNvPr>
+            <p:cNvSpPr txBox="1"/>
+            <p:nvPr/>
+          </p:nvSpPr>
+          <p:spPr>
+            <a:xfrm>
+              <a:off x="838200" y="1910954"/>
+              <a:ext cx="944527" cy="707886"/>
+            </a:xfrm>
+            <a:prstGeom prst="rect">
+              <a:avLst/>
+            </a:prstGeom>
+            <a:noFill/>
+          </p:spPr>
+          <p:txBody>
+            <a:bodyPr wrap="square" rtlCol="0">
+              <a:spAutoFit/>
+            </a:bodyPr>
+            <a:lstStyle/>
+            <a:p>
+              <a:r>
+                <a:rPr lang="ru-RU" sz="4000" b="1" dirty="0">
+                  <a:solidFill>
+                    <a:srgbClr val="0070C0"/>
+                  </a:solidFill>
+                  <a:latin typeface="JetBrains Mono" panose="02000009000000000000" pitchFamily="49" charset="0"/>
+                  <a:ea typeface="JetBrains Mono" panose="02000009000000000000" pitchFamily="49" charset="0"/>
+                  <a:cs typeface="JetBrains Mono" panose="02000009000000000000" pitchFamily="49" charset="0"/>
+                </a:rPr>
+                <a:t>06</a:t>
+              </a:r>
+            </a:p>
+          </p:txBody>
+        </p:sp>
+        <p:sp>
+          <p:nvSpPr>
+            <p:cNvPr id="18" name="TextBox 17">
+              <a:extLst>
+                <a:ext uri="{FF2B5EF4-FFF2-40B4-BE49-F238E27FC236}">
+                  <a16:creationId xmlns:a16="http://schemas.microsoft.com/office/drawing/2014/main" id="{B96DC849-A8F5-2B0C-5AB1-487A59693E4A}"/>
+                </a:ext>
+              </a:extLst>
+            </p:cNvPr>
+            <p:cNvSpPr txBox="1"/>
+            <p:nvPr/>
+          </p:nvSpPr>
+          <p:spPr>
+            <a:xfrm>
+              <a:off x="1782727" y="1910954"/>
+              <a:ext cx="4087131" cy="1200329"/>
+            </a:xfrm>
+            <a:prstGeom prst="rect">
+              <a:avLst/>
+            </a:prstGeom>
+            <a:noFill/>
+          </p:spPr>
+          <p:txBody>
+            <a:bodyPr wrap="square" rtlCol="0">
+              <a:spAutoFit/>
+            </a:bodyPr>
+            <a:lstStyle/>
+            <a:p>
+              <a:pPr algn="just"/>
+              <a:r>
+                <a:rPr lang="ru-RU" dirty="0"/>
+                <a:t>Архитектура нейронной сети выбрана с учетом мультизадачности предметной области (классификация, локализация и сегментация)</a:t>
+              </a:r>
+            </a:p>
+          </p:txBody>
+        </p:sp>
+      </p:grpSp>
+      <p:grpSp>
+        <p:nvGrpSpPr>
+          <p:cNvPr id="19" name="Группа 18">
+            <a:extLst>
+              <a:ext uri="{FF2B5EF4-FFF2-40B4-BE49-F238E27FC236}">
+                <a16:creationId xmlns:a16="http://schemas.microsoft.com/office/drawing/2014/main" id="{01157B98-7132-4952-1489-697606B84944}"/>
+              </a:ext>
+            </a:extLst>
+          </p:cNvPr>
+          <p:cNvGrpSpPr/>
+          <p:nvPr/>
+        </p:nvGrpSpPr>
+        <p:grpSpPr>
+          <a:xfrm>
+            <a:off x="6425074" y="4252450"/>
+            <a:ext cx="5030527" cy="923330"/>
+            <a:chOff x="838200" y="1910954"/>
+            <a:chExt cx="5030527" cy="923330"/>
+          </a:xfrm>
+        </p:grpSpPr>
+        <p:sp>
+          <p:nvSpPr>
+            <p:cNvPr id="20" name="TextBox 19">
+              <a:extLst>
+                <a:ext uri="{FF2B5EF4-FFF2-40B4-BE49-F238E27FC236}">
+                  <a16:creationId xmlns:a16="http://schemas.microsoft.com/office/drawing/2014/main" id="{0AB17373-9FCB-0D76-F1EB-3B6A7009DACA}"/>
+                </a:ext>
+              </a:extLst>
+            </p:cNvPr>
+            <p:cNvSpPr txBox="1"/>
+            <p:nvPr/>
+          </p:nvSpPr>
+          <p:spPr>
+            <a:xfrm>
+              <a:off x="838200" y="1910954"/>
+              <a:ext cx="944527" cy="707886"/>
+            </a:xfrm>
+            <a:prstGeom prst="rect">
+              <a:avLst/>
+            </a:prstGeom>
+            <a:noFill/>
+          </p:spPr>
+          <p:txBody>
+            <a:bodyPr wrap="square" rtlCol="0">
+              <a:spAutoFit/>
+            </a:bodyPr>
+            <a:lstStyle/>
+            <a:p>
+              <a:r>
+                <a:rPr lang="ru-RU" sz="4000" b="1" dirty="0">
+                  <a:solidFill>
+                    <a:srgbClr val="0070C0"/>
+                  </a:solidFill>
+                  <a:latin typeface="JetBrains Mono" panose="02000009000000000000" pitchFamily="49" charset="0"/>
+                  <a:ea typeface="JetBrains Mono" panose="02000009000000000000" pitchFamily="49" charset="0"/>
+                  <a:cs typeface="JetBrains Mono" panose="02000009000000000000" pitchFamily="49" charset="0"/>
+                </a:rPr>
+                <a:t>07</a:t>
+              </a:r>
+            </a:p>
+          </p:txBody>
+        </p:sp>
+        <p:sp>
+          <p:nvSpPr>
+            <p:cNvPr id="21" name="TextBox 20">
+              <a:extLst>
+                <a:ext uri="{FF2B5EF4-FFF2-40B4-BE49-F238E27FC236}">
+                  <a16:creationId xmlns:a16="http://schemas.microsoft.com/office/drawing/2014/main" id="{D3A3DCD9-81BF-D940-DB8A-67F6F21CCBAE}"/>
+                </a:ext>
+              </a:extLst>
+            </p:cNvPr>
+            <p:cNvSpPr txBox="1"/>
+            <p:nvPr/>
+          </p:nvSpPr>
+          <p:spPr>
+            <a:xfrm>
+              <a:off x="1782727" y="1910954"/>
+              <a:ext cx="4086000" cy="923330"/>
+            </a:xfrm>
+            <a:prstGeom prst="rect">
+              <a:avLst/>
+            </a:prstGeom>
+            <a:noFill/>
+          </p:spPr>
+          <p:txBody>
+            <a:bodyPr wrap="square" rtlCol="0">
+              <a:spAutoFit/>
+            </a:bodyPr>
+            <a:lstStyle/>
+            <a:p>
+              <a:pPr algn="just"/>
+              <a:r>
+                <a:rPr lang="ru-RU" dirty="0"/>
+                <a:t>Были использованы взвешенные метрики с учетом сложности разделимости классов</a:t>
+              </a:r>
+            </a:p>
+          </p:txBody>
+        </p:sp>
+      </p:grpSp>
+      <p:grpSp>
+        <p:nvGrpSpPr>
+          <p:cNvPr id="25" name="Группа 24">
+            <a:extLst>
+              <a:ext uri="{FF2B5EF4-FFF2-40B4-BE49-F238E27FC236}">
+                <a16:creationId xmlns:a16="http://schemas.microsoft.com/office/drawing/2014/main" id="{42C4F11D-5C95-27C1-263C-B9B3DD05337F}"/>
+              </a:ext>
+            </a:extLst>
+          </p:cNvPr>
+          <p:cNvGrpSpPr/>
+          <p:nvPr/>
+        </p:nvGrpSpPr>
+        <p:grpSpPr>
+          <a:xfrm>
+            <a:off x="6425074" y="1908561"/>
+            <a:ext cx="5030527" cy="707886"/>
+            <a:chOff x="838200" y="1910954"/>
+            <a:chExt cx="5030527" cy="707886"/>
+          </a:xfrm>
+        </p:grpSpPr>
+        <p:sp>
+          <p:nvSpPr>
+            <p:cNvPr id="26" name="TextBox 25">
+              <a:extLst>
+                <a:ext uri="{FF2B5EF4-FFF2-40B4-BE49-F238E27FC236}">
+                  <a16:creationId xmlns:a16="http://schemas.microsoft.com/office/drawing/2014/main" id="{F8FAD694-B601-C047-401A-26FA8692E863}"/>
+                </a:ext>
+              </a:extLst>
+            </p:cNvPr>
+            <p:cNvSpPr txBox="1"/>
+            <p:nvPr/>
+          </p:nvSpPr>
+          <p:spPr>
+            <a:xfrm>
+              <a:off x="838200" y="1910954"/>
+              <a:ext cx="944527" cy="707886"/>
+            </a:xfrm>
+            <a:prstGeom prst="rect">
+              <a:avLst/>
+            </a:prstGeom>
+            <a:noFill/>
+          </p:spPr>
+          <p:txBody>
+            <a:bodyPr wrap="square" rtlCol="0">
+              <a:spAutoFit/>
+            </a:bodyPr>
+            <a:lstStyle/>
+            <a:p>
+              <a:r>
+                <a:rPr lang="ru-RU" sz="4000" b="1" dirty="0">
+                  <a:solidFill>
+                    <a:srgbClr val="0070C0"/>
+                  </a:solidFill>
+                  <a:latin typeface="JetBrains Mono" panose="02000009000000000000" pitchFamily="49" charset="0"/>
+                  <a:ea typeface="JetBrains Mono" panose="02000009000000000000" pitchFamily="49" charset="0"/>
+                  <a:cs typeface="JetBrains Mono" panose="02000009000000000000" pitchFamily="49" charset="0"/>
+                </a:rPr>
+                <a:t>05</a:t>
+              </a:r>
+            </a:p>
+          </p:txBody>
+        </p:sp>
+        <p:sp>
+          <p:nvSpPr>
+            <p:cNvPr id="27" name="TextBox 26">
+              <a:extLst>
+                <a:ext uri="{FF2B5EF4-FFF2-40B4-BE49-F238E27FC236}">
+                  <a16:creationId xmlns:a16="http://schemas.microsoft.com/office/drawing/2014/main" id="{50B23F66-2008-B58C-8147-8B3BFE97415E}"/>
+                </a:ext>
+              </a:extLst>
+            </p:cNvPr>
+            <p:cNvSpPr txBox="1"/>
+            <p:nvPr/>
+          </p:nvSpPr>
+          <p:spPr>
+            <a:xfrm>
+              <a:off x="1782727" y="1910954"/>
+              <a:ext cx="4086000" cy="646331"/>
+            </a:xfrm>
+            <a:prstGeom prst="rect">
+              <a:avLst/>
+            </a:prstGeom>
+            <a:noFill/>
+          </p:spPr>
+          <p:txBody>
+            <a:bodyPr wrap="square" rtlCol="0">
+              <a:spAutoFit/>
+            </a:bodyPr>
+            <a:lstStyle/>
+            <a:p>
+              <a:pPr algn="just"/>
+              <a:r>
+                <a:rPr lang="ru-RU" dirty="0"/>
+                <a:t>В качестве архитектуры была выбрана </a:t>
+              </a:r>
+              <a:r>
+                <a:rPr lang="en-US" dirty="0"/>
+                <a:t>YOLO v8 c </a:t>
+              </a:r>
+              <a:r>
+                <a:rPr lang="ru-RU" dirty="0"/>
+                <a:t>открытым исходным кодом</a:t>
+              </a:r>
+            </a:p>
+          </p:txBody>
+        </p:sp>
+      </p:grpSp>
+      <p:grpSp>
+        <p:nvGrpSpPr>
+          <p:cNvPr id="28" name="Группа 27">
+            <a:extLst>
+              <a:ext uri="{FF2B5EF4-FFF2-40B4-BE49-F238E27FC236}">
+                <a16:creationId xmlns:a16="http://schemas.microsoft.com/office/drawing/2014/main" id="{360DA5B1-E323-872E-5B87-D212D2CF675A}"/>
+              </a:ext>
+            </a:extLst>
+          </p:cNvPr>
+          <p:cNvGrpSpPr/>
+          <p:nvPr/>
+        </p:nvGrpSpPr>
+        <p:grpSpPr>
+          <a:xfrm>
+            <a:off x="736399" y="5668251"/>
+            <a:ext cx="5030527" cy="923330"/>
+            <a:chOff x="838200" y="1910954"/>
+            <a:chExt cx="5030527" cy="923330"/>
+          </a:xfrm>
+        </p:grpSpPr>
+        <p:sp>
+          <p:nvSpPr>
+            <p:cNvPr id="29" name="TextBox 28">
+              <a:extLst>
+                <a:ext uri="{FF2B5EF4-FFF2-40B4-BE49-F238E27FC236}">
+                  <a16:creationId xmlns:a16="http://schemas.microsoft.com/office/drawing/2014/main" id="{C01DB80A-9374-BA9B-7968-10DBF0FE4335}"/>
+                </a:ext>
+              </a:extLst>
+            </p:cNvPr>
+            <p:cNvSpPr txBox="1"/>
+            <p:nvPr/>
+          </p:nvSpPr>
+          <p:spPr>
+            <a:xfrm>
+              <a:off x="838200" y="1910954"/>
+              <a:ext cx="944527" cy="707886"/>
+            </a:xfrm>
+            <a:prstGeom prst="rect">
+              <a:avLst/>
+            </a:prstGeom>
+            <a:noFill/>
+          </p:spPr>
+          <p:txBody>
+            <a:bodyPr wrap="square" rtlCol="0">
+              <a:spAutoFit/>
+            </a:bodyPr>
+            <a:lstStyle/>
+            <a:p>
+              <a:r>
+                <a:rPr lang="ru-RU" sz="4000" b="1" dirty="0">
+                  <a:solidFill>
+                    <a:srgbClr val="0070C0"/>
+                  </a:solidFill>
+                  <a:latin typeface="JetBrains Mono" panose="02000009000000000000" pitchFamily="49" charset="0"/>
+                  <a:ea typeface="JetBrains Mono" panose="02000009000000000000" pitchFamily="49" charset="0"/>
+                  <a:cs typeface="JetBrains Mono" panose="02000009000000000000" pitchFamily="49" charset="0"/>
+                </a:rPr>
+                <a:t>04</a:t>
+              </a:r>
+            </a:p>
+          </p:txBody>
+        </p:sp>
+        <p:sp>
+          <p:nvSpPr>
+            <p:cNvPr id="30" name="TextBox 29">
+              <a:extLst>
+                <a:ext uri="{FF2B5EF4-FFF2-40B4-BE49-F238E27FC236}">
+                  <a16:creationId xmlns:a16="http://schemas.microsoft.com/office/drawing/2014/main" id="{168F8E89-C550-068C-A6BE-561E026AE1ED}"/>
+                </a:ext>
+              </a:extLst>
+            </p:cNvPr>
+            <p:cNvSpPr txBox="1"/>
+            <p:nvPr/>
+          </p:nvSpPr>
+          <p:spPr>
+            <a:xfrm>
+              <a:off x="1782727" y="1910954"/>
+              <a:ext cx="4086000" cy="923330"/>
+            </a:xfrm>
+            <a:prstGeom prst="rect">
+              <a:avLst/>
+            </a:prstGeom>
+            <a:noFill/>
+          </p:spPr>
+          <p:txBody>
+            <a:bodyPr wrap="square" rtlCol="0">
+              <a:spAutoFit/>
+            </a:bodyPr>
+            <a:lstStyle/>
+            <a:p>
+              <a:pPr algn="just"/>
+              <a:r>
+                <a:rPr lang="ru-RU" dirty="0"/>
+                <a:t>Приложение позволяет увеличивать число распознаваемых классов при наличии необходимых </a:t>
+              </a:r>
+              <a:r>
+                <a:rPr lang="ru-RU" dirty="0" err="1"/>
+                <a:t>датасетов</a:t>
+              </a:r>
+              <a:endParaRPr lang="ru-RU" dirty="0"/>
+            </a:p>
+          </p:txBody>
+        </p:sp>
+      </p:grpSp>
     </p:spTree>
     <p:extLst>
       <p:ext uri="{BB962C8B-B14F-4D97-AF65-F5344CB8AC3E}">
@@ -7317,7 +7158,80 @@
               <a:rPr lang="ru-RU" sz="4400" dirty="0">
                 <a:latin typeface="Consolas" panose="020B0609020204030204" pitchFamily="49" charset="0"/>
               </a:rPr>
-              <a:t>Критерии оценки</a:t>
+              <a:t>Почему наше решение лучшее</a:t>
+            </a:r>
+          </a:p>
+        </p:txBody>
+      </p:sp>
+      <p:sp>
+        <p:nvSpPr>
+          <p:cNvPr id="7" name="Объект 6">
+            <a:extLst>
+              <a:ext uri="{FF2B5EF4-FFF2-40B4-BE49-F238E27FC236}">
+                <a16:creationId xmlns:a16="http://schemas.microsoft.com/office/drawing/2014/main" id="{1EF56B53-0E4B-DFB0-72F9-FE59522539D6}"/>
+              </a:ext>
+            </a:extLst>
+          </p:cNvPr>
+          <p:cNvSpPr>
+            <a:spLocks noGrp="1"/>
+          </p:cNvSpPr>
+          <p:nvPr>
+            <p:ph idx="1"/>
+          </p:nvPr>
+        </p:nvSpPr>
+        <p:spPr/>
+        <p:txBody>
+          <a:bodyPr/>
+          <a:lstStyle/>
+          <a:p>
+            <a:pPr marL="0" indent="0">
+              <a:buNone/>
+            </a:pPr>
+            <a:r>
+              <a:rPr lang="ru-RU" dirty="0"/>
+              <a:t>1.</a:t>
+            </a:r>
+            <a:r>
+              <a:rPr lang="en-US" dirty="0"/>
+              <a:t> </a:t>
+            </a:r>
+            <a:r>
+              <a:rPr lang="ru-RU" dirty="0"/>
+              <a:t>Подобранная архитектура </a:t>
+            </a:r>
+            <a:r>
+              <a:rPr lang="en-US" dirty="0"/>
+              <a:t>YOLO </a:t>
+            </a:r>
+            <a:r>
+              <a:rPr lang="ru-RU" dirty="0"/>
+              <a:t>позволяет получать разные данные: количество объектов, их класс, положение на изображении, точные границы занимаемого пространства</a:t>
+            </a:r>
+            <a:br>
+              <a:rPr lang="ru-RU" dirty="0"/>
+            </a:br>
+            <a:endParaRPr lang="ru-RU" dirty="0"/>
+          </a:p>
+          <a:p>
+            <a:pPr marL="0" indent="0">
+              <a:buNone/>
+            </a:pPr>
+            <a:r>
+              <a:rPr lang="ru-RU" dirty="0"/>
+              <a:t>2. В приложении предусмотрен функционал по выводу статистики как по каждому изображению, так и по набору в целом</a:t>
+            </a:r>
+            <a:br>
+              <a:rPr lang="ru-RU" dirty="0"/>
+            </a:br>
+            <a:endParaRPr lang="ru-RU" dirty="0"/>
+          </a:p>
+          <a:p>
+            <a:pPr marL="0" indent="0">
+              <a:buNone/>
+            </a:pPr>
+            <a:r>
+              <a:rPr lang="ru-RU" dirty="0"/>
+              <a:t>3. Используемый стек технологий обеспечивает автономность решения</a:t>
             </a:r>
           </a:p>
         </p:txBody>
@@ -7325,7 +7239,7 @@
     </p:spTree>
     <p:extLst>
       <p:ext uri="{BB962C8B-B14F-4D97-AF65-F5344CB8AC3E}">
-        <p14:creationId xmlns:p14="http://schemas.microsoft.com/office/powerpoint/2010/main" val="2739168933"/>
+        <p14:creationId xmlns:p14="http://schemas.microsoft.com/office/powerpoint/2010/main" val="2938514510"/>
       </p:ext>
     </p:extLst>
   </p:cSld>
@@ -7375,90 +7289,719 @@
           <a:p>
             <a:r>
               <a:rPr lang="ru-RU" sz="4400" dirty="0">
+                <a:latin typeface="JetBrains Mono" panose="02000009000000000000" pitchFamily="49" charset="0"/>
+                <a:ea typeface="JetBrains Mono" panose="02000009000000000000" pitchFamily="49" charset="0"/>
+                <a:cs typeface="JetBrains Mono" panose="02000009000000000000" pitchFamily="49" charset="0"/>
+              </a:rPr>
+              <a:t>Команда</a:t>
+            </a:r>
+          </a:p>
+        </p:txBody>
+      </p:sp>
+      <p:grpSp>
+        <p:nvGrpSpPr>
+          <p:cNvPr id="5" name="Группа 4">
+            <a:extLst>
+              <a:ext uri="{FF2B5EF4-FFF2-40B4-BE49-F238E27FC236}">
+                <a16:creationId xmlns:a16="http://schemas.microsoft.com/office/drawing/2014/main" id="{AFEE0DDD-B668-C3E8-78F7-6C098C59483C}"/>
+              </a:ext>
+            </a:extLst>
+          </p:cNvPr>
+          <p:cNvGrpSpPr/>
+          <p:nvPr/>
+        </p:nvGrpSpPr>
+        <p:grpSpPr>
+          <a:xfrm>
+            <a:off x="1515092" y="3566192"/>
+            <a:ext cx="3748897" cy="923330"/>
+            <a:chOff x="4664870" y="2140030"/>
+            <a:chExt cx="3748897" cy="923330"/>
+          </a:xfrm>
+        </p:grpSpPr>
+        <p:sp>
+          <p:nvSpPr>
+            <p:cNvPr id="6" name="TextBox 5">
+              <a:extLst>
+                <a:ext uri="{FF2B5EF4-FFF2-40B4-BE49-F238E27FC236}">
+                  <a16:creationId xmlns:a16="http://schemas.microsoft.com/office/drawing/2014/main" id="{0F650437-6E93-A867-E2EC-B4A06D1EF218}"/>
+                </a:ext>
+              </a:extLst>
+            </p:cNvPr>
+            <p:cNvSpPr txBox="1"/>
+            <p:nvPr/>
+          </p:nvSpPr>
+          <p:spPr>
+            <a:xfrm>
+              <a:off x="5774364" y="2140030"/>
+              <a:ext cx="2639403" cy="646331"/>
+            </a:xfrm>
+            <a:prstGeom prst="rect">
+              <a:avLst/>
+            </a:prstGeom>
+            <a:noFill/>
+          </p:spPr>
+          <p:txBody>
+            <a:bodyPr wrap="square" rtlCol="0">
+              <a:spAutoFit/>
+            </a:bodyPr>
+            <a:lstStyle/>
+            <a:p>
+              <a:r>
+                <a:rPr lang="ru-RU" b="1" dirty="0">
+                  <a:latin typeface="JetBrains Mono" panose="02000009000000000000" pitchFamily="49" charset="0"/>
+                  <a:ea typeface="JetBrains Mono" panose="02000009000000000000" pitchFamily="49" charset="0"/>
+                  <a:cs typeface="JetBrains Mono" panose="02000009000000000000" pitchFamily="49" charset="0"/>
+                </a:rPr>
+                <a:t>Воронцов Роман</a:t>
+              </a:r>
+              <a:endParaRPr lang="en-US" b="1" dirty="0">
+                <a:latin typeface="JetBrains Mono" panose="02000009000000000000" pitchFamily="49" charset="0"/>
+                <a:ea typeface="JetBrains Mono" panose="02000009000000000000" pitchFamily="49" charset="0"/>
+                <a:cs typeface="JetBrains Mono" panose="02000009000000000000" pitchFamily="49" charset="0"/>
+              </a:endParaRPr>
+            </a:p>
+            <a:p>
+              <a:endParaRPr lang="en-US" sz="400" i="1" dirty="0">
+                <a:solidFill>
+                  <a:srgbClr val="000000"/>
+                </a:solidFill>
                 <a:latin typeface="Consolas" panose="020B0609020204030204" pitchFamily="49" charset="0"/>
-              </a:rPr>
-              <a:t>Почему наше решение лучшее</a:t>
-            </a:r>
-          </a:p>
-        </p:txBody>
-      </p:sp>
-      <p:sp>
-        <p:nvSpPr>
-          <p:cNvPr id="7" name="Объект 6">
-            <a:extLst>
-              <a:ext uri="{FF2B5EF4-FFF2-40B4-BE49-F238E27FC236}">
-                <a16:creationId xmlns:a16="http://schemas.microsoft.com/office/drawing/2014/main" id="{1EF56B53-0E4B-DFB0-72F9-FE59522539D6}"/>
-              </a:ext>
-            </a:extLst>
-          </p:cNvPr>
-          <p:cNvSpPr>
-            <a:spLocks noGrp="1"/>
-          </p:cNvSpPr>
-          <p:nvPr>
-            <p:ph idx="1"/>
-          </p:nvPr>
-        </p:nvSpPr>
-        <p:spPr/>
-        <p:txBody>
-          <a:bodyPr/>
-          <a:lstStyle/>
-          <a:p>
-            <a:pPr marL="0" indent="0">
-              <a:buNone/>
-            </a:pPr>
-            <a:r>
-              <a:rPr lang="ru-RU" dirty="0"/>
-              <a:t>1.</a:t>
-            </a:r>
-            <a:r>
-              <a:rPr lang="en-US" dirty="0"/>
-              <a:t> </a:t>
-            </a:r>
-            <a:r>
-              <a:rPr lang="ru-RU" dirty="0"/>
-              <a:t>Подобранная архитектура </a:t>
-            </a:r>
-            <a:r>
-              <a:rPr lang="en-US" dirty="0"/>
-              <a:t>YOLO </a:t>
-            </a:r>
-            <a:r>
-              <a:rPr lang="ru-RU" dirty="0"/>
-              <a:t>позволяет получать разные данные: количество объектов, их класс, положение на изображении, точные границы занимаемого пространства</a:t>
-            </a:r>
-            <a:br>
-              <a:rPr lang="ru-RU" dirty="0"/>
-            </a:br>
-            <a:endParaRPr lang="ru-RU" dirty="0"/>
-          </a:p>
-          <a:p>
-            <a:pPr marL="0" indent="0">
-              <a:buNone/>
-            </a:pPr>
-            <a:r>
-              <a:rPr lang="ru-RU" dirty="0"/>
-              <a:t>2. В приложении предусмотрен функционал по выводу статистики как по каждому изображению, так и по набору в целом</a:t>
-            </a:r>
-            <a:br>
-              <a:rPr lang="ru-RU" dirty="0"/>
-            </a:br>
-            <a:endParaRPr lang="ru-RU" dirty="0"/>
-          </a:p>
-          <a:p>
-            <a:pPr marL="0" indent="0">
-              <a:buNone/>
-            </a:pPr>
-            <a:r>
-              <a:rPr lang="ru-RU" dirty="0"/>
-              <a:t>3. Используемый стек технологий обеспечивает автономность решения</a:t>
-            </a:r>
-          </a:p>
-        </p:txBody>
-      </p:sp>
+              </a:endParaRPr>
+            </a:p>
+            <a:p>
+              <a:r>
+                <a:rPr lang="ru-RU" sz="1400" i="1" dirty="0">
+                  <a:solidFill>
+                    <a:srgbClr val="000000"/>
+                  </a:solidFill>
+                  <a:latin typeface="Consolas" panose="020B0609020204030204" pitchFamily="49" charset="0"/>
+                </a:rPr>
+                <a:t>Разработчик, дизайнер</a:t>
+              </a:r>
+            </a:p>
+          </p:txBody>
+        </p:sp>
+        <p:pic>
+          <p:nvPicPr>
+            <p:cNvPr id="8" name="Рисунок 7">
+              <a:extLst>
+                <a:ext uri="{FF2B5EF4-FFF2-40B4-BE49-F238E27FC236}">
+                  <a16:creationId xmlns:a16="http://schemas.microsoft.com/office/drawing/2014/main" id="{2AD7BF17-F29F-07CA-5B97-E81C598EC5C4}"/>
+                </a:ext>
+              </a:extLst>
+            </p:cNvPr>
+            <p:cNvPicPr>
+              <a:picLocks noChangeAspect="1"/>
+            </p:cNvPicPr>
+            <p:nvPr/>
+          </p:nvPicPr>
+          <p:blipFill rotWithShape="1">
+            <a:blip r:embed="rId2" cstate="print">
+              <a:extLst>
+                <a:ext uri="{28A0092B-C50C-407E-A947-70E740481C1C}">
+                  <a14:useLocalDpi xmlns:a14="http://schemas.microsoft.com/office/drawing/2010/main" val="0"/>
+                </a:ext>
+              </a:extLst>
+            </a:blip>
+            <a:srcRect t="3538" b="23507"/>
+            <a:stretch/>
+          </p:blipFill>
+          <p:spPr bwMode="auto">
+            <a:xfrm>
+              <a:off x="4664870" y="2140030"/>
+              <a:ext cx="923330" cy="923330"/>
+            </a:xfrm>
+            <a:prstGeom prst="roundRect">
+              <a:avLst>
+                <a:gd name="adj" fmla="val 9635"/>
+              </a:avLst>
+            </a:prstGeom>
+            <a:ln w="19050">
+              <a:solidFill>
+                <a:srgbClr val="7030A0"/>
+              </a:solidFill>
+            </a:ln>
+            <a:extLst>
+              <a:ext uri="{53640926-AAD7-44D8-BBD7-CCE9431645EC}">
+                <a14:shadowObscured xmlns:a14="http://schemas.microsoft.com/office/drawing/2010/main"/>
+              </a:ext>
+            </a:extLst>
+          </p:spPr>
+        </p:pic>
+      </p:grpSp>
+      <p:grpSp>
+        <p:nvGrpSpPr>
+          <p:cNvPr id="9" name="Группа 8">
+            <a:extLst>
+              <a:ext uri="{FF2B5EF4-FFF2-40B4-BE49-F238E27FC236}">
+                <a16:creationId xmlns:a16="http://schemas.microsoft.com/office/drawing/2014/main" id="{0C0F3892-C36F-1CCB-D133-4567C15FF27F}"/>
+              </a:ext>
+            </a:extLst>
+          </p:cNvPr>
+          <p:cNvGrpSpPr/>
+          <p:nvPr/>
+        </p:nvGrpSpPr>
+        <p:grpSpPr>
+          <a:xfrm>
+            <a:off x="1515092" y="1934181"/>
+            <a:ext cx="3418958" cy="925200"/>
+            <a:chOff x="714806" y="2138160"/>
+            <a:chExt cx="3418958" cy="925200"/>
+          </a:xfrm>
+        </p:grpSpPr>
+        <p:sp>
+          <p:nvSpPr>
+            <p:cNvPr id="10" name="TextBox 9">
+              <a:extLst>
+                <a:ext uri="{FF2B5EF4-FFF2-40B4-BE49-F238E27FC236}">
+                  <a16:creationId xmlns:a16="http://schemas.microsoft.com/office/drawing/2014/main" id="{1A60C1F2-6C74-66ED-A67F-54B1C2BE018D}"/>
+                </a:ext>
+              </a:extLst>
+            </p:cNvPr>
+            <p:cNvSpPr txBox="1"/>
+            <p:nvPr/>
+          </p:nvSpPr>
+          <p:spPr>
+            <a:xfrm>
+              <a:off x="1826170" y="2140030"/>
+              <a:ext cx="2307594" cy="661720"/>
+            </a:xfrm>
+            <a:prstGeom prst="rect">
+              <a:avLst/>
+            </a:prstGeom>
+            <a:noFill/>
+          </p:spPr>
+          <p:txBody>
+            <a:bodyPr wrap="square" rtlCol="0">
+              <a:spAutoFit/>
+            </a:bodyPr>
+            <a:lstStyle/>
+            <a:p>
+              <a:r>
+                <a:rPr lang="ru-RU" b="1" dirty="0" err="1">
+                  <a:latin typeface="JetBrains Mono" panose="02000009000000000000" pitchFamily="49" charset="0"/>
+                  <a:ea typeface="JetBrains Mono" panose="02000009000000000000" pitchFamily="49" charset="0"/>
+                  <a:cs typeface="JetBrains Mono" panose="02000009000000000000" pitchFamily="49" charset="0"/>
+                </a:rPr>
+                <a:t>Васендина</a:t>
+              </a:r>
+              <a:r>
+                <a:rPr lang="ru-RU" b="1" dirty="0">
+                  <a:latin typeface="JetBrains Mono" panose="02000009000000000000" pitchFamily="49" charset="0"/>
+                  <a:ea typeface="JetBrains Mono" panose="02000009000000000000" pitchFamily="49" charset="0"/>
+                  <a:cs typeface="JetBrains Mono" panose="02000009000000000000" pitchFamily="49" charset="0"/>
+                </a:rPr>
+                <a:t> Ирина</a:t>
+              </a:r>
+              <a:r>
+                <a:rPr lang="en-US" b="1" dirty="0">
+                  <a:latin typeface="JetBrains Mono" panose="02000009000000000000" pitchFamily="49" charset="0"/>
+                  <a:ea typeface="JetBrains Mono" panose="02000009000000000000" pitchFamily="49" charset="0"/>
+                  <a:cs typeface="JetBrains Mono" panose="02000009000000000000" pitchFamily="49" charset="0"/>
+                </a:rPr>
+                <a:t> </a:t>
+              </a:r>
+            </a:p>
+            <a:p>
+              <a:endParaRPr lang="en-US" sz="500" i="1" dirty="0">
+                <a:solidFill>
+                  <a:srgbClr val="000000"/>
+                </a:solidFill>
+                <a:latin typeface="Consolas" panose="020B0609020204030204" pitchFamily="49" charset="0"/>
+              </a:endParaRPr>
+            </a:p>
+            <a:p>
+              <a:r>
+                <a:rPr lang="en-US" sz="1400" i="1" dirty="0">
+                  <a:solidFill>
+                    <a:srgbClr val="000000"/>
+                  </a:solidFill>
+                  <a:latin typeface="Consolas" panose="020B0609020204030204" pitchFamily="49" charset="0"/>
+                </a:rPr>
+                <a:t>Data Scientist</a:t>
+              </a:r>
+              <a:endParaRPr lang="ru-RU" sz="1400" i="1" dirty="0">
+                <a:solidFill>
+                  <a:srgbClr val="000000"/>
+                </a:solidFill>
+                <a:effectLst/>
+                <a:latin typeface="Consolas" panose="020B0609020204030204" pitchFamily="49" charset="0"/>
+              </a:endParaRPr>
+            </a:p>
+          </p:txBody>
+        </p:sp>
+        <p:pic>
+          <p:nvPicPr>
+            <p:cNvPr id="11" name="Picture 2">
+              <a:extLst>
+                <a:ext uri="{FF2B5EF4-FFF2-40B4-BE49-F238E27FC236}">
+                  <a16:creationId xmlns:a16="http://schemas.microsoft.com/office/drawing/2014/main" id="{04FB27A2-6306-5316-BA03-15C2568C6D14}"/>
+                </a:ext>
+              </a:extLst>
+            </p:cNvPr>
+            <p:cNvPicPr>
+              <a:picLocks noChangeAspect="1" noChangeArrowheads="1"/>
+            </p:cNvPicPr>
+            <p:nvPr/>
+          </p:nvPicPr>
+          <p:blipFill rotWithShape="1">
+            <a:blip r:embed="rId3" cstate="print">
+              <a:extLst>
+                <a:ext uri="{28A0092B-C50C-407E-A947-70E740481C1C}">
+                  <a14:useLocalDpi xmlns:a14="http://schemas.microsoft.com/office/drawing/2010/main" val="0"/>
+                </a:ext>
+              </a:extLst>
+            </a:blip>
+            <a:srcRect t="103" b="24277"/>
+            <a:stretch/>
+          </p:blipFill>
+          <p:spPr bwMode="auto">
+            <a:xfrm>
+              <a:off x="714806" y="2138160"/>
+              <a:ext cx="925200" cy="925200"/>
+            </a:xfrm>
+            <a:prstGeom prst="roundRect">
+              <a:avLst>
+                <a:gd name="adj" fmla="val 9922"/>
+              </a:avLst>
+            </a:prstGeom>
+            <a:noFill/>
+            <a:ln>
+              <a:solidFill>
+                <a:srgbClr val="88218E"/>
+              </a:solidFill>
+            </a:ln>
+            <a:extLst>
+              <a:ext uri="{909E8E84-426E-40DD-AFC4-6F175D3DCCD1}">
+                <a14:hiddenFill xmlns:a14="http://schemas.microsoft.com/office/drawing/2010/main">
+                  <a:solidFill>
+                    <a:srgbClr val="FFFFFF"/>
+                  </a:solidFill>
+                </a14:hiddenFill>
+              </a:ext>
+            </a:extLst>
+          </p:spPr>
+        </p:pic>
+      </p:grpSp>
+      <p:grpSp>
+        <p:nvGrpSpPr>
+          <p:cNvPr id="19" name="Группа 18">
+            <a:extLst>
+              <a:ext uri="{FF2B5EF4-FFF2-40B4-BE49-F238E27FC236}">
+                <a16:creationId xmlns:a16="http://schemas.microsoft.com/office/drawing/2014/main" id="{B6D3FCFA-63B0-4600-20A4-F146E0456411}"/>
+              </a:ext>
+            </a:extLst>
+          </p:cNvPr>
+          <p:cNvGrpSpPr/>
+          <p:nvPr/>
+        </p:nvGrpSpPr>
+        <p:grpSpPr>
+          <a:xfrm>
+            <a:off x="7091647" y="1889199"/>
+            <a:ext cx="3418959" cy="940945"/>
+            <a:chOff x="257792" y="3976810"/>
+            <a:chExt cx="3418959" cy="940945"/>
+          </a:xfrm>
+        </p:grpSpPr>
+        <p:sp>
+          <p:nvSpPr>
+            <p:cNvPr id="4" name="TextBox 3">
+              <a:extLst>
+                <a:ext uri="{FF2B5EF4-FFF2-40B4-BE49-F238E27FC236}">
+                  <a16:creationId xmlns:a16="http://schemas.microsoft.com/office/drawing/2014/main" id="{4EC1183B-949C-3F07-CB0E-C2937DE54A7C}"/>
+                </a:ext>
+              </a:extLst>
+            </p:cNvPr>
+            <p:cNvSpPr txBox="1"/>
+            <p:nvPr/>
+          </p:nvSpPr>
+          <p:spPr>
+            <a:xfrm>
+              <a:off x="1367287" y="3976810"/>
+              <a:ext cx="2309464" cy="646331"/>
+            </a:xfrm>
+            <a:prstGeom prst="rect">
+              <a:avLst/>
+            </a:prstGeom>
+            <a:noFill/>
+          </p:spPr>
+          <p:txBody>
+            <a:bodyPr wrap="square" rtlCol="0">
+              <a:spAutoFit/>
+            </a:bodyPr>
+            <a:lstStyle/>
+            <a:p>
+              <a:r>
+                <a:rPr lang="ru-RU" b="1" dirty="0">
+                  <a:latin typeface="JetBrains Mono" panose="02000009000000000000" pitchFamily="49" charset="0"/>
+                  <a:ea typeface="JetBrains Mono" panose="02000009000000000000" pitchFamily="49" charset="0"/>
+                  <a:cs typeface="JetBrains Mono" panose="02000009000000000000" pitchFamily="49" charset="0"/>
+                </a:rPr>
+                <a:t>Петров Дмитрий</a:t>
+              </a:r>
+              <a:endParaRPr lang="en-US" b="1" dirty="0">
+                <a:latin typeface="JetBrains Mono" panose="02000009000000000000" pitchFamily="49" charset="0"/>
+                <a:ea typeface="JetBrains Mono" panose="02000009000000000000" pitchFamily="49" charset="0"/>
+                <a:cs typeface="JetBrains Mono" panose="02000009000000000000" pitchFamily="49" charset="0"/>
+              </a:endParaRPr>
+            </a:p>
+            <a:p>
+              <a:endParaRPr lang="en-US" sz="400" dirty="0">
+                <a:solidFill>
+                  <a:srgbClr val="000000"/>
+                </a:solidFill>
+                <a:latin typeface="Consolas" panose="020B0609020204030204" pitchFamily="49" charset="0"/>
+              </a:endParaRPr>
+            </a:p>
+            <a:p>
+              <a:r>
+                <a:rPr lang="en-US" sz="1400" i="1" dirty="0">
+                  <a:solidFill>
+                    <a:srgbClr val="000000"/>
+                  </a:solidFill>
+                  <a:latin typeface="Consolas" panose="020B0609020204030204" pitchFamily="49" charset="0"/>
+                </a:rPr>
+                <a:t>Data Scientist</a:t>
+              </a:r>
+              <a:endParaRPr lang="ru-RU" sz="1400" i="1" dirty="0">
+                <a:solidFill>
+                  <a:srgbClr val="000000"/>
+                </a:solidFill>
+                <a:effectLst/>
+                <a:latin typeface="Consolas" panose="020B0609020204030204" pitchFamily="49" charset="0"/>
+              </a:endParaRPr>
+            </a:p>
+          </p:txBody>
+        </p:sp>
+        <p:pic>
+          <p:nvPicPr>
+            <p:cNvPr id="12" name="Picture 2">
+              <a:extLst>
+                <a:ext uri="{FF2B5EF4-FFF2-40B4-BE49-F238E27FC236}">
+                  <a16:creationId xmlns:a16="http://schemas.microsoft.com/office/drawing/2014/main" id="{E8134485-D8FF-22F4-947D-6FDF16C1890F}"/>
+                </a:ext>
+              </a:extLst>
+            </p:cNvPr>
+            <p:cNvPicPr>
+              <a:picLocks noChangeAspect="1" noChangeArrowheads="1"/>
+            </p:cNvPicPr>
+            <p:nvPr/>
+          </p:nvPicPr>
+          <p:blipFill rotWithShape="1">
+            <a:blip r:embed="rId4" cstate="print">
+              <a:extLst>
+                <a:ext uri="{28A0092B-C50C-407E-A947-70E740481C1C}">
+                  <a14:useLocalDpi xmlns:a14="http://schemas.microsoft.com/office/drawing/2010/main" val="0"/>
+                </a:ext>
+              </a:extLst>
+            </a:blip>
+            <a:srcRect l="22742" t="31182" r="11285" b="31708"/>
+            <a:stretch/>
+          </p:blipFill>
+          <p:spPr bwMode="auto">
+            <a:xfrm>
+              <a:off x="257792" y="3992555"/>
+              <a:ext cx="925200" cy="925200"/>
+            </a:xfrm>
+            <a:prstGeom prst="roundRect">
+              <a:avLst>
+                <a:gd name="adj" fmla="val 7659"/>
+              </a:avLst>
+            </a:prstGeom>
+            <a:noFill/>
+            <a:ln w="19050">
+              <a:solidFill>
+                <a:srgbClr val="7030A0"/>
+              </a:solidFill>
+            </a:ln>
+            <a:extLst>
+              <a:ext uri="{909E8E84-426E-40DD-AFC4-6F175D3DCCD1}">
+                <a14:hiddenFill xmlns:a14="http://schemas.microsoft.com/office/drawing/2010/main">
+                  <a:solidFill>
+                    <a:srgbClr val="FFFFFF"/>
+                  </a:solidFill>
+                </a14:hiddenFill>
+              </a:ext>
+            </a:extLst>
+          </p:spPr>
+        </p:pic>
+      </p:grpSp>
+      <p:grpSp>
+        <p:nvGrpSpPr>
+          <p:cNvPr id="7" name="Группа 6">
+            <a:extLst>
+              <a:ext uri="{FF2B5EF4-FFF2-40B4-BE49-F238E27FC236}">
+                <a16:creationId xmlns:a16="http://schemas.microsoft.com/office/drawing/2014/main" id="{6092EBD1-A7FE-5846-E575-D3A03CF7FD7C}"/>
+              </a:ext>
+            </a:extLst>
+          </p:cNvPr>
+          <p:cNvGrpSpPr/>
+          <p:nvPr/>
+        </p:nvGrpSpPr>
+        <p:grpSpPr>
+          <a:xfrm>
+            <a:off x="7091647" y="3566192"/>
+            <a:ext cx="3252453" cy="925200"/>
+            <a:chOff x="7091647" y="3566192"/>
+            <a:chExt cx="3252453" cy="925200"/>
+          </a:xfrm>
+        </p:grpSpPr>
+        <p:sp>
+          <p:nvSpPr>
+            <p:cNvPr id="15" name="TextBox 14">
+              <a:extLst>
+                <a:ext uri="{FF2B5EF4-FFF2-40B4-BE49-F238E27FC236}">
+                  <a16:creationId xmlns:a16="http://schemas.microsoft.com/office/drawing/2014/main" id="{79ADBB62-30E4-F463-5F10-508380DAD8F3}"/>
+                </a:ext>
+              </a:extLst>
+            </p:cNvPr>
+            <p:cNvSpPr txBox="1"/>
+            <p:nvPr/>
+          </p:nvSpPr>
+          <p:spPr>
+            <a:xfrm>
+              <a:off x="8206186" y="3582339"/>
+              <a:ext cx="2137914" cy="707886"/>
+            </a:xfrm>
+            <a:prstGeom prst="rect">
+              <a:avLst/>
+            </a:prstGeom>
+            <a:noFill/>
+          </p:spPr>
+          <p:txBody>
+            <a:bodyPr wrap="square" rtlCol="0">
+              <a:spAutoFit/>
+            </a:bodyPr>
+            <a:lstStyle/>
+            <a:p>
+              <a:r>
+                <a:rPr lang="ru-RU" b="1" dirty="0">
+                  <a:latin typeface="JetBrains Mono" panose="02000009000000000000" pitchFamily="49" charset="0"/>
+                  <a:ea typeface="JetBrains Mono" panose="02000009000000000000" pitchFamily="49" charset="0"/>
+                  <a:cs typeface="JetBrains Mono" panose="02000009000000000000" pitchFamily="49" charset="0"/>
+                </a:rPr>
+                <a:t>Новинский Илья</a:t>
+              </a:r>
+              <a:endParaRPr lang="en-US" b="1" dirty="0">
+                <a:latin typeface="JetBrains Mono" panose="02000009000000000000" pitchFamily="49" charset="0"/>
+                <a:ea typeface="JetBrains Mono" panose="02000009000000000000" pitchFamily="49" charset="0"/>
+                <a:cs typeface="JetBrains Mono" panose="02000009000000000000" pitchFamily="49" charset="0"/>
+              </a:endParaRPr>
+            </a:p>
+            <a:p>
+              <a:endParaRPr lang="en-US" sz="800" dirty="0">
+                <a:solidFill>
+                  <a:srgbClr val="000000"/>
+                </a:solidFill>
+                <a:latin typeface="Consolas" panose="020B0609020204030204" pitchFamily="49" charset="0"/>
+              </a:endParaRPr>
+            </a:p>
+            <a:p>
+              <a:r>
+                <a:rPr lang="ru-RU" sz="1400" i="1" dirty="0">
+                  <a:solidFill>
+                    <a:srgbClr val="000000"/>
+                  </a:solidFill>
+                  <a:latin typeface="Consolas" panose="020B0609020204030204" pitchFamily="49" charset="0"/>
+                </a:rPr>
+                <a:t>Разработчик</a:t>
+              </a:r>
+            </a:p>
+          </p:txBody>
+        </p:sp>
+        <p:pic>
+          <p:nvPicPr>
+            <p:cNvPr id="1026" name="Picture 2">
+              <a:extLst>
+                <a:ext uri="{FF2B5EF4-FFF2-40B4-BE49-F238E27FC236}">
+                  <a16:creationId xmlns:a16="http://schemas.microsoft.com/office/drawing/2014/main" id="{C707B457-67CA-C763-D1BC-B9391817C141}"/>
+                </a:ext>
+              </a:extLst>
+            </p:cNvPr>
+            <p:cNvPicPr>
+              <a:picLocks noChangeAspect="1" noChangeArrowheads="1"/>
+            </p:cNvPicPr>
+            <p:nvPr/>
+          </p:nvPicPr>
+          <p:blipFill rotWithShape="1">
+            <a:blip r:embed="rId5">
+              <a:extLst>
+                <a:ext uri="{28A0092B-C50C-407E-A947-70E740481C1C}">
+                  <a14:useLocalDpi xmlns:a14="http://schemas.microsoft.com/office/drawing/2010/main" val="0"/>
+                </a:ext>
+              </a:extLst>
+            </a:blip>
+            <a:srcRect l="-408" t="6614" r="408" b="15584"/>
+            <a:stretch/>
+          </p:blipFill>
+          <p:spPr bwMode="auto">
+            <a:xfrm>
+              <a:off x="7091647" y="3566192"/>
+              <a:ext cx="925200" cy="925200"/>
+            </a:xfrm>
+            <a:prstGeom prst="roundRect">
+              <a:avLst/>
+            </a:prstGeom>
+            <a:noFill/>
+            <a:ln w="28575">
+              <a:solidFill>
+                <a:srgbClr val="7030A0"/>
+              </a:solidFill>
+            </a:ln>
+            <a:extLst>
+              <a:ext uri="{909E8E84-426E-40DD-AFC4-6F175D3DCCD1}">
+                <a14:hiddenFill xmlns:a14="http://schemas.microsoft.com/office/drawing/2010/main">
+                  <a:solidFill>
+                    <a:srgbClr val="FFFFFF"/>
+                  </a:solidFill>
+                </a14:hiddenFill>
+              </a:ext>
+            </a:extLst>
+          </p:spPr>
+        </p:pic>
+      </p:grpSp>
+      <p:grpSp>
+        <p:nvGrpSpPr>
+          <p:cNvPr id="13" name="Группа 12">
+            <a:extLst>
+              <a:ext uri="{FF2B5EF4-FFF2-40B4-BE49-F238E27FC236}">
+                <a16:creationId xmlns:a16="http://schemas.microsoft.com/office/drawing/2014/main" id="{A0AEA3C4-71BE-7A85-0FDB-7D26BAD6A5F3}"/>
+              </a:ext>
+            </a:extLst>
+          </p:cNvPr>
+          <p:cNvGrpSpPr/>
+          <p:nvPr/>
+        </p:nvGrpSpPr>
+        <p:grpSpPr>
+          <a:xfrm>
+            <a:off x="1515092" y="5196333"/>
+            <a:ext cx="3582654" cy="862948"/>
+            <a:chOff x="1515092" y="5196333"/>
+            <a:chExt cx="3582654" cy="862948"/>
+          </a:xfrm>
+        </p:grpSpPr>
+        <p:sp>
+          <p:nvSpPr>
+            <p:cNvPr id="16" name="TextBox 15">
+              <a:extLst>
+                <a:ext uri="{FF2B5EF4-FFF2-40B4-BE49-F238E27FC236}">
+                  <a16:creationId xmlns:a16="http://schemas.microsoft.com/office/drawing/2014/main" id="{50B3F4AC-8C26-1925-55C5-CEB4DCFF3CAA}"/>
+                </a:ext>
+              </a:extLst>
+            </p:cNvPr>
+            <p:cNvSpPr txBox="1"/>
+            <p:nvPr/>
+          </p:nvSpPr>
+          <p:spPr>
+            <a:xfrm>
+              <a:off x="2629632" y="5196986"/>
+              <a:ext cx="2468114" cy="646331"/>
+            </a:xfrm>
+            <a:prstGeom prst="rect">
+              <a:avLst/>
+            </a:prstGeom>
+            <a:noFill/>
+          </p:spPr>
+          <p:txBody>
+            <a:bodyPr wrap="square" rtlCol="0">
+              <a:spAutoFit/>
+            </a:bodyPr>
+            <a:lstStyle/>
+            <a:p>
+              <a:r>
+                <a:rPr lang="ru-RU" b="1" dirty="0">
+                  <a:latin typeface="JetBrains Mono" panose="02000009000000000000" pitchFamily="49" charset="0"/>
+                  <a:ea typeface="JetBrains Mono" panose="02000009000000000000" pitchFamily="49" charset="0"/>
+                  <a:cs typeface="JetBrains Mono" panose="02000009000000000000" pitchFamily="49" charset="0"/>
+                </a:rPr>
+                <a:t>Синников Артемий</a:t>
+              </a:r>
+              <a:endParaRPr lang="en-US" b="1" dirty="0">
+                <a:latin typeface="JetBrains Mono" panose="02000009000000000000" pitchFamily="49" charset="0"/>
+                <a:ea typeface="JetBrains Mono" panose="02000009000000000000" pitchFamily="49" charset="0"/>
+                <a:cs typeface="JetBrains Mono" panose="02000009000000000000" pitchFamily="49" charset="0"/>
+              </a:endParaRPr>
+            </a:p>
+            <a:p>
+              <a:endParaRPr lang="en-US" sz="400" i="0" dirty="0">
+                <a:solidFill>
+                  <a:srgbClr val="000000"/>
+                </a:solidFill>
+                <a:effectLst/>
+                <a:latin typeface="Consolas" panose="020B0609020204030204" pitchFamily="49" charset="0"/>
+              </a:endParaRPr>
+            </a:p>
+            <a:p>
+              <a:r>
+                <a:rPr lang="ru-RU" sz="1400" i="1" dirty="0">
+                  <a:solidFill>
+                    <a:srgbClr val="000000"/>
+                  </a:solidFill>
+                  <a:effectLst/>
+                  <a:latin typeface="Consolas" panose="020B0609020204030204" pitchFamily="49" charset="0"/>
+                </a:rPr>
+                <a:t>Разработчик</a:t>
+              </a:r>
+            </a:p>
+          </p:txBody>
+        </p:sp>
+        <p:pic>
+          <p:nvPicPr>
+            <p:cNvPr id="1028" name="Picture 4">
+              <a:extLst>
+                <a:ext uri="{FF2B5EF4-FFF2-40B4-BE49-F238E27FC236}">
+                  <a16:creationId xmlns:a16="http://schemas.microsoft.com/office/drawing/2014/main" id="{E34C44E9-5AF6-3A49-B98E-54B5F0088F79}"/>
+                </a:ext>
+              </a:extLst>
+            </p:cNvPr>
+            <p:cNvPicPr>
+              <a:picLocks noChangeAspect="1" noChangeArrowheads="1"/>
+            </p:cNvPicPr>
+            <p:nvPr/>
+          </p:nvPicPr>
+          <p:blipFill rotWithShape="1">
+            <a:blip r:embed="rId6">
+              <a:extLst>
+                <a:ext uri="{28A0092B-C50C-407E-A947-70E740481C1C}">
+                  <a14:useLocalDpi xmlns:a14="http://schemas.microsoft.com/office/drawing/2010/main" val="0"/>
+                </a:ext>
+              </a:extLst>
+            </a:blip>
+            <a:srcRect l="26248" t="8547" r="34673" b="66106"/>
+            <a:stretch/>
+          </p:blipFill>
+          <p:spPr bwMode="auto">
+            <a:xfrm>
+              <a:off x="1515092" y="5196333"/>
+              <a:ext cx="925200" cy="862948"/>
+            </a:xfrm>
+            <a:prstGeom prst="roundRect">
+              <a:avLst>
+                <a:gd name="adj" fmla="val 12252"/>
+              </a:avLst>
+            </a:prstGeom>
+            <a:noFill/>
+            <a:ln w="19050">
+              <a:solidFill>
+                <a:srgbClr val="7030A0"/>
+              </a:solidFill>
+            </a:ln>
+            <a:extLst>
+              <a:ext uri="{909E8E84-426E-40DD-AFC4-6F175D3DCCD1}">
+                <a14:hiddenFill xmlns:a14="http://schemas.microsoft.com/office/drawing/2010/main">
+                  <a:solidFill>
+                    <a:srgbClr val="FFFFFF"/>
+                  </a:solidFill>
+                </a14:hiddenFill>
+              </a:ext>
+            </a:extLst>
+          </p:spPr>
+        </p:pic>
+      </p:grpSp>
     </p:spTree>
     <p:extLst>
       <p:ext uri="{BB962C8B-B14F-4D97-AF65-F5344CB8AC3E}">
-        <p14:creationId xmlns:p14="http://schemas.microsoft.com/office/powerpoint/2010/main" val="2938514510"/>
+        <p14:creationId xmlns:p14="http://schemas.microsoft.com/office/powerpoint/2010/main" val="2652240038"/>
       </p:ext>
     </p:extLst>
   </p:cSld>
